--- a/labs/WSAA6DR8.2 Flask introduction_ed.pptx
+++ b/labs/WSAA6DR8.2 Flask introduction_ed.pptx
@@ -67,20 +67,17 @@
             <a:noAutofit/>
           </a:bodyPr>
           <a:p>
-            <a:r>
-              <a:rPr b="0" lang="en-US" sz="1800" spc="-1" strike="noStrike">
-                <a:solidFill>
-                  <a:srgbClr val="000000"/>
-                </a:solidFill>
-                <a:latin typeface="Rockwell"/>
+            <a:pPr algn="ctr">
+              <a:buNone/>
+            </a:pPr>
+            <a:r>
+              <a:rPr b="0" lang="en-IE" sz="4400" spc="-1" strike="noStrike">
+                <a:latin typeface="Arial"/>
               </a:rPr>
               <a:t>Click to move the slide</a:t>
             </a:r>
-            <a:endParaRPr b="0" lang="en-US" sz="1800" spc="-1" strike="noStrike">
-              <a:solidFill>
-                <a:srgbClr val="000000"/>
-              </a:solidFill>
-              <a:latin typeface="Rockwell"/>
+            <a:endParaRPr b="0" lang="en-IE" sz="4400" spc="-1" strike="noStrike">
+              <a:latin typeface="Arial"/>
             </a:endParaRPr>
           </a:p>
         </p:txBody>
@@ -302,7 +299,7 @@
             <a:pPr algn="r">
               <a:buNone/>
             </a:pPr>
-            <a:fld id="{1E7F9ECB-3F53-4ADA-B499-75069B286A95}" type="slidenum">
+            <a:fld id="{A0948B9E-8511-4044-9660-78E3154B5EB5}" type="slidenum">
               <a:rPr b="0" lang="en-IE" sz="1400" spc="-1" strike="noStrike">
                 <a:latin typeface="Times New Roman"/>
               </a:rPr>
@@ -350,7 +347,7 @@
         <p:spPr>
           <a:xfrm>
             <a:off x="216000" y="812520"/>
-            <a:ext cx="7127280" cy="4008960"/>
+            <a:ext cx="7126920" cy="4008600"/>
           </a:xfrm>
           <a:prstGeom prst="rect">
             <a:avLst/>
@@ -373,7 +370,7 @@
         <p:spPr>
           <a:xfrm>
             <a:off x="756000" y="5078520"/>
-            <a:ext cx="6047640" cy="4811040"/>
+            <a:ext cx="6047280" cy="4810680"/>
           </a:xfrm>
           <a:prstGeom prst="rect">
             <a:avLst/>
@@ -388,11 +385,153 @@
             <a:noAutofit/>
           </a:bodyPr>
           <a:p>
+            <a:pPr marL="216000" indent="-216000">
+              <a:lnSpc>
+                <a:spcPct val="100000"/>
+              </a:lnSpc>
+              <a:buNone/>
+            </a:pPr>
             <a:r>
               <a:rPr b="0" lang="en-IE" sz="2000" spc="-1" strike="noStrike">
                 <a:latin typeface="Arial"/>
               </a:rPr>
-              <a:t>creating your own web service. To do this we're going to use a package called Flask which will allow you to write the code that will respond to http://requests. Your own endpoints for http://requests that can be made by a client, by Postman, curl or even your own Python code.</a:t>
+              <a:t>creating your own web service. To do this we're going to use a </a:t>
+            </a:r>
+            <a:r>
+              <a:rPr b="0" lang="en-IE" sz="2000" spc="-1" strike="noStrike">
+                <a:latin typeface="Arial"/>
+              </a:rPr>
+              <a:t>package called Flask which will allow you to write the code </a:t>
+            </a:r>
+            <a:r>
+              <a:rPr b="0" lang="en-IE" sz="2000" spc="-1" strike="noStrike">
+                <a:latin typeface="Arial"/>
+              </a:rPr>
+              <a:t>that will respond to http://requests. Your own endpoints for </a:t>
+            </a:r>
+            <a:r>
+              <a:rPr b="0" lang="en-IE" sz="2000" spc="-1" strike="noStrike">
+                <a:latin typeface="Arial"/>
+              </a:rPr>
+              <a:t>http://requests that can be made by a client, by Postman, </a:t>
+            </a:r>
+            <a:r>
+              <a:rPr b="0" lang="en-IE" sz="2000" spc="-1" strike="noStrike">
+                <a:latin typeface="Arial"/>
+              </a:rPr>
+              <a:t>curl or even your own Python code.</a:t>
+            </a:r>
+            <a:endParaRPr b="0" lang="en-IE" sz="2000" spc="-1" strike="noStrike">
+              <a:latin typeface="Arial"/>
+            </a:endParaRPr>
+          </a:p>
+          <a:p>
+            <a:pPr marL="216000" indent="-216000">
+              <a:lnSpc>
+                <a:spcPct val="100000"/>
+              </a:lnSpc>
+              <a:buNone/>
+            </a:pPr>
+            <a:endParaRPr b="0" lang="en-IE" sz="2000" spc="-1" strike="noStrike">
+              <a:latin typeface="Arial"/>
+            </a:endParaRPr>
+          </a:p>
+          <a:p>
+            <a:pPr marL="216000" indent="-216000">
+              <a:lnSpc>
+                <a:spcPct val="100000"/>
+              </a:lnSpc>
+              <a:buNone/>
+            </a:pPr>
+            <a:r>
+              <a:rPr b="0" lang="en-IE" sz="2000" spc="-1" strike="noStrike">
+                <a:latin typeface="Arial"/>
+              </a:rPr>
+              <a:t>Virtual environment</a:t>
+            </a:r>
+            <a:endParaRPr b="0" lang="en-IE" sz="2000" spc="-1" strike="noStrike">
+              <a:latin typeface="Arial"/>
+            </a:endParaRPr>
+          </a:p>
+          <a:p>
+            <a:pPr marL="216000" indent="-216000">
+              <a:lnSpc>
+                <a:spcPct val="100000"/>
+              </a:lnSpc>
+              <a:buNone/>
+            </a:pPr>
+            <a:endParaRPr b="0" lang="en-IE" sz="2000" spc="-1" strike="noStrike">
+              <a:latin typeface="Arial"/>
+            </a:endParaRPr>
+          </a:p>
+          <a:p>
+            <a:pPr marL="216000" indent="-216000">
+              <a:lnSpc>
+                <a:spcPct val="100000"/>
+              </a:lnSpc>
+              <a:buNone/>
+            </a:pPr>
+            <a:r>
+              <a:rPr b="0" lang="en-IE" sz="2000" spc="-1" strike="noStrike">
+                <a:latin typeface="Arial"/>
+              </a:rPr>
+              <a:t>https://docs.python-guide.org/dev/virtualenvs/</a:t>
+            </a:r>
+            <a:endParaRPr b="0" lang="en-IE" sz="2000" spc="-1" strike="noStrike">
+              <a:latin typeface="Arial"/>
+            </a:endParaRPr>
+          </a:p>
+          <a:p>
+            <a:pPr marL="216000" indent="-216000">
+              <a:lnSpc>
+                <a:spcPct val="100000"/>
+              </a:lnSpc>
+              <a:buNone/>
+            </a:pPr>
+            <a:endParaRPr b="0" lang="en-IE" sz="2000" spc="-1" strike="noStrike">
+              <a:latin typeface="Arial"/>
+            </a:endParaRPr>
+          </a:p>
+          <a:p>
+            <a:pPr marL="216000" indent="-216000">
+              <a:lnSpc>
+                <a:spcPct val="100000"/>
+              </a:lnSpc>
+              <a:buNone/>
+            </a:pPr>
+            <a:r>
+              <a:rPr b="0" lang="en-IE" sz="2000" spc="-1" strike="noStrike">
+                <a:latin typeface="Arial"/>
+              </a:rPr>
+              <a:t>Using Flask</a:t>
+            </a:r>
+            <a:endParaRPr b="0" lang="en-IE" sz="2000" spc="-1" strike="noStrike">
+              <a:latin typeface="Arial"/>
+            </a:endParaRPr>
+          </a:p>
+          <a:p>
+            <a:pPr marL="216000" indent="-216000">
+              <a:lnSpc>
+                <a:spcPct val="100000"/>
+              </a:lnSpc>
+              <a:buNone/>
+            </a:pPr>
+            <a:endParaRPr b="0" lang="en-IE" sz="2000" spc="-1" strike="noStrike">
+              <a:latin typeface="Arial"/>
+            </a:endParaRPr>
+          </a:p>
+          <a:p>
+            <a:pPr marL="216000" indent="-216000">
+              <a:lnSpc>
+                <a:spcPct val="100000"/>
+              </a:lnSpc>
+              <a:buNone/>
+            </a:pPr>
+            <a:r>
+              <a:rPr b="0" lang="en-IE" sz="2000" spc="-1" strike="noStrike">
+                <a:latin typeface="Arial"/>
+              </a:rPr>
+              <a:t>https://flask.palletsprojects.com/en/latest/</a:t>
             </a:r>
             <a:endParaRPr b="0" lang="en-IE" sz="2000" spc="-1" strike="noStrike">
               <a:latin typeface="Arial"/>
@@ -435,7 +574,7 @@
         <p:spPr>
           <a:xfrm>
             <a:off x="216000" y="812520"/>
-            <a:ext cx="7127280" cy="4008960"/>
+            <a:ext cx="7126920" cy="4008600"/>
           </a:xfrm>
           <a:prstGeom prst="rect">
             <a:avLst/>
@@ -458,7 +597,7 @@
         <p:spPr>
           <a:xfrm>
             <a:off x="135000" y="5078520"/>
-            <a:ext cx="7290000" cy="5541480"/>
+            <a:ext cx="7289640" cy="5541120"/>
           </a:xfrm>
           <a:prstGeom prst="rect">
             <a:avLst/>
@@ -473,6 +612,12 @@
             <a:noAutofit/>
           </a:bodyPr>
           <a:p>
+            <a:pPr marL="216000" indent="-216000">
+              <a:lnSpc>
+                <a:spcPct val="100000"/>
+              </a:lnSpc>
+              <a:buNone/>
+            </a:pPr>
             <a:r>
               <a:rPr b="0" lang="en-IE" sz="2000" spc="-1" strike="noStrike">
                 <a:latin typeface="Arial"/>
@@ -484,6 +629,12 @@
             </a:endParaRPr>
           </a:p>
           <a:p>
+            <a:pPr marL="216000" indent="-216000">
+              <a:lnSpc>
+                <a:spcPct val="100000"/>
+              </a:lnSpc>
+              <a:buNone/>
+            </a:pPr>
             <a:r>
               <a:rPr b="0" lang="en-IE" sz="2000" spc="-1" strike="noStrike">
                 <a:latin typeface="Arial"/>
@@ -495,6 +646,12 @@
             </a:endParaRPr>
           </a:p>
           <a:p>
+            <a:pPr marL="216000" indent="-216000">
+              <a:lnSpc>
+                <a:spcPct val="100000"/>
+              </a:lnSpc>
+              <a:buNone/>
+            </a:pPr>
             <a:r>
               <a:rPr b="0" lang="en-IE" sz="2000" spc="-1" strike="noStrike">
                 <a:latin typeface="Arial"/>
@@ -506,6 +663,12 @@
             </a:endParaRPr>
           </a:p>
           <a:p>
+            <a:pPr marL="216000" indent="-216000">
+              <a:lnSpc>
+                <a:spcPct val="100000"/>
+              </a:lnSpc>
+              <a:buNone/>
+            </a:pPr>
             <a:r>
               <a:rPr b="0" lang="en-IE" sz="2000" spc="-1" strike="noStrike">
                 <a:latin typeface="Arial"/>
@@ -553,7 +716,7 @@
         <p:spPr>
           <a:xfrm>
             <a:off x="216000" y="812520"/>
-            <a:ext cx="7127280" cy="4008960"/>
+            <a:ext cx="7126920" cy="4008600"/>
           </a:xfrm>
           <a:prstGeom prst="rect">
             <a:avLst/>
@@ -576,7 +739,7 @@
         <p:spPr>
           <a:xfrm>
             <a:off x="756000" y="5078520"/>
-            <a:ext cx="6047640" cy="4811040"/>
+            <a:ext cx="6047280" cy="4810680"/>
           </a:xfrm>
           <a:prstGeom prst="rect">
             <a:avLst/>
@@ -591,6 +754,12 @@
             <a:noAutofit/>
           </a:bodyPr>
           <a:p>
+            <a:pPr marL="216000" indent="-216000">
+              <a:lnSpc>
+                <a:spcPct val="100000"/>
+              </a:lnSpc>
+              <a:buNone/>
+            </a:pPr>
             <a:r>
               <a:rPr b="0" lang="en-IE" sz="2000" spc="-1" strike="noStrike">
                 <a:latin typeface="Arial"/>
@@ -598,15 +767,19 @@
               <a:t>the principles of it are exactly the same as you would have with Django or any of these others. They provide a piece of code that will take in Http://requests and give back </a:t>
             </a:r>
             <a:r>
+              <a:rPr b="0" lang="en-IE" sz="2000" spc="-1" strike="noStrike" u="sng">
+                <a:solidFill>
+                  <a:srgbClr val="000000"/>
+                </a:solidFill>
+                <a:uFillTx/>
+                <a:latin typeface="Arial"/>
+                <a:hlinkClick r:id="rId1"/>
+              </a:rPr>
+              <a:t>http://responses</a:t>
+            </a:r>
+            <a:r>
               <a:rPr b="0" lang="en-IE" sz="2000" spc="-1" strike="noStrike">
                 <a:latin typeface="Arial"/>
-                <a:hlinkClick r:id="rId1"/>
-              </a:rPr>
-              <a:t>http://responses</a:t>
-            </a:r>
-            <a:r>
-              <a:rPr b="0" lang="en-IE" sz="2000" spc="-1" strike="noStrike">
-                <a:latin typeface="Arial"/>
               </a:rPr>
               <a:t>.</a:t>
             </a:r>
@@ -615,11 +788,23 @@
             </a:endParaRPr>
           </a:p>
           <a:p>
+            <a:pPr marL="216000" indent="-216000">
+              <a:lnSpc>
+                <a:spcPct val="100000"/>
+              </a:lnSpc>
+              <a:buNone/>
+            </a:pPr>
             <a:endParaRPr b="0" lang="en-IE" sz="2000" spc="-1" strike="noStrike">
               <a:latin typeface="Arial"/>
             </a:endParaRPr>
           </a:p>
           <a:p>
+            <a:pPr marL="216000" indent="-216000">
+              <a:lnSpc>
+                <a:spcPct val="100000"/>
+              </a:lnSpc>
+              <a:buNone/>
+            </a:pPr>
             <a:r>
               <a:rPr b="0" lang="en-IE" sz="2000" spc="-1" strike="noStrike">
                 <a:latin typeface="Arial"/>
@@ -661,7 +846,7 @@
             <a:spLocks noGrp="1"/>
           </p:cNvSpPr>
           <p:nvPr>
-            <p:ph type="ftr" idx="2"/>
+            <p:ph type="ftr" idx="1"/>
           </p:nvPr>
         </p:nvSpPr>
         <p:spPr/>
@@ -681,14 +866,14 @@
             <a:spLocks noGrp="1"/>
           </p:cNvSpPr>
           <p:nvPr>
-            <p:ph type="sldNum" idx="3"/>
+            <p:ph type="sldNum" idx="2"/>
           </p:nvPr>
         </p:nvSpPr>
         <p:spPr/>
         <p:txBody>
           <a:bodyPr/>
           <a:p>
-            <a:fld id="{052D421F-37C5-4B40-9879-7E82AC7C41AD}" type="slidenum">
+            <a:fld id="{4DC33F57-40ED-4E25-ACA1-E174A253E8F0}" type="slidenum">
               <a:t>&lt;#&gt;</a:t>
             </a:fld>
           </a:p>
@@ -701,7 +886,7 @@
             <a:spLocks noGrp="1"/>
           </p:cNvSpPr>
           <p:nvPr>
-            <p:ph type="dt" idx="1"/>
+            <p:ph type="dt" idx="3"/>
           </p:nvPr>
         </p:nvSpPr>
         <p:spPr/>
@@ -749,8 +934,8 @@
         </p:nvSpPr>
         <p:spPr>
           <a:xfrm>
-            <a:off x="1069920" y="484560"/>
-            <a:ext cx="10058040" cy="1608840"/>
+            <a:off x="609480" y="273600"/>
+            <a:ext cx="10972440" cy="1144800"/>
           </a:xfrm>
           <a:prstGeom prst="rect">
             <a:avLst/>
@@ -765,11 +950,11 @@
             <a:noAutofit/>
           </a:bodyPr>
           <a:p>
-            <a:endParaRPr b="0" lang="en-US" sz="1800" spc="-1" strike="noStrike">
-              <a:solidFill>
-                <a:srgbClr val="000000"/>
-              </a:solidFill>
-              <a:latin typeface="Rockwell"/>
+            <a:pPr algn="ctr">
+              <a:buNone/>
+            </a:pPr>
+            <a:endParaRPr b="0" lang="en-IE" sz="4400" spc="-1" strike="noStrike">
+              <a:latin typeface="Arial"/>
             </a:endParaRPr>
           </a:p>
         </p:txBody>
@@ -786,8 +971,8 @@
         </p:nvSpPr>
         <p:spPr>
           <a:xfrm>
-            <a:off x="1069920" y="2121480"/>
-            <a:ext cx="10058040" cy="1931760"/>
+            <a:off x="609480" y="1604520"/>
+            <a:ext cx="10972440" cy="1896840"/>
           </a:xfrm>
           <a:prstGeom prst="rect">
             <a:avLst/>
@@ -802,20 +987,8 @@
             <a:normAutofit/>
           </a:bodyPr>
           <a:p>
-            <a:pPr>
-              <a:lnSpc>
-                <a:spcPct val="90000"/>
-              </a:lnSpc>
-              <a:spcBef>
-                <a:spcPts val="1417"/>
-              </a:spcBef>
-              <a:buNone/>
-            </a:pPr>
-            <a:endParaRPr b="0" lang="en-US" sz="2000" spc="-1" strike="noStrike">
-              <a:solidFill>
-                <a:srgbClr val="000000"/>
-              </a:solidFill>
-              <a:latin typeface="Rockwell"/>
+            <a:endParaRPr b="0" lang="en-IE" sz="3200" spc="-1" strike="noStrike">
+              <a:latin typeface="Arial"/>
             </a:endParaRPr>
           </a:p>
         </p:txBody>
@@ -832,8 +1005,8 @@
         </p:nvSpPr>
         <p:spPr>
           <a:xfrm>
-            <a:off x="1069920" y="4237200"/>
-            <a:ext cx="10058040" cy="1931760"/>
+            <a:off x="609480" y="3682080"/>
+            <a:ext cx="10972440" cy="1896840"/>
           </a:xfrm>
           <a:prstGeom prst="rect">
             <a:avLst/>
@@ -848,20 +1021,8 @@
             <a:normAutofit/>
           </a:bodyPr>
           <a:p>
-            <a:pPr>
-              <a:lnSpc>
-                <a:spcPct val="90000"/>
-              </a:lnSpc>
-              <a:spcBef>
-                <a:spcPts val="1417"/>
-              </a:spcBef>
-              <a:buNone/>
-            </a:pPr>
-            <a:endParaRPr b="0" lang="en-US" sz="2000" spc="-1" strike="noStrike">
-              <a:solidFill>
-                <a:srgbClr val="000000"/>
-              </a:solidFill>
-              <a:latin typeface="Rockwell"/>
+            <a:endParaRPr b="0" lang="en-IE" sz="3200" spc="-1" strike="noStrike">
+              <a:latin typeface="Arial"/>
             </a:endParaRPr>
           </a:p>
         </p:txBody>
@@ -873,7 +1034,7 @@
             <a:spLocks noGrp="1"/>
           </p:cNvSpPr>
           <p:nvPr>
-            <p:ph type="ftr" idx="2"/>
+            <p:ph type="ftr" idx="1"/>
           </p:nvPr>
         </p:nvSpPr>
         <p:spPr/>
@@ -893,14 +1054,14 @@
             <a:spLocks noGrp="1"/>
           </p:cNvSpPr>
           <p:nvPr>
-            <p:ph type="sldNum" idx="3"/>
+            <p:ph type="sldNum" idx="2"/>
           </p:nvPr>
         </p:nvSpPr>
         <p:spPr/>
         <p:txBody>
           <a:bodyPr/>
           <a:p>
-            <a:fld id="{9B646D10-8314-449B-948D-74D53C5048C4}" type="slidenum">
+            <a:fld id="{E32C4853-7424-4709-BB5B-EB616B195812}" type="slidenum">
               <a:t>&lt;#&gt;</a:t>
             </a:fld>
           </a:p>
@@ -913,7 +1074,7 @@
             <a:spLocks noGrp="1"/>
           </p:cNvSpPr>
           <p:nvPr>
-            <p:ph type="dt" idx="1"/>
+            <p:ph type="dt" idx="3"/>
           </p:nvPr>
         </p:nvSpPr>
         <p:spPr/>
@@ -961,8 +1122,8 @@
         </p:nvSpPr>
         <p:spPr>
           <a:xfrm>
-            <a:off x="1069920" y="484560"/>
-            <a:ext cx="10058040" cy="1608840"/>
+            <a:off x="609480" y="273600"/>
+            <a:ext cx="10972440" cy="1144800"/>
           </a:xfrm>
           <a:prstGeom prst="rect">
             <a:avLst/>
@@ -977,11 +1138,11 @@
             <a:noAutofit/>
           </a:bodyPr>
           <a:p>
-            <a:endParaRPr b="0" lang="en-US" sz="1800" spc="-1" strike="noStrike">
-              <a:solidFill>
-                <a:srgbClr val="000000"/>
-              </a:solidFill>
-              <a:latin typeface="Rockwell"/>
+            <a:pPr algn="ctr">
+              <a:buNone/>
+            </a:pPr>
+            <a:endParaRPr b="0" lang="en-IE" sz="4400" spc="-1" strike="noStrike">
+              <a:latin typeface="Arial"/>
             </a:endParaRPr>
           </a:p>
         </p:txBody>
@@ -998,8 +1159,8 @@
         </p:nvSpPr>
         <p:spPr>
           <a:xfrm>
-            <a:off x="1069920" y="2121480"/>
-            <a:ext cx="4908240" cy="1931760"/>
+            <a:off x="609480" y="1604520"/>
+            <a:ext cx="5354280" cy="1896840"/>
           </a:xfrm>
           <a:prstGeom prst="rect">
             <a:avLst/>
@@ -1014,20 +1175,8 @@
             <a:normAutofit/>
           </a:bodyPr>
           <a:p>
-            <a:pPr>
-              <a:lnSpc>
-                <a:spcPct val="90000"/>
-              </a:lnSpc>
-              <a:spcBef>
-                <a:spcPts val="1417"/>
-              </a:spcBef>
-              <a:buNone/>
-            </a:pPr>
-            <a:endParaRPr b="0" lang="en-US" sz="2000" spc="-1" strike="noStrike">
-              <a:solidFill>
-                <a:srgbClr val="000000"/>
-              </a:solidFill>
-              <a:latin typeface="Rockwell"/>
+            <a:endParaRPr b="0" lang="en-IE" sz="3200" spc="-1" strike="noStrike">
+              <a:latin typeface="Arial"/>
             </a:endParaRPr>
           </a:p>
         </p:txBody>
@@ -1044,8 +1193,8 @@
         </p:nvSpPr>
         <p:spPr>
           <a:xfrm>
-            <a:off x="6224040" y="2121480"/>
-            <a:ext cx="4908240" cy="1931760"/>
+            <a:off x="6231960" y="1604520"/>
+            <a:ext cx="5354280" cy="1896840"/>
           </a:xfrm>
           <a:prstGeom prst="rect">
             <a:avLst/>
@@ -1060,20 +1209,8 @@
             <a:normAutofit/>
           </a:bodyPr>
           <a:p>
-            <a:pPr>
-              <a:lnSpc>
-                <a:spcPct val="90000"/>
-              </a:lnSpc>
-              <a:spcBef>
-                <a:spcPts val="1417"/>
-              </a:spcBef>
-              <a:buNone/>
-            </a:pPr>
-            <a:endParaRPr b="0" lang="en-US" sz="2000" spc="-1" strike="noStrike">
-              <a:solidFill>
-                <a:srgbClr val="000000"/>
-              </a:solidFill>
-              <a:latin typeface="Rockwell"/>
+            <a:endParaRPr b="0" lang="en-IE" sz="3200" spc="-1" strike="noStrike">
+              <a:latin typeface="Arial"/>
             </a:endParaRPr>
           </a:p>
         </p:txBody>
@@ -1090,8 +1227,8 @@
         </p:nvSpPr>
         <p:spPr>
           <a:xfrm>
-            <a:off x="1069920" y="4237200"/>
-            <a:ext cx="4908240" cy="1931760"/>
+            <a:off x="609480" y="3682080"/>
+            <a:ext cx="5354280" cy="1896840"/>
           </a:xfrm>
           <a:prstGeom prst="rect">
             <a:avLst/>
@@ -1106,20 +1243,8 @@
             <a:normAutofit/>
           </a:bodyPr>
           <a:p>
-            <a:pPr>
-              <a:lnSpc>
-                <a:spcPct val="90000"/>
-              </a:lnSpc>
-              <a:spcBef>
-                <a:spcPts val="1417"/>
-              </a:spcBef>
-              <a:buNone/>
-            </a:pPr>
-            <a:endParaRPr b="0" lang="en-US" sz="2000" spc="-1" strike="noStrike">
-              <a:solidFill>
-                <a:srgbClr val="000000"/>
-              </a:solidFill>
-              <a:latin typeface="Rockwell"/>
+            <a:endParaRPr b="0" lang="en-IE" sz="3200" spc="-1" strike="noStrike">
+              <a:latin typeface="Arial"/>
             </a:endParaRPr>
           </a:p>
         </p:txBody>
@@ -1136,8 +1261,8 @@
         </p:nvSpPr>
         <p:spPr>
           <a:xfrm>
-            <a:off x="6224040" y="4237200"/>
-            <a:ext cx="4908240" cy="1931760"/>
+            <a:off x="6231960" y="3682080"/>
+            <a:ext cx="5354280" cy="1896840"/>
           </a:xfrm>
           <a:prstGeom prst="rect">
             <a:avLst/>
@@ -1152,20 +1277,8 @@
             <a:normAutofit/>
           </a:bodyPr>
           <a:p>
-            <a:pPr>
-              <a:lnSpc>
-                <a:spcPct val="90000"/>
-              </a:lnSpc>
-              <a:spcBef>
-                <a:spcPts val="1417"/>
-              </a:spcBef>
-              <a:buNone/>
-            </a:pPr>
-            <a:endParaRPr b="0" lang="en-US" sz="2000" spc="-1" strike="noStrike">
-              <a:solidFill>
-                <a:srgbClr val="000000"/>
-              </a:solidFill>
-              <a:latin typeface="Rockwell"/>
+            <a:endParaRPr b="0" lang="en-IE" sz="3200" spc="-1" strike="noStrike">
+              <a:latin typeface="Arial"/>
             </a:endParaRPr>
           </a:p>
         </p:txBody>
@@ -1177,7 +1290,7 @@
             <a:spLocks noGrp="1"/>
           </p:cNvSpPr>
           <p:nvPr>
-            <p:ph type="ftr" idx="2"/>
+            <p:ph type="ftr" idx="1"/>
           </p:nvPr>
         </p:nvSpPr>
         <p:spPr/>
@@ -1197,14 +1310,14 @@
             <a:spLocks noGrp="1"/>
           </p:cNvSpPr>
           <p:nvPr>
-            <p:ph type="sldNum" idx="3"/>
+            <p:ph type="sldNum" idx="2"/>
           </p:nvPr>
         </p:nvSpPr>
         <p:spPr/>
         <p:txBody>
           <a:bodyPr/>
           <a:p>
-            <a:fld id="{F24AAA99-75DC-46DE-B2CA-8C068EE7E421}" type="slidenum">
+            <a:fld id="{1C5C52D7-4CF1-472E-B7F7-E19ACB3CB4D6}" type="slidenum">
               <a:t>&lt;#&gt;</a:t>
             </a:fld>
           </a:p>
@@ -1217,7 +1330,7 @@
             <a:spLocks noGrp="1"/>
           </p:cNvSpPr>
           <p:nvPr>
-            <p:ph type="dt" idx="1"/>
+            <p:ph type="dt" idx="3"/>
           </p:nvPr>
         </p:nvSpPr>
         <p:spPr/>
@@ -1265,8 +1378,8 @@
         </p:nvSpPr>
         <p:spPr>
           <a:xfrm>
-            <a:off x="1069920" y="484560"/>
-            <a:ext cx="10058040" cy="1608840"/>
+            <a:off x="609480" y="273600"/>
+            <a:ext cx="10972440" cy="1144800"/>
           </a:xfrm>
           <a:prstGeom prst="rect">
             <a:avLst/>
@@ -1281,11 +1394,11 @@
             <a:noAutofit/>
           </a:bodyPr>
           <a:p>
-            <a:endParaRPr b="0" lang="en-US" sz="1800" spc="-1" strike="noStrike">
-              <a:solidFill>
-                <a:srgbClr val="000000"/>
-              </a:solidFill>
-              <a:latin typeface="Rockwell"/>
+            <a:pPr algn="ctr">
+              <a:buNone/>
+            </a:pPr>
+            <a:endParaRPr b="0" lang="en-IE" sz="4400" spc="-1" strike="noStrike">
+              <a:latin typeface="Arial"/>
             </a:endParaRPr>
           </a:p>
         </p:txBody>
@@ -1302,8 +1415,8 @@
         </p:nvSpPr>
         <p:spPr>
           <a:xfrm>
-            <a:off x="1069920" y="2121480"/>
-            <a:ext cx="3238560" cy="1931760"/>
+            <a:off x="609480" y="1604520"/>
+            <a:ext cx="3533040" cy="1896840"/>
           </a:xfrm>
           <a:prstGeom prst="rect">
             <a:avLst/>
@@ -1318,20 +1431,8 @@
             <a:normAutofit/>
           </a:bodyPr>
           <a:p>
-            <a:pPr>
-              <a:lnSpc>
-                <a:spcPct val="90000"/>
-              </a:lnSpc>
-              <a:spcBef>
-                <a:spcPts val="1417"/>
-              </a:spcBef>
-              <a:buNone/>
-            </a:pPr>
-            <a:endParaRPr b="0" lang="en-US" sz="2000" spc="-1" strike="noStrike">
-              <a:solidFill>
-                <a:srgbClr val="000000"/>
-              </a:solidFill>
-              <a:latin typeface="Rockwell"/>
+            <a:endParaRPr b="0" lang="en-IE" sz="3200" spc="-1" strike="noStrike">
+              <a:latin typeface="Arial"/>
             </a:endParaRPr>
           </a:p>
         </p:txBody>
@@ -1348,8 +1449,8 @@
         </p:nvSpPr>
         <p:spPr>
           <a:xfrm>
-            <a:off x="4470840" y="2121480"/>
-            <a:ext cx="3238560" cy="1931760"/>
+            <a:off x="4319640" y="1604520"/>
+            <a:ext cx="3533040" cy="1896840"/>
           </a:xfrm>
           <a:prstGeom prst="rect">
             <a:avLst/>
@@ -1364,20 +1465,8 @@
             <a:normAutofit/>
           </a:bodyPr>
           <a:p>
-            <a:pPr>
-              <a:lnSpc>
-                <a:spcPct val="90000"/>
-              </a:lnSpc>
-              <a:spcBef>
-                <a:spcPts val="1417"/>
-              </a:spcBef>
-              <a:buNone/>
-            </a:pPr>
-            <a:endParaRPr b="0" lang="en-US" sz="2000" spc="-1" strike="noStrike">
-              <a:solidFill>
-                <a:srgbClr val="000000"/>
-              </a:solidFill>
-              <a:latin typeface="Rockwell"/>
+            <a:endParaRPr b="0" lang="en-IE" sz="3200" spc="-1" strike="noStrike">
+              <a:latin typeface="Arial"/>
             </a:endParaRPr>
           </a:p>
         </p:txBody>
@@ -1394,8 +1483,8 @@
         </p:nvSpPr>
         <p:spPr>
           <a:xfrm>
-            <a:off x="7871760" y="2121480"/>
-            <a:ext cx="3238560" cy="1931760"/>
+            <a:off x="8029800" y="1604520"/>
+            <a:ext cx="3533040" cy="1896840"/>
           </a:xfrm>
           <a:prstGeom prst="rect">
             <a:avLst/>
@@ -1410,20 +1499,8 @@
             <a:normAutofit/>
           </a:bodyPr>
           <a:p>
-            <a:pPr>
-              <a:lnSpc>
-                <a:spcPct val="90000"/>
-              </a:lnSpc>
-              <a:spcBef>
-                <a:spcPts val="1417"/>
-              </a:spcBef>
-              <a:buNone/>
-            </a:pPr>
-            <a:endParaRPr b="0" lang="en-US" sz="2000" spc="-1" strike="noStrike">
-              <a:solidFill>
-                <a:srgbClr val="000000"/>
-              </a:solidFill>
-              <a:latin typeface="Rockwell"/>
+            <a:endParaRPr b="0" lang="en-IE" sz="3200" spc="-1" strike="noStrike">
+              <a:latin typeface="Arial"/>
             </a:endParaRPr>
           </a:p>
         </p:txBody>
@@ -1440,8 +1517,8 @@
         </p:nvSpPr>
         <p:spPr>
           <a:xfrm>
-            <a:off x="1069920" y="4237200"/>
-            <a:ext cx="3238560" cy="1931760"/>
+            <a:off x="609480" y="3682080"/>
+            <a:ext cx="3533040" cy="1896840"/>
           </a:xfrm>
           <a:prstGeom prst="rect">
             <a:avLst/>
@@ -1456,20 +1533,8 @@
             <a:normAutofit/>
           </a:bodyPr>
           <a:p>
-            <a:pPr>
-              <a:lnSpc>
-                <a:spcPct val="90000"/>
-              </a:lnSpc>
-              <a:spcBef>
-                <a:spcPts val="1417"/>
-              </a:spcBef>
-              <a:buNone/>
-            </a:pPr>
-            <a:endParaRPr b="0" lang="en-US" sz="2000" spc="-1" strike="noStrike">
-              <a:solidFill>
-                <a:srgbClr val="000000"/>
-              </a:solidFill>
-              <a:latin typeface="Rockwell"/>
+            <a:endParaRPr b="0" lang="en-IE" sz="3200" spc="-1" strike="noStrike">
+              <a:latin typeface="Arial"/>
             </a:endParaRPr>
           </a:p>
         </p:txBody>
@@ -1486,8 +1551,8 @@
         </p:nvSpPr>
         <p:spPr>
           <a:xfrm>
-            <a:off x="4470840" y="4237200"/>
-            <a:ext cx="3238560" cy="1931760"/>
+            <a:off x="4319640" y="3682080"/>
+            <a:ext cx="3533040" cy="1896840"/>
           </a:xfrm>
           <a:prstGeom prst="rect">
             <a:avLst/>
@@ -1502,20 +1567,8 @@
             <a:normAutofit/>
           </a:bodyPr>
           <a:p>
-            <a:pPr>
-              <a:lnSpc>
-                <a:spcPct val="90000"/>
-              </a:lnSpc>
-              <a:spcBef>
-                <a:spcPts val="1417"/>
-              </a:spcBef>
-              <a:buNone/>
-            </a:pPr>
-            <a:endParaRPr b="0" lang="en-US" sz="2000" spc="-1" strike="noStrike">
-              <a:solidFill>
-                <a:srgbClr val="000000"/>
-              </a:solidFill>
-              <a:latin typeface="Rockwell"/>
+            <a:endParaRPr b="0" lang="en-IE" sz="3200" spc="-1" strike="noStrike">
+              <a:latin typeface="Arial"/>
             </a:endParaRPr>
           </a:p>
         </p:txBody>
@@ -1532,8 +1585,8 @@
         </p:nvSpPr>
         <p:spPr>
           <a:xfrm>
-            <a:off x="7871760" y="4237200"/>
-            <a:ext cx="3238560" cy="1931760"/>
+            <a:off x="8029800" y="3682080"/>
+            <a:ext cx="3533040" cy="1896840"/>
           </a:xfrm>
           <a:prstGeom prst="rect">
             <a:avLst/>
@@ -1548,20 +1601,8 @@
             <a:normAutofit/>
           </a:bodyPr>
           <a:p>
-            <a:pPr>
-              <a:lnSpc>
-                <a:spcPct val="90000"/>
-              </a:lnSpc>
-              <a:spcBef>
-                <a:spcPts val="1417"/>
-              </a:spcBef>
-              <a:buNone/>
-            </a:pPr>
-            <a:endParaRPr b="0" lang="en-US" sz="2000" spc="-1" strike="noStrike">
-              <a:solidFill>
-                <a:srgbClr val="000000"/>
-              </a:solidFill>
-              <a:latin typeface="Rockwell"/>
+            <a:endParaRPr b="0" lang="en-IE" sz="3200" spc="-1" strike="noStrike">
+              <a:latin typeface="Arial"/>
             </a:endParaRPr>
           </a:p>
         </p:txBody>
@@ -1573,7 +1614,7 @@
             <a:spLocks noGrp="1"/>
           </p:cNvSpPr>
           <p:nvPr>
-            <p:ph type="ftr" idx="2"/>
+            <p:ph type="ftr" idx="1"/>
           </p:nvPr>
         </p:nvSpPr>
         <p:spPr/>
@@ -1593,14 +1634,14 @@
             <a:spLocks noGrp="1"/>
           </p:cNvSpPr>
           <p:nvPr>
-            <p:ph type="sldNum" idx="3"/>
+            <p:ph type="sldNum" idx="2"/>
           </p:nvPr>
         </p:nvSpPr>
         <p:spPr/>
         <p:txBody>
           <a:bodyPr/>
           <a:p>
-            <a:fld id="{075BE4DE-E4C2-4446-9114-85A75B469F0D}" type="slidenum">
+            <a:fld id="{8572D845-FDD8-431B-A7C5-FEC7ABC357BB}" type="slidenum">
               <a:t>&lt;#&gt;</a:t>
             </a:fld>
           </a:p>
@@ -1613,7 +1654,7 @@
             <a:spLocks noGrp="1"/>
           </p:cNvSpPr>
           <p:nvPr>
-            <p:ph type="dt" idx="1"/>
+            <p:ph type="dt" idx="3"/>
           </p:nvPr>
         </p:nvSpPr>
         <p:spPr/>
@@ -1656,7 +1697,7 @@
             <a:spLocks noGrp="1"/>
           </p:cNvSpPr>
           <p:nvPr>
-            <p:ph type="ftr" idx="5"/>
+            <p:ph type="ftr" idx="4"/>
           </p:nvPr>
         </p:nvSpPr>
         <p:spPr/>
@@ -1676,14 +1717,14 @@
             <a:spLocks noGrp="1"/>
           </p:cNvSpPr>
           <p:nvPr>
-            <p:ph type="sldNum" idx="6"/>
+            <p:ph type="sldNum" idx="5"/>
           </p:nvPr>
         </p:nvSpPr>
         <p:spPr/>
         <p:txBody>
           <a:bodyPr/>
           <a:p>
-            <a:fld id="{57310689-62CA-4A47-BD23-473D15D39E38}" type="slidenum">
+            <a:fld id="{23AF568D-8720-4A15-9B47-91345494C377}" type="slidenum">
               <a:t>&lt;#&gt;</a:t>
             </a:fld>
           </a:p>
@@ -1696,7 +1737,7 @@
             <a:spLocks noGrp="1"/>
           </p:cNvSpPr>
           <p:nvPr>
-            <p:ph type="dt" idx="4"/>
+            <p:ph type="dt" idx="6"/>
           </p:nvPr>
         </p:nvSpPr>
         <p:spPr/>
@@ -1744,8 +1785,8 @@
         </p:nvSpPr>
         <p:spPr>
           <a:xfrm>
-            <a:off x="1069920" y="484560"/>
-            <a:ext cx="10058040" cy="1608840"/>
+            <a:off x="609480" y="273600"/>
+            <a:ext cx="10972440" cy="1144800"/>
           </a:xfrm>
           <a:prstGeom prst="rect">
             <a:avLst/>
@@ -1760,11 +1801,11 @@
             <a:noAutofit/>
           </a:bodyPr>
           <a:p>
-            <a:endParaRPr b="0" lang="en-US" sz="1800" spc="-1" strike="noStrike">
-              <a:solidFill>
-                <a:srgbClr val="000000"/>
-              </a:solidFill>
-              <a:latin typeface="Rockwell"/>
+            <a:pPr algn="ctr">
+              <a:buNone/>
+            </a:pPr>
+            <a:endParaRPr b="0" lang="en-IE" sz="4400" spc="-1" strike="noStrike">
+              <a:latin typeface="Arial"/>
             </a:endParaRPr>
           </a:p>
         </p:txBody>
@@ -1781,8 +1822,8 @@
         </p:nvSpPr>
         <p:spPr>
           <a:xfrm>
-            <a:off x="1069920" y="2121480"/>
-            <a:ext cx="10058040" cy="4050360"/>
+            <a:off x="609480" y="1604520"/>
+            <a:ext cx="10972440" cy="3977280"/>
           </a:xfrm>
           <a:prstGeom prst="rect">
             <a:avLst/>
@@ -1813,7 +1854,7 @@
             <a:spLocks noGrp="1"/>
           </p:cNvSpPr>
           <p:nvPr>
-            <p:ph type="ftr" idx="5"/>
+            <p:ph type="ftr" idx="4"/>
           </p:nvPr>
         </p:nvSpPr>
         <p:spPr/>
@@ -1833,14 +1874,14 @@
             <a:spLocks noGrp="1"/>
           </p:cNvSpPr>
           <p:nvPr>
-            <p:ph type="sldNum" idx="6"/>
+            <p:ph type="sldNum" idx="5"/>
           </p:nvPr>
         </p:nvSpPr>
         <p:spPr/>
         <p:txBody>
           <a:bodyPr/>
           <a:p>
-            <a:fld id="{E6E18359-2E35-4DE5-8664-34148CC19114}" type="slidenum">
+            <a:fld id="{7EF585FE-42D1-46F4-98EE-7AC5408268BC}" type="slidenum">
               <a:t>&lt;#&gt;</a:t>
             </a:fld>
           </a:p>
@@ -1853,7 +1894,7 @@
             <a:spLocks noGrp="1"/>
           </p:cNvSpPr>
           <p:nvPr>
-            <p:ph type="dt" idx="4"/>
+            <p:ph type="dt" idx="6"/>
           </p:nvPr>
         </p:nvSpPr>
         <p:spPr/>
@@ -1901,8 +1942,8 @@
         </p:nvSpPr>
         <p:spPr>
           <a:xfrm>
-            <a:off x="1069920" y="484560"/>
-            <a:ext cx="10058040" cy="1608840"/>
+            <a:off x="609480" y="273600"/>
+            <a:ext cx="10972440" cy="1144800"/>
           </a:xfrm>
           <a:prstGeom prst="rect">
             <a:avLst/>
@@ -1917,11 +1958,11 @@
             <a:noAutofit/>
           </a:bodyPr>
           <a:p>
-            <a:endParaRPr b="0" lang="en-US" sz="1800" spc="-1" strike="noStrike">
-              <a:solidFill>
-                <a:srgbClr val="000000"/>
-              </a:solidFill>
-              <a:latin typeface="Rockwell"/>
+            <a:pPr algn="ctr">
+              <a:buNone/>
+            </a:pPr>
+            <a:endParaRPr b="0" lang="en-IE" sz="4400" spc="-1" strike="noStrike">
+              <a:latin typeface="Arial"/>
             </a:endParaRPr>
           </a:p>
         </p:txBody>
@@ -1938,8 +1979,8 @@
         </p:nvSpPr>
         <p:spPr>
           <a:xfrm>
-            <a:off x="1069920" y="2121480"/>
-            <a:ext cx="10058040" cy="4050360"/>
+            <a:off x="609480" y="1604520"/>
+            <a:ext cx="10972440" cy="3977280"/>
           </a:xfrm>
           <a:prstGeom prst="rect">
             <a:avLst/>
@@ -1954,20 +1995,8 @@
             <a:normAutofit/>
           </a:bodyPr>
           <a:p>
-            <a:pPr>
-              <a:lnSpc>
-                <a:spcPct val="90000"/>
-              </a:lnSpc>
-              <a:spcBef>
-                <a:spcPts val="1417"/>
-              </a:spcBef>
-              <a:buNone/>
-            </a:pPr>
-            <a:endParaRPr b="0" lang="en-US" sz="2000" spc="-1" strike="noStrike">
-              <a:solidFill>
-                <a:srgbClr val="000000"/>
-              </a:solidFill>
-              <a:latin typeface="Rockwell"/>
+            <a:endParaRPr b="0" lang="en-IE" sz="3200" spc="-1" strike="noStrike">
+              <a:latin typeface="Arial"/>
             </a:endParaRPr>
           </a:p>
         </p:txBody>
@@ -1979,7 +2008,7 @@
             <a:spLocks noGrp="1"/>
           </p:cNvSpPr>
           <p:nvPr>
-            <p:ph type="ftr" idx="5"/>
+            <p:ph type="ftr" idx="4"/>
           </p:nvPr>
         </p:nvSpPr>
         <p:spPr/>
@@ -1999,14 +2028,14 @@
             <a:spLocks noGrp="1"/>
           </p:cNvSpPr>
           <p:nvPr>
-            <p:ph type="sldNum" idx="6"/>
+            <p:ph type="sldNum" idx="5"/>
           </p:nvPr>
         </p:nvSpPr>
         <p:spPr/>
         <p:txBody>
           <a:bodyPr/>
           <a:p>
-            <a:fld id="{CA46A51A-813C-4359-B738-73DC04E4EB7F}" type="slidenum">
+            <a:fld id="{88C844E9-968B-4115-9591-783032420BB5}" type="slidenum">
               <a:t>&lt;#&gt;</a:t>
             </a:fld>
           </a:p>
@@ -2019,7 +2048,7 @@
             <a:spLocks noGrp="1"/>
           </p:cNvSpPr>
           <p:nvPr>
-            <p:ph type="dt" idx="4"/>
+            <p:ph type="dt" idx="6"/>
           </p:nvPr>
         </p:nvSpPr>
         <p:spPr/>
@@ -2067,8 +2096,8 @@
         </p:nvSpPr>
         <p:spPr>
           <a:xfrm>
-            <a:off x="1069920" y="484560"/>
-            <a:ext cx="10058040" cy="1608840"/>
+            <a:off x="609480" y="273600"/>
+            <a:ext cx="10972440" cy="1144800"/>
           </a:xfrm>
           <a:prstGeom prst="rect">
             <a:avLst/>
@@ -2083,11 +2112,11 @@
             <a:noAutofit/>
           </a:bodyPr>
           <a:p>
-            <a:endParaRPr b="0" lang="en-US" sz="1800" spc="-1" strike="noStrike">
-              <a:solidFill>
-                <a:srgbClr val="000000"/>
-              </a:solidFill>
-              <a:latin typeface="Rockwell"/>
+            <a:pPr algn="ctr">
+              <a:buNone/>
+            </a:pPr>
+            <a:endParaRPr b="0" lang="en-IE" sz="4400" spc="-1" strike="noStrike">
+              <a:latin typeface="Arial"/>
             </a:endParaRPr>
           </a:p>
         </p:txBody>
@@ -2104,8 +2133,8 @@
         </p:nvSpPr>
         <p:spPr>
           <a:xfrm>
-            <a:off x="1069920" y="2121480"/>
-            <a:ext cx="4908240" cy="4050360"/>
+            <a:off x="609480" y="1604520"/>
+            <a:ext cx="5354280" cy="3977280"/>
           </a:xfrm>
           <a:prstGeom prst="rect">
             <a:avLst/>
@@ -2120,20 +2149,8 @@
             <a:normAutofit/>
           </a:bodyPr>
           <a:p>
-            <a:pPr>
-              <a:lnSpc>
-                <a:spcPct val="90000"/>
-              </a:lnSpc>
-              <a:spcBef>
-                <a:spcPts val="1417"/>
-              </a:spcBef>
-              <a:buNone/>
-            </a:pPr>
-            <a:endParaRPr b="0" lang="en-US" sz="2000" spc="-1" strike="noStrike">
-              <a:solidFill>
-                <a:srgbClr val="000000"/>
-              </a:solidFill>
-              <a:latin typeface="Rockwell"/>
+            <a:endParaRPr b="0" lang="en-IE" sz="3200" spc="-1" strike="noStrike">
+              <a:latin typeface="Arial"/>
             </a:endParaRPr>
           </a:p>
         </p:txBody>
@@ -2150,8 +2167,8 @@
         </p:nvSpPr>
         <p:spPr>
           <a:xfrm>
-            <a:off x="6224040" y="2121480"/>
-            <a:ext cx="4908240" cy="4050360"/>
+            <a:off x="6231960" y="1604520"/>
+            <a:ext cx="5354280" cy="3977280"/>
           </a:xfrm>
           <a:prstGeom prst="rect">
             <a:avLst/>
@@ -2166,20 +2183,8 @@
             <a:normAutofit/>
           </a:bodyPr>
           <a:p>
-            <a:pPr>
-              <a:lnSpc>
-                <a:spcPct val="90000"/>
-              </a:lnSpc>
-              <a:spcBef>
-                <a:spcPts val="1417"/>
-              </a:spcBef>
-              <a:buNone/>
-            </a:pPr>
-            <a:endParaRPr b="0" lang="en-US" sz="2000" spc="-1" strike="noStrike">
-              <a:solidFill>
-                <a:srgbClr val="000000"/>
-              </a:solidFill>
-              <a:latin typeface="Rockwell"/>
+            <a:endParaRPr b="0" lang="en-IE" sz="3200" spc="-1" strike="noStrike">
+              <a:latin typeface="Arial"/>
             </a:endParaRPr>
           </a:p>
         </p:txBody>
@@ -2191,7 +2196,7 @@
             <a:spLocks noGrp="1"/>
           </p:cNvSpPr>
           <p:nvPr>
-            <p:ph type="ftr" idx="5"/>
+            <p:ph type="ftr" idx="4"/>
           </p:nvPr>
         </p:nvSpPr>
         <p:spPr/>
@@ -2211,14 +2216,14 @@
             <a:spLocks noGrp="1"/>
           </p:cNvSpPr>
           <p:nvPr>
-            <p:ph type="sldNum" idx="6"/>
+            <p:ph type="sldNum" idx="5"/>
           </p:nvPr>
         </p:nvSpPr>
         <p:spPr/>
         <p:txBody>
           <a:bodyPr/>
           <a:p>
-            <a:fld id="{CF9E7AAB-26D1-4953-930B-8FA621C97A44}" type="slidenum">
+            <a:fld id="{9AD9E29B-681F-4147-85A3-873C97CAB31A}" type="slidenum">
               <a:t>&lt;#&gt;</a:t>
             </a:fld>
           </a:p>
@@ -2231,7 +2236,7 @@
             <a:spLocks noGrp="1"/>
           </p:cNvSpPr>
           <p:nvPr>
-            <p:ph type="dt" idx="4"/>
+            <p:ph type="dt" idx="6"/>
           </p:nvPr>
         </p:nvSpPr>
         <p:spPr/>
@@ -2279,8 +2284,8 @@
         </p:nvSpPr>
         <p:spPr>
           <a:xfrm>
-            <a:off x="1069920" y="484560"/>
-            <a:ext cx="10058040" cy="1608840"/>
+            <a:off x="609480" y="273600"/>
+            <a:ext cx="10972440" cy="1144800"/>
           </a:xfrm>
           <a:prstGeom prst="rect">
             <a:avLst/>
@@ -2295,11 +2300,11 @@
             <a:noAutofit/>
           </a:bodyPr>
           <a:p>
-            <a:endParaRPr b="0" lang="en-US" sz="1800" spc="-1" strike="noStrike">
-              <a:solidFill>
-                <a:srgbClr val="000000"/>
-              </a:solidFill>
-              <a:latin typeface="Rockwell"/>
+            <a:pPr algn="ctr">
+              <a:buNone/>
+            </a:pPr>
+            <a:endParaRPr b="0" lang="en-IE" sz="4400" spc="-1" strike="noStrike">
+              <a:latin typeface="Arial"/>
             </a:endParaRPr>
           </a:p>
         </p:txBody>
@@ -2311,7 +2316,7 @@
             <a:spLocks noGrp="1"/>
           </p:cNvSpPr>
           <p:nvPr>
-            <p:ph type="ftr" idx="5"/>
+            <p:ph type="ftr" idx="4"/>
           </p:nvPr>
         </p:nvSpPr>
         <p:spPr/>
@@ -2331,14 +2336,14 @@
             <a:spLocks noGrp="1"/>
           </p:cNvSpPr>
           <p:nvPr>
-            <p:ph type="sldNum" idx="6"/>
+            <p:ph type="sldNum" idx="5"/>
           </p:nvPr>
         </p:nvSpPr>
         <p:spPr/>
         <p:txBody>
           <a:bodyPr/>
           <a:p>
-            <a:fld id="{798B2697-B271-493E-9980-18F8110FB688}" type="slidenum">
+            <a:fld id="{649F164E-614A-4FCA-BBFB-0C674540DF16}" type="slidenum">
               <a:t>&lt;#&gt;</a:t>
             </a:fld>
           </a:p>
@@ -2351,7 +2356,7 @@
             <a:spLocks noGrp="1"/>
           </p:cNvSpPr>
           <p:nvPr>
-            <p:ph type="dt" idx="4"/>
+            <p:ph type="dt" idx="6"/>
           </p:nvPr>
         </p:nvSpPr>
         <p:spPr/>
@@ -2399,8 +2404,8 @@
         </p:nvSpPr>
         <p:spPr>
           <a:xfrm>
-            <a:off x="1069920" y="484560"/>
-            <a:ext cx="10058040" cy="7458840"/>
+            <a:off x="609480" y="273600"/>
+            <a:ext cx="10972440" cy="5307840"/>
           </a:xfrm>
           <a:prstGeom prst="rect">
             <a:avLst/>
@@ -2431,7 +2436,7 @@
             <a:spLocks noGrp="1"/>
           </p:cNvSpPr>
           <p:nvPr>
-            <p:ph type="ftr" idx="5"/>
+            <p:ph type="ftr" idx="4"/>
           </p:nvPr>
         </p:nvSpPr>
         <p:spPr/>
@@ -2451,14 +2456,14 @@
             <a:spLocks noGrp="1"/>
           </p:cNvSpPr>
           <p:nvPr>
-            <p:ph type="sldNum" idx="6"/>
+            <p:ph type="sldNum" idx="5"/>
           </p:nvPr>
         </p:nvSpPr>
         <p:spPr/>
         <p:txBody>
           <a:bodyPr/>
           <a:p>
-            <a:fld id="{C468FD57-0A69-4CCD-9996-91A9A1881673}" type="slidenum">
+            <a:fld id="{2446FE45-EA96-458B-A000-16380456EC26}" type="slidenum">
               <a:t>&lt;#&gt;</a:t>
             </a:fld>
           </a:p>
@@ -2471,7 +2476,7 @@
             <a:spLocks noGrp="1"/>
           </p:cNvSpPr>
           <p:nvPr>
-            <p:ph type="dt" idx="4"/>
+            <p:ph type="dt" idx="6"/>
           </p:nvPr>
         </p:nvSpPr>
         <p:spPr/>
@@ -2519,8 +2524,8 @@
         </p:nvSpPr>
         <p:spPr>
           <a:xfrm>
-            <a:off x="1069920" y="484560"/>
-            <a:ext cx="10058040" cy="1608840"/>
+            <a:off x="609480" y="273600"/>
+            <a:ext cx="10972440" cy="1144800"/>
           </a:xfrm>
           <a:prstGeom prst="rect">
             <a:avLst/>
@@ -2535,11 +2540,11 @@
             <a:noAutofit/>
           </a:bodyPr>
           <a:p>
-            <a:endParaRPr b="0" lang="en-US" sz="1800" spc="-1" strike="noStrike">
-              <a:solidFill>
-                <a:srgbClr val="000000"/>
-              </a:solidFill>
-              <a:latin typeface="Rockwell"/>
+            <a:pPr algn="ctr">
+              <a:buNone/>
+            </a:pPr>
+            <a:endParaRPr b="0" lang="en-IE" sz="4400" spc="-1" strike="noStrike">
+              <a:latin typeface="Arial"/>
             </a:endParaRPr>
           </a:p>
         </p:txBody>
@@ -2556,8 +2561,8 @@
         </p:nvSpPr>
         <p:spPr>
           <a:xfrm>
-            <a:off x="1069920" y="2121480"/>
-            <a:ext cx="4908240" cy="1931760"/>
+            <a:off x="609480" y="1604520"/>
+            <a:ext cx="5354280" cy="1896840"/>
           </a:xfrm>
           <a:prstGeom prst="rect">
             <a:avLst/>
@@ -2572,20 +2577,8 @@
             <a:normAutofit/>
           </a:bodyPr>
           <a:p>
-            <a:pPr>
-              <a:lnSpc>
-                <a:spcPct val="90000"/>
-              </a:lnSpc>
-              <a:spcBef>
-                <a:spcPts val="1417"/>
-              </a:spcBef>
-              <a:buNone/>
-            </a:pPr>
-            <a:endParaRPr b="0" lang="en-US" sz="2000" spc="-1" strike="noStrike">
-              <a:solidFill>
-                <a:srgbClr val="000000"/>
-              </a:solidFill>
-              <a:latin typeface="Rockwell"/>
+            <a:endParaRPr b="0" lang="en-IE" sz="3200" spc="-1" strike="noStrike">
+              <a:latin typeface="Arial"/>
             </a:endParaRPr>
           </a:p>
         </p:txBody>
@@ -2602,8 +2595,8 @@
         </p:nvSpPr>
         <p:spPr>
           <a:xfrm>
-            <a:off x="6224040" y="2121480"/>
-            <a:ext cx="4908240" cy="4050360"/>
+            <a:off x="6231960" y="1604520"/>
+            <a:ext cx="5354280" cy="3977280"/>
           </a:xfrm>
           <a:prstGeom prst="rect">
             <a:avLst/>
@@ -2618,20 +2611,8 @@
             <a:normAutofit/>
           </a:bodyPr>
           <a:p>
-            <a:pPr>
-              <a:lnSpc>
-                <a:spcPct val="90000"/>
-              </a:lnSpc>
-              <a:spcBef>
-                <a:spcPts val="1417"/>
-              </a:spcBef>
-              <a:buNone/>
-            </a:pPr>
-            <a:endParaRPr b="0" lang="en-US" sz="2000" spc="-1" strike="noStrike">
-              <a:solidFill>
-                <a:srgbClr val="000000"/>
-              </a:solidFill>
-              <a:latin typeface="Rockwell"/>
+            <a:endParaRPr b="0" lang="en-IE" sz="3200" spc="-1" strike="noStrike">
+              <a:latin typeface="Arial"/>
             </a:endParaRPr>
           </a:p>
         </p:txBody>
@@ -2648,8 +2629,8 @@
         </p:nvSpPr>
         <p:spPr>
           <a:xfrm>
-            <a:off x="1069920" y="4237200"/>
-            <a:ext cx="4908240" cy="1931760"/>
+            <a:off x="609480" y="3682080"/>
+            <a:ext cx="5354280" cy="1896840"/>
           </a:xfrm>
           <a:prstGeom prst="rect">
             <a:avLst/>
@@ -2664,20 +2645,8 @@
             <a:normAutofit/>
           </a:bodyPr>
           <a:p>
-            <a:pPr>
-              <a:lnSpc>
-                <a:spcPct val="90000"/>
-              </a:lnSpc>
-              <a:spcBef>
-                <a:spcPts val="1417"/>
-              </a:spcBef>
-              <a:buNone/>
-            </a:pPr>
-            <a:endParaRPr b="0" lang="en-US" sz="2000" spc="-1" strike="noStrike">
-              <a:solidFill>
-                <a:srgbClr val="000000"/>
-              </a:solidFill>
-              <a:latin typeface="Rockwell"/>
+            <a:endParaRPr b="0" lang="en-IE" sz="3200" spc="-1" strike="noStrike">
+              <a:latin typeface="Arial"/>
             </a:endParaRPr>
           </a:p>
         </p:txBody>
@@ -2689,7 +2658,7 @@
             <a:spLocks noGrp="1"/>
           </p:cNvSpPr>
           <p:nvPr>
-            <p:ph type="ftr" idx="5"/>
+            <p:ph type="ftr" idx="4"/>
           </p:nvPr>
         </p:nvSpPr>
         <p:spPr/>
@@ -2709,14 +2678,14 @@
             <a:spLocks noGrp="1"/>
           </p:cNvSpPr>
           <p:nvPr>
-            <p:ph type="sldNum" idx="6"/>
+            <p:ph type="sldNum" idx="5"/>
           </p:nvPr>
         </p:nvSpPr>
         <p:spPr/>
         <p:txBody>
           <a:bodyPr/>
           <a:p>
-            <a:fld id="{D55F268F-6C0A-47DE-9E10-EA8ADA31BF09}" type="slidenum">
+            <a:fld id="{65132930-6D7E-43BD-8D57-F95D45AEB45C}" type="slidenum">
               <a:t>&lt;#&gt;</a:t>
             </a:fld>
           </a:p>
@@ -2729,7 +2698,7 @@
             <a:spLocks noGrp="1"/>
           </p:cNvSpPr>
           <p:nvPr>
-            <p:ph type="dt" idx="4"/>
+            <p:ph type="dt" idx="6"/>
           </p:nvPr>
         </p:nvSpPr>
         <p:spPr/>
@@ -2777,8 +2746,8 @@
         </p:nvSpPr>
         <p:spPr>
           <a:xfrm>
-            <a:off x="1069920" y="484560"/>
-            <a:ext cx="10058040" cy="1608840"/>
+            <a:off x="609480" y="273600"/>
+            <a:ext cx="10972440" cy="1144800"/>
           </a:xfrm>
           <a:prstGeom prst="rect">
             <a:avLst/>
@@ -2793,11 +2762,11 @@
             <a:noAutofit/>
           </a:bodyPr>
           <a:p>
-            <a:endParaRPr b="0" lang="en-US" sz="1800" spc="-1" strike="noStrike">
-              <a:solidFill>
-                <a:srgbClr val="000000"/>
-              </a:solidFill>
-              <a:latin typeface="Rockwell"/>
+            <a:pPr algn="ctr">
+              <a:buNone/>
+            </a:pPr>
+            <a:endParaRPr b="0" lang="en-IE" sz="4400" spc="-1" strike="noStrike">
+              <a:latin typeface="Arial"/>
             </a:endParaRPr>
           </a:p>
         </p:txBody>
@@ -2814,8 +2783,8 @@
         </p:nvSpPr>
         <p:spPr>
           <a:xfrm>
-            <a:off x="1069920" y="2121480"/>
-            <a:ext cx="10058040" cy="4050360"/>
+            <a:off x="609480" y="1604520"/>
+            <a:ext cx="10972440" cy="3977280"/>
           </a:xfrm>
           <a:prstGeom prst="rect">
             <a:avLst/>
@@ -2846,7 +2815,7 @@
             <a:spLocks noGrp="1"/>
           </p:cNvSpPr>
           <p:nvPr>
-            <p:ph type="ftr" idx="2"/>
+            <p:ph type="ftr" idx="1"/>
           </p:nvPr>
         </p:nvSpPr>
         <p:spPr/>
@@ -2866,14 +2835,14 @@
             <a:spLocks noGrp="1"/>
           </p:cNvSpPr>
           <p:nvPr>
-            <p:ph type="sldNum" idx="3"/>
+            <p:ph type="sldNum" idx="2"/>
           </p:nvPr>
         </p:nvSpPr>
         <p:spPr/>
         <p:txBody>
           <a:bodyPr/>
           <a:p>
-            <a:fld id="{32A40C69-E726-43E3-BA68-FB7A84824659}" type="slidenum">
+            <a:fld id="{F77F5BDF-A492-43A6-8FAC-D5C7772197B2}" type="slidenum">
               <a:t>&lt;#&gt;</a:t>
             </a:fld>
           </a:p>
@@ -2886,7 +2855,7 @@
             <a:spLocks noGrp="1"/>
           </p:cNvSpPr>
           <p:nvPr>
-            <p:ph type="dt" idx="1"/>
+            <p:ph type="dt" idx="3"/>
           </p:nvPr>
         </p:nvSpPr>
         <p:spPr/>
@@ -2934,8 +2903,8 @@
         </p:nvSpPr>
         <p:spPr>
           <a:xfrm>
-            <a:off x="1069920" y="484560"/>
-            <a:ext cx="10058040" cy="1608840"/>
+            <a:off x="609480" y="273600"/>
+            <a:ext cx="10972440" cy="1144800"/>
           </a:xfrm>
           <a:prstGeom prst="rect">
             <a:avLst/>
@@ -2950,11 +2919,11 @@
             <a:noAutofit/>
           </a:bodyPr>
           <a:p>
-            <a:endParaRPr b="0" lang="en-US" sz="1800" spc="-1" strike="noStrike">
-              <a:solidFill>
-                <a:srgbClr val="000000"/>
-              </a:solidFill>
-              <a:latin typeface="Rockwell"/>
+            <a:pPr algn="ctr">
+              <a:buNone/>
+            </a:pPr>
+            <a:endParaRPr b="0" lang="en-IE" sz="4400" spc="-1" strike="noStrike">
+              <a:latin typeface="Arial"/>
             </a:endParaRPr>
           </a:p>
         </p:txBody>
@@ -2971,8 +2940,8 @@
         </p:nvSpPr>
         <p:spPr>
           <a:xfrm>
-            <a:off x="1069920" y="2121480"/>
-            <a:ext cx="4908240" cy="4050360"/>
+            <a:off x="609480" y="1604520"/>
+            <a:ext cx="5354280" cy="3977280"/>
           </a:xfrm>
           <a:prstGeom prst="rect">
             <a:avLst/>
@@ -2987,20 +2956,8 @@
             <a:normAutofit/>
           </a:bodyPr>
           <a:p>
-            <a:pPr>
-              <a:lnSpc>
-                <a:spcPct val="90000"/>
-              </a:lnSpc>
-              <a:spcBef>
-                <a:spcPts val="1417"/>
-              </a:spcBef>
-              <a:buNone/>
-            </a:pPr>
-            <a:endParaRPr b="0" lang="en-US" sz="2000" spc="-1" strike="noStrike">
-              <a:solidFill>
-                <a:srgbClr val="000000"/>
-              </a:solidFill>
-              <a:latin typeface="Rockwell"/>
+            <a:endParaRPr b="0" lang="en-IE" sz="3200" spc="-1" strike="noStrike">
+              <a:latin typeface="Arial"/>
             </a:endParaRPr>
           </a:p>
         </p:txBody>
@@ -3017,8 +2974,8 @@
         </p:nvSpPr>
         <p:spPr>
           <a:xfrm>
-            <a:off x="6224040" y="2121480"/>
-            <a:ext cx="4908240" cy="1931760"/>
+            <a:off x="6231960" y="1604520"/>
+            <a:ext cx="5354280" cy="1896840"/>
           </a:xfrm>
           <a:prstGeom prst="rect">
             <a:avLst/>
@@ -3033,20 +2990,8 @@
             <a:normAutofit/>
           </a:bodyPr>
           <a:p>
-            <a:pPr>
-              <a:lnSpc>
-                <a:spcPct val="90000"/>
-              </a:lnSpc>
-              <a:spcBef>
-                <a:spcPts val="1417"/>
-              </a:spcBef>
-              <a:buNone/>
-            </a:pPr>
-            <a:endParaRPr b="0" lang="en-US" sz="2000" spc="-1" strike="noStrike">
-              <a:solidFill>
-                <a:srgbClr val="000000"/>
-              </a:solidFill>
-              <a:latin typeface="Rockwell"/>
+            <a:endParaRPr b="0" lang="en-IE" sz="3200" spc="-1" strike="noStrike">
+              <a:latin typeface="Arial"/>
             </a:endParaRPr>
           </a:p>
         </p:txBody>
@@ -3063,8 +3008,8 @@
         </p:nvSpPr>
         <p:spPr>
           <a:xfrm>
-            <a:off x="6224040" y="4237200"/>
-            <a:ext cx="4908240" cy="1931760"/>
+            <a:off x="6231960" y="3682080"/>
+            <a:ext cx="5354280" cy="1896840"/>
           </a:xfrm>
           <a:prstGeom prst="rect">
             <a:avLst/>
@@ -3079,20 +3024,8 @@
             <a:normAutofit/>
           </a:bodyPr>
           <a:p>
-            <a:pPr>
-              <a:lnSpc>
-                <a:spcPct val="90000"/>
-              </a:lnSpc>
-              <a:spcBef>
-                <a:spcPts val="1417"/>
-              </a:spcBef>
-              <a:buNone/>
-            </a:pPr>
-            <a:endParaRPr b="0" lang="en-US" sz="2000" spc="-1" strike="noStrike">
-              <a:solidFill>
-                <a:srgbClr val="000000"/>
-              </a:solidFill>
-              <a:latin typeface="Rockwell"/>
+            <a:endParaRPr b="0" lang="en-IE" sz="3200" spc="-1" strike="noStrike">
+              <a:latin typeface="Arial"/>
             </a:endParaRPr>
           </a:p>
         </p:txBody>
@@ -3104,7 +3037,7 @@
             <a:spLocks noGrp="1"/>
           </p:cNvSpPr>
           <p:nvPr>
-            <p:ph type="ftr" idx="5"/>
+            <p:ph type="ftr" idx="4"/>
           </p:nvPr>
         </p:nvSpPr>
         <p:spPr/>
@@ -3124,14 +3057,14 @@
             <a:spLocks noGrp="1"/>
           </p:cNvSpPr>
           <p:nvPr>
-            <p:ph type="sldNum" idx="6"/>
+            <p:ph type="sldNum" idx="5"/>
           </p:nvPr>
         </p:nvSpPr>
         <p:spPr/>
         <p:txBody>
           <a:bodyPr/>
           <a:p>
-            <a:fld id="{F4F75AC9-495B-481F-9808-ED5D3D367112}" type="slidenum">
+            <a:fld id="{967793AC-2D7D-4CE3-A210-B14FD3939585}" type="slidenum">
               <a:t>&lt;#&gt;</a:t>
             </a:fld>
           </a:p>
@@ -3144,7 +3077,7 @@
             <a:spLocks noGrp="1"/>
           </p:cNvSpPr>
           <p:nvPr>
-            <p:ph type="dt" idx="4"/>
+            <p:ph type="dt" idx="6"/>
           </p:nvPr>
         </p:nvSpPr>
         <p:spPr/>
@@ -3192,8 +3125,8 @@
         </p:nvSpPr>
         <p:spPr>
           <a:xfrm>
-            <a:off x="1069920" y="484560"/>
-            <a:ext cx="10058040" cy="1608840"/>
+            <a:off x="609480" y="273600"/>
+            <a:ext cx="10972440" cy="1144800"/>
           </a:xfrm>
           <a:prstGeom prst="rect">
             <a:avLst/>
@@ -3208,11 +3141,11 @@
             <a:noAutofit/>
           </a:bodyPr>
           <a:p>
-            <a:endParaRPr b="0" lang="en-US" sz="1800" spc="-1" strike="noStrike">
-              <a:solidFill>
-                <a:srgbClr val="000000"/>
-              </a:solidFill>
-              <a:latin typeface="Rockwell"/>
+            <a:pPr algn="ctr">
+              <a:buNone/>
+            </a:pPr>
+            <a:endParaRPr b="0" lang="en-IE" sz="4400" spc="-1" strike="noStrike">
+              <a:latin typeface="Arial"/>
             </a:endParaRPr>
           </a:p>
         </p:txBody>
@@ -3229,8 +3162,8 @@
         </p:nvSpPr>
         <p:spPr>
           <a:xfrm>
-            <a:off x="1069920" y="2121480"/>
-            <a:ext cx="4908240" cy="1931760"/>
+            <a:off x="609480" y="1604520"/>
+            <a:ext cx="5354280" cy="1896840"/>
           </a:xfrm>
           <a:prstGeom prst="rect">
             <a:avLst/>
@@ -3245,20 +3178,8 @@
             <a:normAutofit/>
           </a:bodyPr>
           <a:p>
-            <a:pPr>
-              <a:lnSpc>
-                <a:spcPct val="90000"/>
-              </a:lnSpc>
-              <a:spcBef>
-                <a:spcPts val="1417"/>
-              </a:spcBef>
-              <a:buNone/>
-            </a:pPr>
-            <a:endParaRPr b="0" lang="en-US" sz="2000" spc="-1" strike="noStrike">
-              <a:solidFill>
-                <a:srgbClr val="000000"/>
-              </a:solidFill>
-              <a:latin typeface="Rockwell"/>
+            <a:endParaRPr b="0" lang="en-IE" sz="3200" spc="-1" strike="noStrike">
+              <a:latin typeface="Arial"/>
             </a:endParaRPr>
           </a:p>
         </p:txBody>
@@ -3275,8 +3196,8 @@
         </p:nvSpPr>
         <p:spPr>
           <a:xfrm>
-            <a:off x="6224040" y="2121480"/>
-            <a:ext cx="4908240" cy="1931760"/>
+            <a:off x="6231960" y="1604520"/>
+            <a:ext cx="5354280" cy="1896840"/>
           </a:xfrm>
           <a:prstGeom prst="rect">
             <a:avLst/>
@@ -3291,20 +3212,8 @@
             <a:normAutofit/>
           </a:bodyPr>
           <a:p>
-            <a:pPr>
-              <a:lnSpc>
-                <a:spcPct val="90000"/>
-              </a:lnSpc>
-              <a:spcBef>
-                <a:spcPts val="1417"/>
-              </a:spcBef>
-              <a:buNone/>
-            </a:pPr>
-            <a:endParaRPr b="0" lang="en-US" sz="2000" spc="-1" strike="noStrike">
-              <a:solidFill>
-                <a:srgbClr val="000000"/>
-              </a:solidFill>
-              <a:latin typeface="Rockwell"/>
+            <a:endParaRPr b="0" lang="en-IE" sz="3200" spc="-1" strike="noStrike">
+              <a:latin typeface="Arial"/>
             </a:endParaRPr>
           </a:p>
         </p:txBody>
@@ -3321,8 +3230,8 @@
         </p:nvSpPr>
         <p:spPr>
           <a:xfrm>
-            <a:off x="1069920" y="4237200"/>
-            <a:ext cx="10058040" cy="1931760"/>
+            <a:off x="609480" y="3682080"/>
+            <a:ext cx="10972440" cy="1896840"/>
           </a:xfrm>
           <a:prstGeom prst="rect">
             <a:avLst/>
@@ -3337,20 +3246,8 @@
             <a:normAutofit/>
           </a:bodyPr>
           <a:p>
-            <a:pPr>
-              <a:lnSpc>
-                <a:spcPct val="90000"/>
-              </a:lnSpc>
-              <a:spcBef>
-                <a:spcPts val="1417"/>
-              </a:spcBef>
-              <a:buNone/>
-            </a:pPr>
-            <a:endParaRPr b="0" lang="en-US" sz="2000" spc="-1" strike="noStrike">
-              <a:solidFill>
-                <a:srgbClr val="000000"/>
-              </a:solidFill>
-              <a:latin typeface="Rockwell"/>
+            <a:endParaRPr b="0" lang="en-IE" sz="3200" spc="-1" strike="noStrike">
+              <a:latin typeface="Arial"/>
             </a:endParaRPr>
           </a:p>
         </p:txBody>
@@ -3362,7 +3259,7 @@
             <a:spLocks noGrp="1"/>
           </p:cNvSpPr>
           <p:nvPr>
-            <p:ph type="ftr" idx="5"/>
+            <p:ph type="ftr" idx="4"/>
           </p:nvPr>
         </p:nvSpPr>
         <p:spPr/>
@@ -3382,14 +3279,14 @@
             <a:spLocks noGrp="1"/>
           </p:cNvSpPr>
           <p:nvPr>
-            <p:ph type="sldNum" idx="6"/>
+            <p:ph type="sldNum" idx="5"/>
           </p:nvPr>
         </p:nvSpPr>
         <p:spPr/>
         <p:txBody>
           <a:bodyPr/>
           <a:p>
-            <a:fld id="{5A5C14B2-5A79-40CC-8B9B-E6CCB3C66A94}" type="slidenum">
+            <a:fld id="{471D1311-CF77-4A74-B685-1D6962E47955}" type="slidenum">
               <a:t>&lt;#&gt;</a:t>
             </a:fld>
           </a:p>
@@ -3402,7 +3299,7 @@
             <a:spLocks noGrp="1"/>
           </p:cNvSpPr>
           <p:nvPr>
-            <p:ph type="dt" idx="4"/>
+            <p:ph type="dt" idx="6"/>
           </p:nvPr>
         </p:nvSpPr>
         <p:spPr/>
@@ -3450,8 +3347,8 @@
         </p:nvSpPr>
         <p:spPr>
           <a:xfrm>
-            <a:off x="1069920" y="484560"/>
-            <a:ext cx="10058040" cy="1608840"/>
+            <a:off x="609480" y="273600"/>
+            <a:ext cx="10972440" cy="1144800"/>
           </a:xfrm>
           <a:prstGeom prst="rect">
             <a:avLst/>
@@ -3466,11 +3363,11 @@
             <a:noAutofit/>
           </a:bodyPr>
           <a:p>
-            <a:endParaRPr b="0" lang="en-US" sz="1800" spc="-1" strike="noStrike">
-              <a:solidFill>
-                <a:srgbClr val="000000"/>
-              </a:solidFill>
-              <a:latin typeface="Rockwell"/>
+            <a:pPr algn="ctr">
+              <a:buNone/>
+            </a:pPr>
+            <a:endParaRPr b="0" lang="en-IE" sz="4400" spc="-1" strike="noStrike">
+              <a:latin typeface="Arial"/>
             </a:endParaRPr>
           </a:p>
         </p:txBody>
@@ -3487,8 +3384,8 @@
         </p:nvSpPr>
         <p:spPr>
           <a:xfrm>
-            <a:off x="1069920" y="2121480"/>
-            <a:ext cx="10058040" cy="1931760"/>
+            <a:off x="609480" y="1604520"/>
+            <a:ext cx="10972440" cy="1896840"/>
           </a:xfrm>
           <a:prstGeom prst="rect">
             <a:avLst/>
@@ -3503,20 +3400,8 @@
             <a:normAutofit/>
           </a:bodyPr>
           <a:p>
-            <a:pPr>
-              <a:lnSpc>
-                <a:spcPct val="90000"/>
-              </a:lnSpc>
-              <a:spcBef>
-                <a:spcPts val="1417"/>
-              </a:spcBef>
-              <a:buNone/>
-            </a:pPr>
-            <a:endParaRPr b="0" lang="en-US" sz="2000" spc="-1" strike="noStrike">
-              <a:solidFill>
-                <a:srgbClr val="000000"/>
-              </a:solidFill>
-              <a:latin typeface="Rockwell"/>
+            <a:endParaRPr b="0" lang="en-IE" sz="3200" spc="-1" strike="noStrike">
+              <a:latin typeface="Arial"/>
             </a:endParaRPr>
           </a:p>
         </p:txBody>
@@ -3533,8 +3418,8 @@
         </p:nvSpPr>
         <p:spPr>
           <a:xfrm>
-            <a:off x="1069920" y="4237200"/>
-            <a:ext cx="10058040" cy="1931760"/>
+            <a:off x="609480" y="3682080"/>
+            <a:ext cx="10972440" cy="1896840"/>
           </a:xfrm>
           <a:prstGeom prst="rect">
             <a:avLst/>
@@ -3549,20 +3434,8 @@
             <a:normAutofit/>
           </a:bodyPr>
           <a:p>
-            <a:pPr>
-              <a:lnSpc>
-                <a:spcPct val="90000"/>
-              </a:lnSpc>
-              <a:spcBef>
-                <a:spcPts val="1417"/>
-              </a:spcBef>
-              <a:buNone/>
-            </a:pPr>
-            <a:endParaRPr b="0" lang="en-US" sz="2000" spc="-1" strike="noStrike">
-              <a:solidFill>
-                <a:srgbClr val="000000"/>
-              </a:solidFill>
-              <a:latin typeface="Rockwell"/>
+            <a:endParaRPr b="0" lang="en-IE" sz="3200" spc="-1" strike="noStrike">
+              <a:latin typeface="Arial"/>
             </a:endParaRPr>
           </a:p>
         </p:txBody>
@@ -3574,7 +3447,7 @@
             <a:spLocks noGrp="1"/>
           </p:cNvSpPr>
           <p:nvPr>
-            <p:ph type="ftr" idx="5"/>
+            <p:ph type="ftr" idx="4"/>
           </p:nvPr>
         </p:nvSpPr>
         <p:spPr/>
@@ -3594,14 +3467,14 @@
             <a:spLocks noGrp="1"/>
           </p:cNvSpPr>
           <p:nvPr>
-            <p:ph type="sldNum" idx="6"/>
+            <p:ph type="sldNum" idx="5"/>
           </p:nvPr>
         </p:nvSpPr>
         <p:spPr/>
         <p:txBody>
           <a:bodyPr/>
           <a:p>
-            <a:fld id="{2DA118FF-338E-41BA-A5C0-40D69E0E87FB}" type="slidenum">
+            <a:fld id="{4F22812A-0BDE-45C3-878E-711511E772CE}" type="slidenum">
               <a:t>&lt;#&gt;</a:t>
             </a:fld>
           </a:p>
@@ -3614,7 +3487,7 @@
             <a:spLocks noGrp="1"/>
           </p:cNvSpPr>
           <p:nvPr>
-            <p:ph type="dt" idx="4"/>
+            <p:ph type="dt" idx="6"/>
           </p:nvPr>
         </p:nvSpPr>
         <p:spPr/>
@@ -3662,8 +3535,8 @@
         </p:nvSpPr>
         <p:spPr>
           <a:xfrm>
-            <a:off x="1069920" y="484560"/>
-            <a:ext cx="10058040" cy="1608840"/>
+            <a:off x="609480" y="273600"/>
+            <a:ext cx="10972440" cy="1144800"/>
           </a:xfrm>
           <a:prstGeom prst="rect">
             <a:avLst/>
@@ -3678,11 +3551,11 @@
             <a:noAutofit/>
           </a:bodyPr>
           <a:p>
-            <a:endParaRPr b="0" lang="en-US" sz="1800" spc="-1" strike="noStrike">
-              <a:solidFill>
-                <a:srgbClr val="000000"/>
-              </a:solidFill>
-              <a:latin typeface="Rockwell"/>
+            <a:pPr algn="ctr">
+              <a:buNone/>
+            </a:pPr>
+            <a:endParaRPr b="0" lang="en-IE" sz="4400" spc="-1" strike="noStrike">
+              <a:latin typeface="Arial"/>
             </a:endParaRPr>
           </a:p>
         </p:txBody>
@@ -3699,8 +3572,8 @@
         </p:nvSpPr>
         <p:spPr>
           <a:xfrm>
-            <a:off x="1069920" y="2121480"/>
-            <a:ext cx="4908240" cy="1931760"/>
+            <a:off x="609480" y="1604520"/>
+            <a:ext cx="5354280" cy="1896840"/>
           </a:xfrm>
           <a:prstGeom prst="rect">
             <a:avLst/>
@@ -3715,20 +3588,8 @@
             <a:normAutofit/>
           </a:bodyPr>
           <a:p>
-            <a:pPr>
-              <a:lnSpc>
-                <a:spcPct val="90000"/>
-              </a:lnSpc>
-              <a:spcBef>
-                <a:spcPts val="1417"/>
-              </a:spcBef>
-              <a:buNone/>
-            </a:pPr>
-            <a:endParaRPr b="0" lang="en-US" sz="2000" spc="-1" strike="noStrike">
-              <a:solidFill>
-                <a:srgbClr val="000000"/>
-              </a:solidFill>
-              <a:latin typeface="Rockwell"/>
+            <a:endParaRPr b="0" lang="en-IE" sz="3200" spc="-1" strike="noStrike">
+              <a:latin typeface="Arial"/>
             </a:endParaRPr>
           </a:p>
         </p:txBody>
@@ -3745,8 +3606,8 @@
         </p:nvSpPr>
         <p:spPr>
           <a:xfrm>
-            <a:off x="6224040" y="2121480"/>
-            <a:ext cx="4908240" cy="1931760"/>
+            <a:off x="6231960" y="1604520"/>
+            <a:ext cx="5354280" cy="1896840"/>
           </a:xfrm>
           <a:prstGeom prst="rect">
             <a:avLst/>
@@ -3761,20 +3622,8 @@
             <a:normAutofit/>
           </a:bodyPr>
           <a:p>
-            <a:pPr>
-              <a:lnSpc>
-                <a:spcPct val="90000"/>
-              </a:lnSpc>
-              <a:spcBef>
-                <a:spcPts val="1417"/>
-              </a:spcBef>
-              <a:buNone/>
-            </a:pPr>
-            <a:endParaRPr b="0" lang="en-US" sz="2000" spc="-1" strike="noStrike">
-              <a:solidFill>
-                <a:srgbClr val="000000"/>
-              </a:solidFill>
-              <a:latin typeface="Rockwell"/>
+            <a:endParaRPr b="0" lang="en-IE" sz="3200" spc="-1" strike="noStrike">
+              <a:latin typeface="Arial"/>
             </a:endParaRPr>
           </a:p>
         </p:txBody>
@@ -3791,8 +3640,8 @@
         </p:nvSpPr>
         <p:spPr>
           <a:xfrm>
-            <a:off x="1069920" y="4237200"/>
-            <a:ext cx="4908240" cy="1931760"/>
+            <a:off x="609480" y="3682080"/>
+            <a:ext cx="5354280" cy="1896840"/>
           </a:xfrm>
           <a:prstGeom prst="rect">
             <a:avLst/>
@@ -3807,20 +3656,8 @@
             <a:normAutofit/>
           </a:bodyPr>
           <a:p>
-            <a:pPr>
-              <a:lnSpc>
-                <a:spcPct val="90000"/>
-              </a:lnSpc>
-              <a:spcBef>
-                <a:spcPts val="1417"/>
-              </a:spcBef>
-              <a:buNone/>
-            </a:pPr>
-            <a:endParaRPr b="0" lang="en-US" sz="2000" spc="-1" strike="noStrike">
-              <a:solidFill>
-                <a:srgbClr val="000000"/>
-              </a:solidFill>
-              <a:latin typeface="Rockwell"/>
+            <a:endParaRPr b="0" lang="en-IE" sz="3200" spc="-1" strike="noStrike">
+              <a:latin typeface="Arial"/>
             </a:endParaRPr>
           </a:p>
         </p:txBody>
@@ -3837,8 +3674,8 @@
         </p:nvSpPr>
         <p:spPr>
           <a:xfrm>
-            <a:off x="6224040" y="4237200"/>
-            <a:ext cx="4908240" cy="1931760"/>
+            <a:off x="6231960" y="3682080"/>
+            <a:ext cx="5354280" cy="1896840"/>
           </a:xfrm>
           <a:prstGeom prst="rect">
             <a:avLst/>
@@ -3853,20 +3690,8 @@
             <a:normAutofit/>
           </a:bodyPr>
           <a:p>
-            <a:pPr>
-              <a:lnSpc>
-                <a:spcPct val="90000"/>
-              </a:lnSpc>
-              <a:spcBef>
-                <a:spcPts val="1417"/>
-              </a:spcBef>
-              <a:buNone/>
-            </a:pPr>
-            <a:endParaRPr b="0" lang="en-US" sz="2000" spc="-1" strike="noStrike">
-              <a:solidFill>
-                <a:srgbClr val="000000"/>
-              </a:solidFill>
-              <a:latin typeface="Rockwell"/>
+            <a:endParaRPr b="0" lang="en-IE" sz="3200" spc="-1" strike="noStrike">
+              <a:latin typeface="Arial"/>
             </a:endParaRPr>
           </a:p>
         </p:txBody>
@@ -3878,7 +3703,7 @@
             <a:spLocks noGrp="1"/>
           </p:cNvSpPr>
           <p:nvPr>
-            <p:ph type="ftr" idx="5"/>
+            <p:ph type="ftr" idx="4"/>
           </p:nvPr>
         </p:nvSpPr>
         <p:spPr/>
@@ -3898,14 +3723,14 @@
             <a:spLocks noGrp="1"/>
           </p:cNvSpPr>
           <p:nvPr>
-            <p:ph type="sldNum" idx="6"/>
+            <p:ph type="sldNum" idx="5"/>
           </p:nvPr>
         </p:nvSpPr>
         <p:spPr/>
         <p:txBody>
           <a:bodyPr/>
           <a:p>
-            <a:fld id="{5B208DF8-3D9A-4E4D-8031-D411FF6963B1}" type="slidenum">
+            <a:fld id="{CA2CC4A9-DFFD-40C5-8E4B-026340034070}" type="slidenum">
               <a:t>&lt;#&gt;</a:t>
             </a:fld>
           </a:p>
@@ -3918,7 +3743,7 @@
             <a:spLocks noGrp="1"/>
           </p:cNvSpPr>
           <p:nvPr>
-            <p:ph type="dt" idx="4"/>
+            <p:ph type="dt" idx="6"/>
           </p:nvPr>
         </p:nvSpPr>
         <p:spPr/>
@@ -3966,8 +3791,8 @@
         </p:nvSpPr>
         <p:spPr>
           <a:xfrm>
-            <a:off x="1069920" y="484560"/>
-            <a:ext cx="10058040" cy="1608840"/>
+            <a:off x="609480" y="273600"/>
+            <a:ext cx="10972440" cy="1144800"/>
           </a:xfrm>
           <a:prstGeom prst="rect">
             <a:avLst/>
@@ -3982,11 +3807,11 @@
             <a:noAutofit/>
           </a:bodyPr>
           <a:p>
-            <a:endParaRPr b="0" lang="en-US" sz="1800" spc="-1" strike="noStrike">
-              <a:solidFill>
-                <a:srgbClr val="000000"/>
-              </a:solidFill>
-              <a:latin typeface="Rockwell"/>
+            <a:pPr algn="ctr">
+              <a:buNone/>
+            </a:pPr>
+            <a:endParaRPr b="0" lang="en-IE" sz="4400" spc="-1" strike="noStrike">
+              <a:latin typeface="Arial"/>
             </a:endParaRPr>
           </a:p>
         </p:txBody>
@@ -4003,8 +3828,8 @@
         </p:nvSpPr>
         <p:spPr>
           <a:xfrm>
-            <a:off x="1069920" y="2121480"/>
-            <a:ext cx="3238560" cy="1931760"/>
+            <a:off x="609480" y="1604520"/>
+            <a:ext cx="3533040" cy="1896840"/>
           </a:xfrm>
           <a:prstGeom prst="rect">
             <a:avLst/>
@@ -4019,20 +3844,8 @@
             <a:normAutofit/>
           </a:bodyPr>
           <a:p>
-            <a:pPr>
-              <a:lnSpc>
-                <a:spcPct val="90000"/>
-              </a:lnSpc>
-              <a:spcBef>
-                <a:spcPts val="1417"/>
-              </a:spcBef>
-              <a:buNone/>
-            </a:pPr>
-            <a:endParaRPr b="0" lang="en-US" sz="2000" spc="-1" strike="noStrike">
-              <a:solidFill>
-                <a:srgbClr val="000000"/>
-              </a:solidFill>
-              <a:latin typeface="Rockwell"/>
+            <a:endParaRPr b="0" lang="en-IE" sz="3200" spc="-1" strike="noStrike">
+              <a:latin typeface="Arial"/>
             </a:endParaRPr>
           </a:p>
         </p:txBody>
@@ -4049,8 +3862,8 @@
         </p:nvSpPr>
         <p:spPr>
           <a:xfrm>
-            <a:off x="4470840" y="2121480"/>
-            <a:ext cx="3238560" cy="1931760"/>
+            <a:off x="4319640" y="1604520"/>
+            <a:ext cx="3533040" cy="1896840"/>
           </a:xfrm>
           <a:prstGeom prst="rect">
             <a:avLst/>
@@ -4065,20 +3878,8 @@
             <a:normAutofit/>
           </a:bodyPr>
           <a:p>
-            <a:pPr>
-              <a:lnSpc>
-                <a:spcPct val="90000"/>
-              </a:lnSpc>
-              <a:spcBef>
-                <a:spcPts val="1417"/>
-              </a:spcBef>
-              <a:buNone/>
-            </a:pPr>
-            <a:endParaRPr b="0" lang="en-US" sz="2000" spc="-1" strike="noStrike">
-              <a:solidFill>
-                <a:srgbClr val="000000"/>
-              </a:solidFill>
-              <a:latin typeface="Rockwell"/>
+            <a:endParaRPr b="0" lang="en-IE" sz="3200" spc="-1" strike="noStrike">
+              <a:latin typeface="Arial"/>
             </a:endParaRPr>
           </a:p>
         </p:txBody>
@@ -4095,8 +3896,8 @@
         </p:nvSpPr>
         <p:spPr>
           <a:xfrm>
-            <a:off x="7871760" y="2121480"/>
-            <a:ext cx="3238560" cy="1931760"/>
+            <a:off x="8029800" y="1604520"/>
+            <a:ext cx="3533040" cy="1896840"/>
           </a:xfrm>
           <a:prstGeom prst="rect">
             <a:avLst/>
@@ -4111,20 +3912,8 @@
             <a:normAutofit/>
           </a:bodyPr>
           <a:p>
-            <a:pPr>
-              <a:lnSpc>
-                <a:spcPct val="90000"/>
-              </a:lnSpc>
-              <a:spcBef>
-                <a:spcPts val="1417"/>
-              </a:spcBef>
-              <a:buNone/>
-            </a:pPr>
-            <a:endParaRPr b="0" lang="en-US" sz="2000" spc="-1" strike="noStrike">
-              <a:solidFill>
-                <a:srgbClr val="000000"/>
-              </a:solidFill>
-              <a:latin typeface="Rockwell"/>
+            <a:endParaRPr b="0" lang="en-IE" sz="3200" spc="-1" strike="noStrike">
+              <a:latin typeface="Arial"/>
             </a:endParaRPr>
           </a:p>
         </p:txBody>
@@ -4141,8 +3930,8 @@
         </p:nvSpPr>
         <p:spPr>
           <a:xfrm>
-            <a:off x="1069920" y="4237200"/>
-            <a:ext cx="3238560" cy="1931760"/>
+            <a:off x="609480" y="3682080"/>
+            <a:ext cx="3533040" cy="1896840"/>
           </a:xfrm>
           <a:prstGeom prst="rect">
             <a:avLst/>
@@ -4157,20 +3946,8 @@
             <a:normAutofit/>
           </a:bodyPr>
           <a:p>
-            <a:pPr>
-              <a:lnSpc>
-                <a:spcPct val="90000"/>
-              </a:lnSpc>
-              <a:spcBef>
-                <a:spcPts val="1417"/>
-              </a:spcBef>
-              <a:buNone/>
-            </a:pPr>
-            <a:endParaRPr b="0" lang="en-US" sz="2000" spc="-1" strike="noStrike">
-              <a:solidFill>
-                <a:srgbClr val="000000"/>
-              </a:solidFill>
-              <a:latin typeface="Rockwell"/>
+            <a:endParaRPr b="0" lang="en-IE" sz="3200" spc="-1" strike="noStrike">
+              <a:latin typeface="Arial"/>
             </a:endParaRPr>
           </a:p>
         </p:txBody>
@@ -4187,8 +3964,8 @@
         </p:nvSpPr>
         <p:spPr>
           <a:xfrm>
-            <a:off x="4470840" y="4237200"/>
-            <a:ext cx="3238560" cy="1931760"/>
+            <a:off x="4319640" y="3682080"/>
+            <a:ext cx="3533040" cy="1896840"/>
           </a:xfrm>
           <a:prstGeom prst="rect">
             <a:avLst/>
@@ -4203,20 +3980,8 @@
             <a:normAutofit/>
           </a:bodyPr>
           <a:p>
-            <a:pPr>
-              <a:lnSpc>
-                <a:spcPct val="90000"/>
-              </a:lnSpc>
-              <a:spcBef>
-                <a:spcPts val="1417"/>
-              </a:spcBef>
-              <a:buNone/>
-            </a:pPr>
-            <a:endParaRPr b="0" lang="en-US" sz="2000" spc="-1" strike="noStrike">
-              <a:solidFill>
-                <a:srgbClr val="000000"/>
-              </a:solidFill>
-              <a:latin typeface="Rockwell"/>
+            <a:endParaRPr b="0" lang="en-IE" sz="3200" spc="-1" strike="noStrike">
+              <a:latin typeface="Arial"/>
             </a:endParaRPr>
           </a:p>
         </p:txBody>
@@ -4233,8 +3998,8 @@
         </p:nvSpPr>
         <p:spPr>
           <a:xfrm>
-            <a:off x="7871760" y="4237200"/>
-            <a:ext cx="3238560" cy="1931760"/>
+            <a:off x="8029800" y="3682080"/>
+            <a:ext cx="3533040" cy="1896840"/>
           </a:xfrm>
           <a:prstGeom prst="rect">
             <a:avLst/>
@@ -4249,20 +4014,8 @@
             <a:normAutofit/>
           </a:bodyPr>
           <a:p>
-            <a:pPr>
-              <a:lnSpc>
-                <a:spcPct val="90000"/>
-              </a:lnSpc>
-              <a:spcBef>
-                <a:spcPts val="1417"/>
-              </a:spcBef>
-              <a:buNone/>
-            </a:pPr>
-            <a:endParaRPr b="0" lang="en-US" sz="2000" spc="-1" strike="noStrike">
-              <a:solidFill>
-                <a:srgbClr val="000000"/>
-              </a:solidFill>
-              <a:latin typeface="Rockwell"/>
+            <a:endParaRPr b="0" lang="en-IE" sz="3200" spc="-1" strike="noStrike">
+              <a:latin typeface="Arial"/>
             </a:endParaRPr>
           </a:p>
         </p:txBody>
@@ -4274,7 +4027,7 @@
             <a:spLocks noGrp="1"/>
           </p:cNvSpPr>
           <p:nvPr>
-            <p:ph type="ftr" idx="5"/>
+            <p:ph type="ftr" idx="4"/>
           </p:nvPr>
         </p:nvSpPr>
         <p:spPr/>
@@ -4294,14 +4047,14 @@
             <a:spLocks noGrp="1"/>
           </p:cNvSpPr>
           <p:nvPr>
-            <p:ph type="sldNum" idx="6"/>
+            <p:ph type="sldNum" idx="5"/>
           </p:nvPr>
         </p:nvSpPr>
         <p:spPr/>
         <p:txBody>
           <a:bodyPr/>
           <a:p>
-            <a:fld id="{18CFA6ED-A567-471D-971C-20DF6DB68EC0}" type="slidenum">
+            <a:fld id="{B65BDB50-2661-4708-8D2E-E13CD5F88B29}" type="slidenum">
               <a:t>&lt;#&gt;</a:t>
             </a:fld>
           </a:p>
@@ -4314,7 +4067,7 @@
             <a:spLocks noGrp="1"/>
           </p:cNvSpPr>
           <p:nvPr>
-            <p:ph type="dt" idx="4"/>
+            <p:ph type="dt" idx="6"/>
           </p:nvPr>
         </p:nvSpPr>
         <p:spPr/>
@@ -4362,8 +4115,8 @@
         </p:nvSpPr>
         <p:spPr>
           <a:xfrm>
-            <a:off x="1069920" y="484560"/>
-            <a:ext cx="10058040" cy="1608840"/>
+            <a:off x="609480" y="273600"/>
+            <a:ext cx="10972440" cy="1144800"/>
           </a:xfrm>
           <a:prstGeom prst="rect">
             <a:avLst/>
@@ -4378,11 +4131,11 @@
             <a:noAutofit/>
           </a:bodyPr>
           <a:p>
-            <a:endParaRPr b="0" lang="en-US" sz="1800" spc="-1" strike="noStrike">
-              <a:solidFill>
-                <a:srgbClr val="000000"/>
-              </a:solidFill>
-              <a:latin typeface="Rockwell"/>
+            <a:pPr algn="ctr">
+              <a:buNone/>
+            </a:pPr>
+            <a:endParaRPr b="0" lang="en-IE" sz="4400" spc="-1" strike="noStrike">
+              <a:latin typeface="Arial"/>
             </a:endParaRPr>
           </a:p>
         </p:txBody>
@@ -4399,8 +4152,8 @@
         </p:nvSpPr>
         <p:spPr>
           <a:xfrm>
-            <a:off x="1069920" y="2121480"/>
-            <a:ext cx="10058040" cy="4050360"/>
+            <a:off x="609480" y="1604520"/>
+            <a:ext cx="10972440" cy="3977280"/>
           </a:xfrm>
           <a:prstGeom prst="rect">
             <a:avLst/>
@@ -4415,20 +4168,8 @@
             <a:normAutofit/>
           </a:bodyPr>
           <a:p>
-            <a:pPr>
-              <a:lnSpc>
-                <a:spcPct val="90000"/>
-              </a:lnSpc>
-              <a:spcBef>
-                <a:spcPts val="1417"/>
-              </a:spcBef>
-              <a:buNone/>
-            </a:pPr>
-            <a:endParaRPr b="0" lang="en-US" sz="2000" spc="-1" strike="noStrike">
-              <a:solidFill>
-                <a:srgbClr val="000000"/>
-              </a:solidFill>
-              <a:latin typeface="Rockwell"/>
+            <a:endParaRPr b="0" lang="en-IE" sz="3200" spc="-1" strike="noStrike">
+              <a:latin typeface="Arial"/>
             </a:endParaRPr>
           </a:p>
         </p:txBody>
@@ -4440,7 +4181,7 @@
             <a:spLocks noGrp="1"/>
           </p:cNvSpPr>
           <p:nvPr>
-            <p:ph type="ftr" idx="2"/>
+            <p:ph type="ftr" idx="1"/>
           </p:nvPr>
         </p:nvSpPr>
         <p:spPr/>
@@ -4460,14 +4201,14 @@
             <a:spLocks noGrp="1"/>
           </p:cNvSpPr>
           <p:nvPr>
-            <p:ph type="sldNum" idx="3"/>
+            <p:ph type="sldNum" idx="2"/>
           </p:nvPr>
         </p:nvSpPr>
         <p:spPr/>
         <p:txBody>
           <a:bodyPr/>
           <a:p>
-            <a:fld id="{ADA5BC1D-DFA1-49FD-975C-2B93A93784E1}" type="slidenum">
+            <a:fld id="{F5FA827B-F4C5-4AC4-895C-347679992012}" type="slidenum">
               <a:t>&lt;#&gt;</a:t>
             </a:fld>
           </a:p>
@@ -4480,7 +4221,7 @@
             <a:spLocks noGrp="1"/>
           </p:cNvSpPr>
           <p:nvPr>
-            <p:ph type="dt" idx="1"/>
+            <p:ph type="dt" idx="3"/>
           </p:nvPr>
         </p:nvSpPr>
         <p:spPr/>
@@ -4528,8 +4269,8 @@
         </p:nvSpPr>
         <p:spPr>
           <a:xfrm>
-            <a:off x="1069920" y="484560"/>
-            <a:ext cx="10058040" cy="1608840"/>
+            <a:off x="609480" y="273600"/>
+            <a:ext cx="10972440" cy="1144800"/>
           </a:xfrm>
           <a:prstGeom prst="rect">
             <a:avLst/>
@@ -4544,11 +4285,11 @@
             <a:noAutofit/>
           </a:bodyPr>
           <a:p>
-            <a:endParaRPr b="0" lang="en-US" sz="1800" spc="-1" strike="noStrike">
-              <a:solidFill>
-                <a:srgbClr val="000000"/>
-              </a:solidFill>
-              <a:latin typeface="Rockwell"/>
+            <a:pPr algn="ctr">
+              <a:buNone/>
+            </a:pPr>
+            <a:endParaRPr b="0" lang="en-IE" sz="4400" spc="-1" strike="noStrike">
+              <a:latin typeface="Arial"/>
             </a:endParaRPr>
           </a:p>
         </p:txBody>
@@ -4565,8 +4306,8 @@
         </p:nvSpPr>
         <p:spPr>
           <a:xfrm>
-            <a:off x="1069920" y="2121480"/>
-            <a:ext cx="4908240" cy="4050360"/>
+            <a:off x="609480" y="1604520"/>
+            <a:ext cx="5354280" cy="3977280"/>
           </a:xfrm>
           <a:prstGeom prst="rect">
             <a:avLst/>
@@ -4581,20 +4322,8 @@
             <a:normAutofit/>
           </a:bodyPr>
           <a:p>
-            <a:pPr>
-              <a:lnSpc>
-                <a:spcPct val="90000"/>
-              </a:lnSpc>
-              <a:spcBef>
-                <a:spcPts val="1417"/>
-              </a:spcBef>
-              <a:buNone/>
-            </a:pPr>
-            <a:endParaRPr b="0" lang="en-US" sz="2000" spc="-1" strike="noStrike">
-              <a:solidFill>
-                <a:srgbClr val="000000"/>
-              </a:solidFill>
-              <a:latin typeface="Rockwell"/>
+            <a:endParaRPr b="0" lang="en-IE" sz="3200" spc="-1" strike="noStrike">
+              <a:latin typeface="Arial"/>
             </a:endParaRPr>
           </a:p>
         </p:txBody>
@@ -4611,8 +4340,8 @@
         </p:nvSpPr>
         <p:spPr>
           <a:xfrm>
-            <a:off x="6224040" y="2121480"/>
-            <a:ext cx="4908240" cy="4050360"/>
+            <a:off x="6231960" y="1604520"/>
+            <a:ext cx="5354280" cy="3977280"/>
           </a:xfrm>
           <a:prstGeom prst="rect">
             <a:avLst/>
@@ -4627,20 +4356,8 @@
             <a:normAutofit/>
           </a:bodyPr>
           <a:p>
-            <a:pPr>
-              <a:lnSpc>
-                <a:spcPct val="90000"/>
-              </a:lnSpc>
-              <a:spcBef>
-                <a:spcPts val="1417"/>
-              </a:spcBef>
-              <a:buNone/>
-            </a:pPr>
-            <a:endParaRPr b="0" lang="en-US" sz="2000" spc="-1" strike="noStrike">
-              <a:solidFill>
-                <a:srgbClr val="000000"/>
-              </a:solidFill>
-              <a:latin typeface="Rockwell"/>
+            <a:endParaRPr b="0" lang="en-IE" sz="3200" spc="-1" strike="noStrike">
+              <a:latin typeface="Arial"/>
             </a:endParaRPr>
           </a:p>
         </p:txBody>
@@ -4652,7 +4369,7 @@
             <a:spLocks noGrp="1"/>
           </p:cNvSpPr>
           <p:nvPr>
-            <p:ph type="ftr" idx="2"/>
+            <p:ph type="ftr" idx="1"/>
           </p:nvPr>
         </p:nvSpPr>
         <p:spPr/>
@@ -4672,14 +4389,14 @@
             <a:spLocks noGrp="1"/>
           </p:cNvSpPr>
           <p:nvPr>
-            <p:ph type="sldNum" idx="3"/>
+            <p:ph type="sldNum" idx="2"/>
           </p:nvPr>
         </p:nvSpPr>
         <p:spPr/>
         <p:txBody>
           <a:bodyPr/>
           <a:p>
-            <a:fld id="{23A836CA-46D3-4E4B-8470-0182A843D6F7}" type="slidenum">
+            <a:fld id="{51172B23-A23F-4D3C-9634-9A9A5EE8DAEE}" type="slidenum">
               <a:t>&lt;#&gt;</a:t>
             </a:fld>
           </a:p>
@@ -4692,7 +4409,7 @@
             <a:spLocks noGrp="1"/>
           </p:cNvSpPr>
           <p:nvPr>
-            <p:ph type="dt" idx="1"/>
+            <p:ph type="dt" idx="3"/>
           </p:nvPr>
         </p:nvSpPr>
         <p:spPr/>
@@ -4740,8 +4457,8 @@
         </p:nvSpPr>
         <p:spPr>
           <a:xfrm>
-            <a:off x="1069920" y="484560"/>
-            <a:ext cx="10058040" cy="1608840"/>
+            <a:off x="609480" y="273600"/>
+            <a:ext cx="10972440" cy="1144800"/>
           </a:xfrm>
           <a:prstGeom prst="rect">
             <a:avLst/>
@@ -4756,11 +4473,11 @@
             <a:noAutofit/>
           </a:bodyPr>
           <a:p>
-            <a:endParaRPr b="0" lang="en-US" sz="1800" spc="-1" strike="noStrike">
-              <a:solidFill>
-                <a:srgbClr val="000000"/>
-              </a:solidFill>
-              <a:latin typeface="Rockwell"/>
+            <a:pPr algn="ctr">
+              <a:buNone/>
+            </a:pPr>
+            <a:endParaRPr b="0" lang="en-IE" sz="4400" spc="-1" strike="noStrike">
+              <a:latin typeface="Arial"/>
             </a:endParaRPr>
           </a:p>
         </p:txBody>
@@ -4772,7 +4489,7 @@
             <a:spLocks noGrp="1"/>
           </p:cNvSpPr>
           <p:nvPr>
-            <p:ph type="ftr" idx="2"/>
+            <p:ph type="ftr" idx="1"/>
           </p:nvPr>
         </p:nvSpPr>
         <p:spPr/>
@@ -4792,14 +4509,14 @@
             <a:spLocks noGrp="1"/>
           </p:cNvSpPr>
           <p:nvPr>
-            <p:ph type="sldNum" idx="3"/>
+            <p:ph type="sldNum" idx="2"/>
           </p:nvPr>
         </p:nvSpPr>
         <p:spPr/>
         <p:txBody>
           <a:bodyPr/>
           <a:p>
-            <a:fld id="{E6F9F70D-3BCC-4C0E-B437-D7D9E91867B4}" type="slidenum">
+            <a:fld id="{C5A6D04F-0902-4F5C-B890-E712A9994A15}" type="slidenum">
               <a:t>&lt;#&gt;</a:t>
             </a:fld>
           </a:p>
@@ -4812,7 +4529,7 @@
             <a:spLocks noGrp="1"/>
           </p:cNvSpPr>
           <p:nvPr>
-            <p:ph type="dt" idx="1"/>
+            <p:ph type="dt" idx="3"/>
           </p:nvPr>
         </p:nvSpPr>
         <p:spPr/>
@@ -4860,8 +4577,8 @@
         </p:nvSpPr>
         <p:spPr>
           <a:xfrm>
-            <a:off x="1069920" y="484560"/>
-            <a:ext cx="10058040" cy="7458840"/>
+            <a:off x="609480" y="273600"/>
+            <a:ext cx="10972440" cy="5307840"/>
           </a:xfrm>
           <a:prstGeom prst="rect">
             <a:avLst/>
@@ -4892,7 +4609,7 @@
             <a:spLocks noGrp="1"/>
           </p:cNvSpPr>
           <p:nvPr>
-            <p:ph type="ftr" idx="2"/>
+            <p:ph type="ftr" idx="1"/>
           </p:nvPr>
         </p:nvSpPr>
         <p:spPr/>
@@ -4912,14 +4629,14 @@
             <a:spLocks noGrp="1"/>
           </p:cNvSpPr>
           <p:nvPr>
-            <p:ph type="sldNum" idx="3"/>
+            <p:ph type="sldNum" idx="2"/>
           </p:nvPr>
         </p:nvSpPr>
         <p:spPr/>
         <p:txBody>
           <a:bodyPr/>
           <a:p>
-            <a:fld id="{828DEC52-3601-443C-882D-3E3350B16E15}" type="slidenum">
+            <a:fld id="{CE645A20-4E08-4E0D-AE4A-E0C53A47B2BD}" type="slidenum">
               <a:t>&lt;#&gt;</a:t>
             </a:fld>
           </a:p>
@@ -4932,7 +4649,7 @@
             <a:spLocks noGrp="1"/>
           </p:cNvSpPr>
           <p:nvPr>
-            <p:ph type="dt" idx="1"/>
+            <p:ph type="dt" idx="3"/>
           </p:nvPr>
         </p:nvSpPr>
         <p:spPr/>
@@ -4980,8 +4697,8 @@
         </p:nvSpPr>
         <p:spPr>
           <a:xfrm>
-            <a:off x="1069920" y="484560"/>
-            <a:ext cx="10058040" cy="1608840"/>
+            <a:off x="609480" y="273600"/>
+            <a:ext cx="10972440" cy="1144800"/>
           </a:xfrm>
           <a:prstGeom prst="rect">
             <a:avLst/>
@@ -4996,11 +4713,11 @@
             <a:noAutofit/>
           </a:bodyPr>
           <a:p>
-            <a:endParaRPr b="0" lang="en-US" sz="1800" spc="-1" strike="noStrike">
-              <a:solidFill>
-                <a:srgbClr val="000000"/>
-              </a:solidFill>
-              <a:latin typeface="Rockwell"/>
+            <a:pPr algn="ctr">
+              <a:buNone/>
+            </a:pPr>
+            <a:endParaRPr b="0" lang="en-IE" sz="4400" spc="-1" strike="noStrike">
+              <a:latin typeface="Arial"/>
             </a:endParaRPr>
           </a:p>
         </p:txBody>
@@ -5017,8 +4734,8 @@
         </p:nvSpPr>
         <p:spPr>
           <a:xfrm>
-            <a:off x="1069920" y="2121480"/>
-            <a:ext cx="4908240" cy="1931760"/>
+            <a:off x="609480" y="1604520"/>
+            <a:ext cx="5354280" cy="1896840"/>
           </a:xfrm>
           <a:prstGeom prst="rect">
             <a:avLst/>
@@ -5033,20 +4750,8 @@
             <a:normAutofit/>
           </a:bodyPr>
           <a:p>
-            <a:pPr>
-              <a:lnSpc>
-                <a:spcPct val="90000"/>
-              </a:lnSpc>
-              <a:spcBef>
-                <a:spcPts val="1417"/>
-              </a:spcBef>
-              <a:buNone/>
-            </a:pPr>
-            <a:endParaRPr b="0" lang="en-US" sz="2000" spc="-1" strike="noStrike">
-              <a:solidFill>
-                <a:srgbClr val="000000"/>
-              </a:solidFill>
-              <a:latin typeface="Rockwell"/>
+            <a:endParaRPr b="0" lang="en-IE" sz="3200" spc="-1" strike="noStrike">
+              <a:latin typeface="Arial"/>
             </a:endParaRPr>
           </a:p>
         </p:txBody>
@@ -5063,8 +4768,8 @@
         </p:nvSpPr>
         <p:spPr>
           <a:xfrm>
-            <a:off x="6224040" y="2121480"/>
-            <a:ext cx="4908240" cy="4050360"/>
+            <a:off x="6231960" y="1604520"/>
+            <a:ext cx="5354280" cy="3977280"/>
           </a:xfrm>
           <a:prstGeom prst="rect">
             <a:avLst/>
@@ -5079,20 +4784,8 @@
             <a:normAutofit/>
           </a:bodyPr>
           <a:p>
-            <a:pPr>
-              <a:lnSpc>
-                <a:spcPct val="90000"/>
-              </a:lnSpc>
-              <a:spcBef>
-                <a:spcPts val="1417"/>
-              </a:spcBef>
-              <a:buNone/>
-            </a:pPr>
-            <a:endParaRPr b="0" lang="en-US" sz="2000" spc="-1" strike="noStrike">
-              <a:solidFill>
-                <a:srgbClr val="000000"/>
-              </a:solidFill>
-              <a:latin typeface="Rockwell"/>
+            <a:endParaRPr b="0" lang="en-IE" sz="3200" spc="-1" strike="noStrike">
+              <a:latin typeface="Arial"/>
             </a:endParaRPr>
           </a:p>
         </p:txBody>
@@ -5109,8 +4802,8 @@
         </p:nvSpPr>
         <p:spPr>
           <a:xfrm>
-            <a:off x="1069920" y="4237200"/>
-            <a:ext cx="4908240" cy="1931760"/>
+            <a:off x="609480" y="3682080"/>
+            <a:ext cx="5354280" cy="1896840"/>
           </a:xfrm>
           <a:prstGeom prst="rect">
             <a:avLst/>
@@ -5125,20 +4818,8 @@
             <a:normAutofit/>
           </a:bodyPr>
           <a:p>
-            <a:pPr>
-              <a:lnSpc>
-                <a:spcPct val="90000"/>
-              </a:lnSpc>
-              <a:spcBef>
-                <a:spcPts val="1417"/>
-              </a:spcBef>
-              <a:buNone/>
-            </a:pPr>
-            <a:endParaRPr b="0" lang="en-US" sz="2000" spc="-1" strike="noStrike">
-              <a:solidFill>
-                <a:srgbClr val="000000"/>
-              </a:solidFill>
-              <a:latin typeface="Rockwell"/>
+            <a:endParaRPr b="0" lang="en-IE" sz="3200" spc="-1" strike="noStrike">
+              <a:latin typeface="Arial"/>
             </a:endParaRPr>
           </a:p>
         </p:txBody>
@@ -5150,7 +4831,7 @@
             <a:spLocks noGrp="1"/>
           </p:cNvSpPr>
           <p:nvPr>
-            <p:ph type="ftr" idx="2"/>
+            <p:ph type="ftr" idx="1"/>
           </p:nvPr>
         </p:nvSpPr>
         <p:spPr/>
@@ -5170,14 +4851,14 @@
             <a:spLocks noGrp="1"/>
           </p:cNvSpPr>
           <p:nvPr>
-            <p:ph type="sldNum" idx="3"/>
+            <p:ph type="sldNum" idx="2"/>
           </p:nvPr>
         </p:nvSpPr>
         <p:spPr/>
         <p:txBody>
           <a:bodyPr/>
           <a:p>
-            <a:fld id="{F4E4ED50-1B2A-4845-A918-987E61A650C6}" type="slidenum">
+            <a:fld id="{2FF6FDFF-9F01-44A1-B1CD-569BD9BA7B13}" type="slidenum">
               <a:t>&lt;#&gt;</a:t>
             </a:fld>
           </a:p>
@@ -5190,7 +4871,7 @@
             <a:spLocks noGrp="1"/>
           </p:cNvSpPr>
           <p:nvPr>
-            <p:ph type="dt" idx="1"/>
+            <p:ph type="dt" idx="3"/>
           </p:nvPr>
         </p:nvSpPr>
         <p:spPr/>
@@ -5238,8 +4919,8 @@
         </p:nvSpPr>
         <p:spPr>
           <a:xfrm>
-            <a:off x="1069920" y="484560"/>
-            <a:ext cx="10058040" cy="1608840"/>
+            <a:off x="609480" y="273600"/>
+            <a:ext cx="10972440" cy="1144800"/>
           </a:xfrm>
           <a:prstGeom prst="rect">
             <a:avLst/>
@@ -5254,11 +4935,11 @@
             <a:noAutofit/>
           </a:bodyPr>
           <a:p>
-            <a:endParaRPr b="0" lang="en-US" sz="1800" spc="-1" strike="noStrike">
-              <a:solidFill>
-                <a:srgbClr val="000000"/>
-              </a:solidFill>
-              <a:latin typeface="Rockwell"/>
+            <a:pPr algn="ctr">
+              <a:buNone/>
+            </a:pPr>
+            <a:endParaRPr b="0" lang="en-IE" sz="4400" spc="-1" strike="noStrike">
+              <a:latin typeface="Arial"/>
             </a:endParaRPr>
           </a:p>
         </p:txBody>
@@ -5275,8 +4956,8 @@
         </p:nvSpPr>
         <p:spPr>
           <a:xfrm>
-            <a:off x="1069920" y="2121480"/>
-            <a:ext cx="4908240" cy="4050360"/>
+            <a:off x="609480" y="1604520"/>
+            <a:ext cx="5354280" cy="3977280"/>
           </a:xfrm>
           <a:prstGeom prst="rect">
             <a:avLst/>
@@ -5291,20 +4972,8 @@
             <a:normAutofit/>
           </a:bodyPr>
           <a:p>
-            <a:pPr>
-              <a:lnSpc>
-                <a:spcPct val="90000"/>
-              </a:lnSpc>
-              <a:spcBef>
-                <a:spcPts val="1417"/>
-              </a:spcBef>
-              <a:buNone/>
-            </a:pPr>
-            <a:endParaRPr b="0" lang="en-US" sz="2000" spc="-1" strike="noStrike">
-              <a:solidFill>
-                <a:srgbClr val="000000"/>
-              </a:solidFill>
-              <a:latin typeface="Rockwell"/>
+            <a:endParaRPr b="0" lang="en-IE" sz="3200" spc="-1" strike="noStrike">
+              <a:latin typeface="Arial"/>
             </a:endParaRPr>
           </a:p>
         </p:txBody>
@@ -5321,8 +4990,8 @@
         </p:nvSpPr>
         <p:spPr>
           <a:xfrm>
-            <a:off x="6224040" y="2121480"/>
-            <a:ext cx="4908240" cy="1931760"/>
+            <a:off x="6231960" y="1604520"/>
+            <a:ext cx="5354280" cy="1896840"/>
           </a:xfrm>
           <a:prstGeom prst="rect">
             <a:avLst/>
@@ -5337,20 +5006,8 @@
             <a:normAutofit/>
           </a:bodyPr>
           <a:p>
-            <a:pPr>
-              <a:lnSpc>
-                <a:spcPct val="90000"/>
-              </a:lnSpc>
-              <a:spcBef>
-                <a:spcPts val="1417"/>
-              </a:spcBef>
-              <a:buNone/>
-            </a:pPr>
-            <a:endParaRPr b="0" lang="en-US" sz="2000" spc="-1" strike="noStrike">
-              <a:solidFill>
-                <a:srgbClr val="000000"/>
-              </a:solidFill>
-              <a:latin typeface="Rockwell"/>
+            <a:endParaRPr b="0" lang="en-IE" sz="3200" spc="-1" strike="noStrike">
+              <a:latin typeface="Arial"/>
             </a:endParaRPr>
           </a:p>
         </p:txBody>
@@ -5367,8 +5024,8 @@
         </p:nvSpPr>
         <p:spPr>
           <a:xfrm>
-            <a:off x="6224040" y="4237200"/>
-            <a:ext cx="4908240" cy="1931760"/>
+            <a:off x="6231960" y="3682080"/>
+            <a:ext cx="5354280" cy="1896840"/>
           </a:xfrm>
           <a:prstGeom prst="rect">
             <a:avLst/>
@@ -5383,20 +5040,8 @@
             <a:normAutofit/>
           </a:bodyPr>
           <a:p>
-            <a:pPr>
-              <a:lnSpc>
-                <a:spcPct val="90000"/>
-              </a:lnSpc>
-              <a:spcBef>
-                <a:spcPts val="1417"/>
-              </a:spcBef>
-              <a:buNone/>
-            </a:pPr>
-            <a:endParaRPr b="0" lang="en-US" sz="2000" spc="-1" strike="noStrike">
-              <a:solidFill>
-                <a:srgbClr val="000000"/>
-              </a:solidFill>
-              <a:latin typeface="Rockwell"/>
+            <a:endParaRPr b="0" lang="en-IE" sz="3200" spc="-1" strike="noStrike">
+              <a:latin typeface="Arial"/>
             </a:endParaRPr>
           </a:p>
         </p:txBody>
@@ -5408,7 +5053,7 @@
             <a:spLocks noGrp="1"/>
           </p:cNvSpPr>
           <p:nvPr>
-            <p:ph type="ftr" idx="2"/>
+            <p:ph type="ftr" idx="1"/>
           </p:nvPr>
         </p:nvSpPr>
         <p:spPr/>
@@ -5428,14 +5073,14 @@
             <a:spLocks noGrp="1"/>
           </p:cNvSpPr>
           <p:nvPr>
-            <p:ph type="sldNum" idx="3"/>
+            <p:ph type="sldNum" idx="2"/>
           </p:nvPr>
         </p:nvSpPr>
         <p:spPr/>
         <p:txBody>
           <a:bodyPr/>
           <a:p>
-            <a:fld id="{F4DCFADC-6EEA-43DF-9988-986C618B2DC4}" type="slidenum">
+            <a:fld id="{2FDA8021-D2B1-4A88-B16D-691295C022A6}" type="slidenum">
               <a:t>&lt;#&gt;</a:t>
             </a:fld>
           </a:p>
@@ -5448,7 +5093,7 @@
             <a:spLocks noGrp="1"/>
           </p:cNvSpPr>
           <p:nvPr>
-            <p:ph type="dt" idx="1"/>
+            <p:ph type="dt" idx="3"/>
           </p:nvPr>
         </p:nvSpPr>
         <p:spPr/>
@@ -5496,8 +5141,8 @@
         </p:nvSpPr>
         <p:spPr>
           <a:xfrm>
-            <a:off x="1069920" y="484560"/>
-            <a:ext cx="10058040" cy="1608840"/>
+            <a:off x="609480" y="273600"/>
+            <a:ext cx="10972440" cy="1144800"/>
           </a:xfrm>
           <a:prstGeom prst="rect">
             <a:avLst/>
@@ -5512,11 +5157,11 @@
             <a:noAutofit/>
           </a:bodyPr>
           <a:p>
-            <a:endParaRPr b="0" lang="en-US" sz="1800" spc="-1" strike="noStrike">
-              <a:solidFill>
-                <a:srgbClr val="000000"/>
-              </a:solidFill>
-              <a:latin typeface="Rockwell"/>
+            <a:pPr algn="ctr">
+              <a:buNone/>
+            </a:pPr>
+            <a:endParaRPr b="0" lang="en-IE" sz="4400" spc="-1" strike="noStrike">
+              <a:latin typeface="Arial"/>
             </a:endParaRPr>
           </a:p>
         </p:txBody>
@@ -5533,8 +5178,8 @@
         </p:nvSpPr>
         <p:spPr>
           <a:xfrm>
-            <a:off x="1069920" y="2121480"/>
-            <a:ext cx="4908240" cy="1931760"/>
+            <a:off x="609480" y="1604520"/>
+            <a:ext cx="5354280" cy="1896840"/>
           </a:xfrm>
           <a:prstGeom prst="rect">
             <a:avLst/>
@@ -5549,20 +5194,8 @@
             <a:normAutofit/>
           </a:bodyPr>
           <a:p>
-            <a:pPr>
-              <a:lnSpc>
-                <a:spcPct val="90000"/>
-              </a:lnSpc>
-              <a:spcBef>
-                <a:spcPts val="1417"/>
-              </a:spcBef>
-              <a:buNone/>
-            </a:pPr>
-            <a:endParaRPr b="0" lang="en-US" sz="2000" spc="-1" strike="noStrike">
-              <a:solidFill>
-                <a:srgbClr val="000000"/>
-              </a:solidFill>
-              <a:latin typeface="Rockwell"/>
+            <a:endParaRPr b="0" lang="en-IE" sz="3200" spc="-1" strike="noStrike">
+              <a:latin typeface="Arial"/>
             </a:endParaRPr>
           </a:p>
         </p:txBody>
@@ -5579,8 +5212,8 @@
         </p:nvSpPr>
         <p:spPr>
           <a:xfrm>
-            <a:off x="6224040" y="2121480"/>
-            <a:ext cx="4908240" cy="1931760"/>
+            <a:off x="6231960" y="1604520"/>
+            <a:ext cx="5354280" cy="1896840"/>
           </a:xfrm>
           <a:prstGeom prst="rect">
             <a:avLst/>
@@ -5595,20 +5228,8 @@
             <a:normAutofit/>
           </a:bodyPr>
           <a:p>
-            <a:pPr>
-              <a:lnSpc>
-                <a:spcPct val="90000"/>
-              </a:lnSpc>
-              <a:spcBef>
-                <a:spcPts val="1417"/>
-              </a:spcBef>
-              <a:buNone/>
-            </a:pPr>
-            <a:endParaRPr b="0" lang="en-US" sz="2000" spc="-1" strike="noStrike">
-              <a:solidFill>
-                <a:srgbClr val="000000"/>
-              </a:solidFill>
-              <a:latin typeface="Rockwell"/>
+            <a:endParaRPr b="0" lang="en-IE" sz="3200" spc="-1" strike="noStrike">
+              <a:latin typeface="Arial"/>
             </a:endParaRPr>
           </a:p>
         </p:txBody>
@@ -5625,8 +5246,8 @@
         </p:nvSpPr>
         <p:spPr>
           <a:xfrm>
-            <a:off x="1069920" y="4237200"/>
-            <a:ext cx="10058040" cy="1931760"/>
+            <a:off x="609480" y="3682080"/>
+            <a:ext cx="10972440" cy="1896840"/>
           </a:xfrm>
           <a:prstGeom prst="rect">
             <a:avLst/>
@@ -5641,20 +5262,8 @@
             <a:normAutofit/>
           </a:bodyPr>
           <a:p>
-            <a:pPr>
-              <a:lnSpc>
-                <a:spcPct val="90000"/>
-              </a:lnSpc>
-              <a:spcBef>
-                <a:spcPts val="1417"/>
-              </a:spcBef>
-              <a:buNone/>
-            </a:pPr>
-            <a:endParaRPr b="0" lang="en-US" sz="2000" spc="-1" strike="noStrike">
-              <a:solidFill>
-                <a:srgbClr val="000000"/>
-              </a:solidFill>
-              <a:latin typeface="Rockwell"/>
+            <a:endParaRPr b="0" lang="en-IE" sz="3200" spc="-1" strike="noStrike">
+              <a:latin typeface="Arial"/>
             </a:endParaRPr>
           </a:p>
         </p:txBody>
@@ -5666,7 +5275,7 @@
             <a:spLocks noGrp="1"/>
           </p:cNvSpPr>
           <p:nvPr>
-            <p:ph type="ftr" idx="2"/>
+            <p:ph type="ftr" idx="1"/>
           </p:nvPr>
         </p:nvSpPr>
         <p:spPr/>
@@ -5686,14 +5295,14 @@
             <a:spLocks noGrp="1"/>
           </p:cNvSpPr>
           <p:nvPr>
-            <p:ph type="sldNum" idx="3"/>
+            <p:ph type="sldNum" idx="2"/>
           </p:nvPr>
         </p:nvSpPr>
         <p:spPr/>
         <p:txBody>
           <a:bodyPr/>
           <a:p>
-            <a:fld id="{6529D2F9-ED14-4B71-93DD-C59197EB35CA}" type="slidenum">
+            <a:fld id="{4892D970-5D6E-46D7-8378-0B855AFDD34E}" type="slidenum">
               <a:t>&lt;#&gt;</a:t>
             </a:fld>
           </a:p>
@@ -5706,7 +5315,7 @@
             <a:spLocks noGrp="1"/>
           </p:cNvSpPr>
           <p:nvPr>
-            <p:ph type="dt" idx="1"/>
+            <p:ph type="dt" idx="3"/>
           </p:nvPr>
         </p:nvSpPr>
         <p:spPr/>
@@ -5758,9 +5367,9 @@
         <p:grpSpPr>
           <a:xfrm>
             <a:off x="11401560" y="6229800"/>
-            <a:ext cx="456840" cy="456840"/>
+            <a:ext cx="456480" cy="456480"/>
             <a:chOff x="11401560" y="6229800"/>
-            <a:chExt cx="456840" cy="456840"/>
+            <a:chExt cx="456480" cy="456480"/>
           </a:xfrm>
         </p:grpSpPr>
         <p:sp>
@@ -5772,7 +5381,7 @@
           <p:spPr>
             <a:xfrm>
               <a:off x="11401560" y="6229800"/>
-              <a:ext cx="456840" cy="456840"/>
+              <a:ext cx="456480" cy="456480"/>
             </a:xfrm>
             <a:prstGeom prst="ellipse">
               <a:avLst/>
@@ -5802,7 +5411,7 @@
           <p:spPr>
             <a:xfrm>
               <a:off x="11431080" y="6258960"/>
-              <a:ext cx="398520" cy="398520"/>
+              <a:ext cx="398160" cy="398160"/>
             </a:xfrm>
             <a:prstGeom prst="ellipse">
               <a:avLst/>
@@ -5832,7 +5441,7 @@
         <p:spPr>
           <a:xfrm>
             <a:off x="920880" y="1347120"/>
-            <a:ext cx="10222560" cy="80280"/>
+            <a:ext cx="10222200" cy="79920"/>
           </a:xfrm>
           <a:prstGeom prst="rect">
             <a:avLst/>
@@ -5872,7 +5481,7 @@
         <p:spPr>
           <a:xfrm>
             <a:off x="920880" y="4299840"/>
-            <a:ext cx="10222560" cy="80280"/>
+            <a:ext cx="10222200" cy="79920"/>
           </a:xfrm>
           <a:prstGeom prst="rect">
             <a:avLst/>
@@ -5912,7 +5521,7 @@
         <p:spPr>
           <a:xfrm>
             <a:off x="920880" y="1484640"/>
-            <a:ext cx="10222560" cy="2742840"/>
+            <a:ext cx="10222200" cy="2742480"/>
           </a:xfrm>
           <a:prstGeom prst="rect">
             <a:avLst/>
@@ -5952,9 +5561,9 @@
         <p:grpSpPr>
           <a:xfrm>
             <a:off x="9649080" y="4069080"/>
-            <a:ext cx="1080720" cy="1080720"/>
+            <a:ext cx="1080360" cy="1080360"/>
             <a:chOff x="9649080" y="4069080"/>
-            <a:chExt cx="1080720" cy="1080720"/>
+            <a:chExt cx="1080360" cy="1080360"/>
           </a:xfrm>
         </p:grpSpPr>
         <p:sp>
@@ -5966,7 +5575,7 @@
           <p:spPr>
             <a:xfrm>
               <a:off x="9649080" y="4069080"/>
-              <a:ext cx="1080720" cy="1080720"/>
+              <a:ext cx="1080360" cy="1080360"/>
             </a:xfrm>
             <a:prstGeom prst="ellipse">
               <a:avLst/>
@@ -5996,7 +5605,7 @@
           <p:spPr>
             <a:xfrm>
               <a:off x="9757440" y="4177080"/>
-              <a:ext cx="864360" cy="864360"/>
+              <a:ext cx="864000" cy="864000"/>
             </a:xfrm>
             <a:prstGeom prst="ellipse">
               <a:avLst/>
@@ -6029,63 +5638,30 @@
         </p:nvSpPr>
         <p:spPr>
           <a:xfrm>
-            <a:off x="1051560" y="1432080"/>
-            <a:ext cx="9966600" cy="3035520"/>
-          </a:xfrm>
-          <a:prstGeom prst="rect">
-            <a:avLst/>
-          </a:prstGeom>
-          <a:noFill/>
-          <a:ln w="0">
-            <a:noFill/>
-          </a:ln>
-        </p:spPr>
-        <p:txBody>
-          <a:bodyPr anchor="ctr">
+            <a:off x="1069920" y="484560"/>
+            <a:ext cx="10057680" cy="1608480"/>
+          </a:xfrm>
+          <a:prstGeom prst="rect">
+            <a:avLst/>
+          </a:prstGeom>
+          <a:noFill/>
+          <a:ln w="0">
+            <a:noFill/>
+          </a:ln>
+        </p:spPr>
+        <p:txBody>
+          <a:bodyPr lIns="0" rIns="0" tIns="0" bIns="0" anchor="ctr">
             <a:noAutofit/>
           </a:bodyPr>
           <a:p>
-            <a:pPr>
-              <a:lnSpc>
-                <a:spcPct val="80000"/>
-              </a:lnSpc>
-              <a:buNone/>
-            </a:pPr>
-            <a:r>
-              <a:rPr b="0" lang="en-US" sz="9600" spc="-1" strike="noStrike" cap="all">
-                <a:latin typeface="Rockwell Condensed"/>
-              </a:rPr>
-              <a:t>Click to </a:t>
-            </a:r>
-            <a:r>
-              <a:rPr b="0" lang="en-US" sz="9600" spc="-1" strike="noStrike" cap="all">
-                <a:latin typeface="Rockwell Condensed"/>
-              </a:rPr>
-              <a:t>edit </a:t>
-            </a:r>
-            <a:r>
-              <a:rPr b="0" lang="en-US" sz="9600" spc="-1" strike="noStrike" cap="all">
-                <a:latin typeface="Rockwell Condensed"/>
-              </a:rPr>
-              <a:t>Master </a:t>
-            </a:r>
-            <a:r>
-              <a:rPr b="0" lang="en-US" sz="9600" spc="-1" strike="noStrike" cap="all">
-                <a:latin typeface="Rockwell Condensed"/>
-              </a:rPr>
-              <a:t>title </a:t>
-            </a:r>
-            <a:r>
-              <a:rPr b="0" lang="en-US" sz="9600" spc="-1" strike="noStrike" cap="all">
-                <a:latin typeface="Rockwell Condensed"/>
-              </a:rPr>
-              <a:t>style</a:t>
-            </a:r>
-            <a:endParaRPr b="0" lang="en-US" sz="9600" spc="-1" strike="noStrike">
-              <a:solidFill>
-                <a:srgbClr val="000000"/>
-              </a:solidFill>
-              <a:latin typeface="Rockwell"/>
+            <a:r>
+              <a:rPr b="0" lang="en-IE" sz="1800" spc="-1" strike="noStrike">
+                <a:latin typeface="Arial"/>
+              </a:rPr>
+              <a:t>Click to edit the title text format</a:t>
+            </a:r>
+            <a:endParaRPr b="0" lang="en-IE" sz="1800" spc="-1" strike="noStrike">
+              <a:latin typeface="Arial"/>
             </a:endParaRPr>
           </a:p>
         </p:txBody>
@@ -6097,91 +5673,31 @@
             <a:spLocks noGrp="1"/>
           </p:cNvSpPr>
           <p:nvPr>
-            <p:ph type="dt" idx="1"/>
-          </p:nvPr>
-        </p:nvSpPr>
-        <p:spPr>
-          <a:xfrm>
-            <a:off x="7964280" y="6272640"/>
-            <a:ext cx="3273120" cy="364680"/>
-          </a:xfrm>
-          <a:prstGeom prst="rect">
-            <a:avLst/>
-          </a:prstGeom>
-          <a:noFill/>
-          <a:ln w="0">
-            <a:noFill/>
-          </a:ln>
-        </p:spPr>
-        <p:txBody>
-          <a:bodyPr anchor="ctr">
+            <p:ph type="ftr" idx="1"/>
+          </p:nvPr>
+        </p:nvSpPr>
+        <p:spPr>
+          <a:xfrm>
+            <a:off x="1088280" y="6272640"/>
+            <a:ext cx="6327000" cy="364320"/>
+          </a:xfrm>
+          <a:prstGeom prst="rect">
+            <a:avLst/>
+          </a:prstGeom>
+          <a:noFill/>
+          <a:ln w="0">
+            <a:noFill/>
+          </a:ln>
+        </p:spPr>
+        <p:txBody>
+          <a:bodyPr lIns="90000" rIns="90000" tIns="45000" bIns="45000" anchor="ctr">
             <a:noAutofit/>
           </a:bodyPr>
           <a:lstStyle>
-            <a:lvl1pPr algn="r">
+            <a:lvl1pPr algn="ctr">
               <a:lnSpc>
                 <a:spcPct val="100000"/>
               </a:lnSpc>
-              <a:buNone/>
-              <a:defRPr b="0" lang="en-US" sz="1100" spc="-1" strike="noStrike">
-                <a:solidFill>
-                  <a:srgbClr val="696464"/>
-                </a:solidFill>
-                <a:latin typeface="Rockwell"/>
-              </a:defRPr>
-            </a:lvl1pPr>
-          </a:lstStyle>
-          <a:p>
-            <a:pPr algn="r">
-              <a:lnSpc>
-                <a:spcPct val="100000"/>
-              </a:lnSpc>
-              <a:buNone/>
-            </a:pPr>
-            <a:r>
-              <a:rPr b="0" lang="en-US" sz="1100" spc="-1" strike="noStrike">
-                <a:solidFill>
-                  <a:srgbClr val="696464"/>
-                </a:solidFill>
-                <a:latin typeface="Rockwell"/>
-              </a:rPr>
-              <a:t>&lt;date/time&gt;</a:t>
-            </a:r>
-            <a:endParaRPr b="0" lang="en-IE" sz="1100" spc="-1" strike="noStrike">
-              <a:latin typeface="Times New Roman"/>
-            </a:endParaRPr>
-          </a:p>
-        </p:txBody>
-      </p:sp>
-      <p:sp>
-        <p:nvSpPr>
-          <p:cNvPr id="11" name="PlaceHolder 3"/>
-          <p:cNvSpPr>
-            <a:spLocks noGrp="1"/>
-          </p:cNvSpPr>
-          <p:nvPr>
-            <p:ph type="ftr" idx="2"/>
-          </p:nvPr>
-        </p:nvSpPr>
-        <p:spPr>
-          <a:xfrm>
-            <a:off x="1088280" y="6272640"/>
-            <a:ext cx="6327360" cy="364680"/>
-          </a:xfrm>
-          <a:prstGeom prst="rect">
-            <a:avLst/>
-          </a:prstGeom>
-          <a:noFill/>
-          <a:ln w="0">
-            <a:noFill/>
-          </a:ln>
-        </p:spPr>
-        <p:txBody>
-          <a:bodyPr anchor="ctr">
-            <a:noAutofit/>
-          </a:bodyPr>
-          <a:lstStyle>
-            <a:lvl1pPr algn="ctr">
               <a:buNone/>
               <a:defRPr b="0" lang="en-IE" sz="1400" spc="-1" strike="noStrike">
                 <a:latin typeface="Times New Roman"/>
@@ -6190,6 +5706,9 @@
           </a:lstStyle>
           <a:p>
             <a:pPr algn="ctr">
+              <a:lnSpc>
+                <a:spcPct val="100000"/>
+              </a:lnSpc>
               <a:buNone/>
             </a:pPr>
             <a:r>
@@ -6206,29 +5725,29 @@
       </p:sp>
       <p:sp>
         <p:nvSpPr>
-          <p:cNvPr id="12" name="PlaceHolder 4"/>
-          <p:cNvSpPr>
-            <a:spLocks noGrp="1"/>
-          </p:cNvSpPr>
-          <p:nvPr>
-            <p:ph type="sldNum" idx="3"/>
+          <p:cNvPr id="11" name="PlaceHolder 3"/>
+          <p:cNvSpPr>
+            <a:spLocks noGrp="1"/>
+          </p:cNvSpPr>
+          <p:nvPr>
+            <p:ph type="sldNum" idx="2"/>
           </p:nvPr>
         </p:nvSpPr>
         <p:spPr>
           <a:xfrm>
             <a:off x="9592560" y="4289400"/>
-            <a:ext cx="1193400" cy="639720"/>
-          </a:xfrm>
-          <a:prstGeom prst="rect">
-            <a:avLst/>
-          </a:prstGeom>
-          <a:noFill/>
-          <a:ln w="0">
-            <a:noFill/>
-          </a:ln>
-        </p:spPr>
-        <p:txBody>
-          <a:bodyPr anchor="ctr">
+            <a:ext cx="1193040" cy="639360"/>
+          </a:xfrm>
+          <a:prstGeom prst="rect">
+            <a:avLst/>
+          </a:prstGeom>
+          <a:noFill/>
+          <a:ln w="0">
+            <a:noFill/>
+          </a:ln>
+        </p:spPr>
+        <p:txBody>
+          <a:bodyPr lIns="90000" rIns="90000" tIns="45000" bIns="45000" anchor="ctr">
             <a:noAutofit/>
           </a:bodyPr>
           <a:lstStyle>
@@ -6252,7 +5771,7 @@
               </a:lnSpc>
               <a:buNone/>
             </a:pPr>
-            <a:fld id="{07A43D40-662B-4B57-891B-E38CA84B667A}" type="slidenum">
+            <a:fld id="{E00898D8-D537-4D88-951C-0E0DB77971E4}" type="slidenum">
               <a:rPr b="1" lang="en-US" sz="2800" spc="-1" strike="noStrike">
                 <a:solidFill>
                   <a:srgbClr val="ffffff"/>
@@ -6269,6 +5788,53 @@
       </p:sp>
       <p:sp>
         <p:nvSpPr>
+          <p:cNvPr id="12" name="PlaceHolder 4"/>
+          <p:cNvSpPr>
+            <a:spLocks noGrp="1"/>
+          </p:cNvSpPr>
+          <p:nvPr>
+            <p:ph type="dt" idx="3"/>
+          </p:nvPr>
+        </p:nvSpPr>
+        <p:spPr>
+          <a:xfrm>
+            <a:off x="7964280" y="6272640"/>
+            <a:ext cx="3272760" cy="364320"/>
+          </a:xfrm>
+          <a:prstGeom prst="rect">
+            <a:avLst/>
+          </a:prstGeom>
+          <a:noFill/>
+          <a:ln w="0">
+            <a:noFill/>
+          </a:ln>
+        </p:spPr>
+        <p:txBody>
+          <a:bodyPr lIns="90000" rIns="90000" tIns="45000" bIns="45000" anchor="ctr">
+            <a:noAutofit/>
+          </a:bodyPr>
+          <a:lstStyle>
+            <a:lvl1pPr>
+              <a:defRPr b="0" lang="en-IE" sz="1400" spc="-1" strike="noStrike">
+                <a:latin typeface="Times New Roman"/>
+              </a:defRPr>
+            </a:lvl1pPr>
+          </a:lstStyle>
+          <a:p>
+            <a:r>
+              <a:rPr b="0" lang="en-IE" sz="1400" spc="-1" strike="noStrike">
+                <a:latin typeface="Times New Roman"/>
+              </a:rPr>
+              <a:t>&lt;date/time&gt;</a:t>
+            </a:r>
+            <a:endParaRPr b="0" lang="en-IE" sz="1400" spc="-1" strike="noStrike">
+              <a:latin typeface="Times New Roman"/>
+            </a:endParaRPr>
+          </a:p>
+        </p:txBody>
+      </p:sp>
+      <p:sp>
+        <p:nvSpPr>
           <p:cNvPr id="13" name="PlaceHolder 5"/>
           <p:cNvSpPr>
             <a:spLocks noGrp="1"/>
@@ -6296,9 +5862,6 @@
           </a:bodyPr>
           <a:p>
             <a:pPr marL="432000" indent="-324000">
-              <a:lnSpc>
-                <a:spcPct val="90000"/>
-              </a:lnSpc>
               <a:spcBef>
                 <a:spcPts val="1417"/>
               </a:spcBef>
@@ -6310,26 +5873,17 @@
               <a:buChar char=""/>
             </a:pPr>
             <a:r>
-              <a:rPr b="0" lang="en-US" sz="2000" spc="-1" strike="noStrike">
-                <a:solidFill>
-                  <a:srgbClr val="000000"/>
-                </a:solidFill>
-                <a:latin typeface="Rockwell"/>
+              <a:rPr b="0" lang="en-IE" sz="3200" spc="-1" strike="noStrike">
+                <a:latin typeface="Arial"/>
               </a:rPr>
               <a:t>Click to edit the outline text format</a:t>
             </a:r>
-            <a:endParaRPr b="0" lang="en-US" sz="2000" spc="-1" strike="noStrike">
-              <a:solidFill>
-                <a:srgbClr val="000000"/>
-              </a:solidFill>
-              <a:latin typeface="Rockwell"/>
+            <a:endParaRPr b="0" lang="en-IE" sz="3200" spc="-1" strike="noStrike">
+              <a:latin typeface="Arial"/>
             </a:endParaRPr>
           </a:p>
           <a:p>
             <a:pPr lvl="1" marL="864000" indent="-324000">
-              <a:lnSpc>
-                <a:spcPct val="90000"/>
-              </a:lnSpc>
               <a:spcBef>
                 <a:spcPts val="1134"/>
               </a:spcBef>
@@ -6341,26 +5895,17 @@
               <a:buChar char=""/>
             </a:pPr>
             <a:r>
-              <a:rPr b="0" lang="en-US" sz="1600" spc="-1" strike="noStrike">
-                <a:solidFill>
-                  <a:srgbClr val="000000"/>
-                </a:solidFill>
-                <a:latin typeface="Rockwell"/>
+              <a:rPr b="0" lang="en-IE" sz="2800" spc="-1" strike="noStrike">
+                <a:latin typeface="Arial"/>
               </a:rPr>
               <a:t>Second Outline Level</a:t>
             </a:r>
-            <a:endParaRPr b="0" lang="en-US" sz="1600" spc="-1" strike="noStrike">
-              <a:solidFill>
-                <a:srgbClr val="000000"/>
-              </a:solidFill>
-              <a:latin typeface="Rockwell"/>
+            <a:endParaRPr b="0" lang="en-IE" sz="2800" spc="-1" strike="noStrike">
+              <a:latin typeface="Arial"/>
             </a:endParaRPr>
           </a:p>
           <a:p>
             <a:pPr lvl="2" marL="1296000" indent="-288000">
-              <a:lnSpc>
-                <a:spcPct val="90000"/>
-              </a:lnSpc>
               <a:spcBef>
                 <a:spcPts val="850"/>
               </a:spcBef>
@@ -6372,26 +5917,17 @@
               <a:buChar char=""/>
             </a:pPr>
             <a:r>
-              <a:rPr b="0" lang="en-US" sz="1600" spc="-1" strike="noStrike">
-                <a:solidFill>
-                  <a:srgbClr val="000000"/>
-                </a:solidFill>
-                <a:latin typeface="Rockwell"/>
+              <a:rPr b="0" lang="en-IE" sz="2400" spc="-1" strike="noStrike">
+                <a:latin typeface="Arial"/>
               </a:rPr>
               <a:t>Third Outline Level</a:t>
             </a:r>
-            <a:endParaRPr b="0" lang="en-US" sz="1600" spc="-1" strike="noStrike">
-              <a:solidFill>
-                <a:srgbClr val="000000"/>
-              </a:solidFill>
-              <a:latin typeface="Rockwell"/>
+            <a:endParaRPr b="0" lang="en-IE" sz="2400" spc="-1" strike="noStrike">
+              <a:latin typeface="Arial"/>
             </a:endParaRPr>
           </a:p>
           <a:p>
             <a:pPr lvl="3" marL="1728000" indent="-216000">
-              <a:lnSpc>
-                <a:spcPct val="90000"/>
-              </a:lnSpc>
               <a:spcBef>
                 <a:spcPts val="567"/>
               </a:spcBef>
@@ -6403,26 +5939,17 @@
               <a:buChar char=""/>
             </a:pPr>
             <a:r>
-              <a:rPr b="0" lang="en-US" sz="1600" spc="-1" strike="noStrike">
-                <a:solidFill>
-                  <a:srgbClr val="000000"/>
-                </a:solidFill>
-                <a:latin typeface="Rockwell"/>
+              <a:rPr b="0" lang="en-IE" sz="2000" spc="-1" strike="noStrike">
+                <a:latin typeface="Arial"/>
               </a:rPr>
               <a:t>Fourth Outline Level</a:t>
             </a:r>
-            <a:endParaRPr b="0" lang="en-US" sz="1600" spc="-1" strike="noStrike">
-              <a:solidFill>
-                <a:srgbClr val="000000"/>
-              </a:solidFill>
-              <a:latin typeface="Rockwell"/>
+            <a:endParaRPr b="0" lang="en-IE" sz="2000" spc="-1" strike="noStrike">
+              <a:latin typeface="Arial"/>
             </a:endParaRPr>
           </a:p>
           <a:p>
             <a:pPr lvl="4" marL="2160000" indent="-216000">
-              <a:lnSpc>
-                <a:spcPct val="90000"/>
-              </a:lnSpc>
               <a:spcBef>
                 <a:spcPts val="283"/>
               </a:spcBef>
@@ -6434,26 +5961,17 @@
               <a:buChar char=""/>
             </a:pPr>
             <a:r>
-              <a:rPr b="0" lang="en-US" sz="2000" spc="-1" strike="noStrike">
-                <a:solidFill>
-                  <a:srgbClr val="000000"/>
-                </a:solidFill>
-                <a:latin typeface="Rockwell"/>
+              <a:rPr b="0" lang="en-IE" sz="2000" spc="-1" strike="noStrike">
+                <a:latin typeface="Arial"/>
               </a:rPr>
               <a:t>Fifth Outline Level</a:t>
             </a:r>
-            <a:endParaRPr b="0" lang="en-US" sz="2000" spc="-1" strike="noStrike">
-              <a:solidFill>
-                <a:srgbClr val="000000"/>
-              </a:solidFill>
-              <a:latin typeface="Rockwell"/>
+            <a:endParaRPr b="0" lang="en-IE" sz="2000" spc="-1" strike="noStrike">
+              <a:latin typeface="Arial"/>
             </a:endParaRPr>
           </a:p>
           <a:p>
             <a:pPr lvl="5" marL="2592000" indent="-216000">
-              <a:lnSpc>
-                <a:spcPct val="90000"/>
-              </a:lnSpc>
               <a:spcBef>
                 <a:spcPts val="283"/>
               </a:spcBef>
@@ -6465,26 +5983,17 @@
               <a:buChar char=""/>
             </a:pPr>
             <a:r>
-              <a:rPr b="0" lang="en-US" sz="2000" spc="-1" strike="noStrike">
-                <a:solidFill>
-                  <a:srgbClr val="000000"/>
-                </a:solidFill>
-                <a:latin typeface="Rockwell"/>
+              <a:rPr b="0" lang="en-IE" sz="2000" spc="-1" strike="noStrike">
+                <a:latin typeface="Arial"/>
               </a:rPr>
               <a:t>Sixth Outline Level</a:t>
             </a:r>
-            <a:endParaRPr b="0" lang="en-US" sz="2000" spc="-1" strike="noStrike">
-              <a:solidFill>
-                <a:srgbClr val="000000"/>
-              </a:solidFill>
-              <a:latin typeface="Rockwell"/>
+            <a:endParaRPr b="0" lang="en-IE" sz="2000" spc="-1" strike="noStrike">
+              <a:latin typeface="Arial"/>
             </a:endParaRPr>
           </a:p>
           <a:p>
             <a:pPr lvl="6" marL="3024000" indent="-216000">
-              <a:lnSpc>
-                <a:spcPct val="90000"/>
-              </a:lnSpc>
               <a:spcBef>
                 <a:spcPts val="283"/>
               </a:spcBef>
@@ -6496,19 +6005,13 @@
               <a:buChar char=""/>
             </a:pPr>
             <a:r>
-              <a:rPr b="0" lang="en-US" sz="2000" spc="-1" strike="noStrike">
-                <a:solidFill>
-                  <a:srgbClr val="000000"/>
-                </a:solidFill>
-                <a:latin typeface="Rockwell"/>
+              <a:rPr b="0" lang="en-IE" sz="2000" spc="-1" strike="noStrike">
+                <a:latin typeface="Arial"/>
               </a:rPr>
               <a:t>Seventh Outline Level</a:t>
             </a:r>
-            <a:endParaRPr b="0" lang="en-US" sz="2000" spc="-1" strike="noStrike">
-              <a:solidFill>
-                <a:srgbClr val="000000"/>
-              </a:solidFill>
-              <a:latin typeface="Rockwell"/>
+            <a:endParaRPr b="0" lang="en-IE" sz="2000" spc="-1" strike="noStrike">
+              <a:latin typeface="Arial"/>
             </a:endParaRPr>
           </a:p>
         </p:txBody>
@@ -6566,9 +6069,9 @@
         <p:grpSpPr>
           <a:xfrm>
             <a:off x="11401560" y="6229800"/>
-            <a:ext cx="456840" cy="456840"/>
+            <a:ext cx="456480" cy="456480"/>
             <a:chOff x="11401560" y="6229800"/>
-            <a:chExt cx="456840" cy="456840"/>
+            <a:chExt cx="456480" cy="456480"/>
           </a:xfrm>
         </p:grpSpPr>
         <p:sp>
@@ -6580,7 +6083,7 @@
           <p:spPr>
             <a:xfrm>
               <a:off x="11401560" y="6229800"/>
-              <a:ext cx="456840" cy="456840"/>
+              <a:ext cx="456480" cy="456480"/>
             </a:xfrm>
             <a:prstGeom prst="ellipse">
               <a:avLst/>
@@ -6610,7 +6113,7 @@
           <p:spPr>
             <a:xfrm>
               <a:off x="11431080" y="6258960"/>
-              <a:ext cx="398520" cy="398520"/>
+              <a:ext cx="398160" cy="398160"/>
             </a:xfrm>
             <a:prstGeom prst="ellipse">
               <a:avLst/>
@@ -6638,336 +6141,31 @@
             <a:spLocks noGrp="1"/>
           </p:cNvSpPr>
           <p:nvPr>
-            <p:ph type="title"/>
-          </p:nvPr>
-        </p:nvSpPr>
-        <p:spPr>
-          <a:xfrm>
-            <a:off x="1069920" y="484560"/>
-            <a:ext cx="10058040" cy="1608840"/>
-          </a:xfrm>
-          <a:prstGeom prst="rect">
-            <a:avLst/>
-          </a:prstGeom>
-          <a:noFill/>
-          <a:ln w="0">
-            <a:noFill/>
-          </a:ln>
-        </p:spPr>
-        <p:txBody>
-          <a:bodyPr anchor="ctr">
+            <p:ph type="ftr" idx="4"/>
+          </p:nvPr>
+        </p:nvSpPr>
+        <p:spPr>
+          <a:xfrm>
+            <a:off x="1088280" y="6272640"/>
+            <a:ext cx="6327000" cy="364320"/>
+          </a:xfrm>
+          <a:prstGeom prst="rect">
+            <a:avLst/>
+          </a:prstGeom>
+          <a:noFill/>
+          <a:ln w="0">
+            <a:noFill/>
+          </a:ln>
+        </p:spPr>
+        <p:txBody>
+          <a:bodyPr lIns="90000" rIns="90000" tIns="45000" bIns="45000" anchor="ctr">
             <a:noAutofit/>
           </a:bodyPr>
-          <a:p>
-            <a:pPr>
-              <a:lnSpc>
-                <a:spcPct val="90000"/>
-              </a:lnSpc>
-              <a:buNone/>
-            </a:pPr>
-            <a:r>
-              <a:rPr b="0" lang="en-US" sz="5400" spc="-1" strike="noStrike" cap="all">
-                <a:latin typeface="Rockwell Condensed"/>
-              </a:rPr>
-              <a:t>Click to edit Master title style</a:t>
-            </a:r>
-            <a:endParaRPr b="0" lang="en-US" sz="5400" spc="-1" strike="noStrike">
-              <a:solidFill>
-                <a:srgbClr val="000000"/>
-              </a:solidFill>
-              <a:latin typeface="Rockwell"/>
-            </a:endParaRPr>
-          </a:p>
-        </p:txBody>
-      </p:sp>
-      <p:sp>
-        <p:nvSpPr>
-          <p:cNvPr id="54" name="PlaceHolder 2"/>
-          <p:cNvSpPr>
-            <a:spLocks noGrp="1"/>
-          </p:cNvSpPr>
-          <p:nvPr>
-            <p:ph type="body"/>
-          </p:nvPr>
-        </p:nvSpPr>
-        <p:spPr>
-          <a:xfrm>
-            <a:off x="1069920" y="2121480"/>
-            <a:ext cx="10058040" cy="4050360"/>
-          </a:xfrm>
-          <a:prstGeom prst="rect">
-            <a:avLst/>
-          </a:prstGeom>
-          <a:noFill/>
-          <a:ln w="0">
-            <a:noFill/>
-          </a:ln>
-        </p:spPr>
-        <p:txBody>
-          <a:bodyPr anchor="t">
-            <a:noAutofit/>
-          </a:bodyPr>
-          <a:p>
-            <a:pPr marL="182880" indent="-182880">
-              <a:lnSpc>
-                <a:spcPct val="90000"/>
-              </a:lnSpc>
-              <a:spcBef>
-                <a:spcPts val="1199"/>
-              </a:spcBef>
-              <a:buClr>
-                <a:srgbClr val="9e3611"/>
-              </a:buClr>
-              <a:buSzPct val="85000"/>
-              <a:buFont typeface="Wingdings" charset="2"/>
-              <a:buChar char=""/>
-            </a:pPr>
-            <a:r>
-              <a:rPr b="0" lang="en-US" sz="2000" spc="-1" strike="noStrike">
-                <a:solidFill>
-                  <a:srgbClr val="000000"/>
-                </a:solidFill>
-                <a:latin typeface="Rockwell"/>
-              </a:rPr>
-              <a:t>Click to edit Master text styles</a:t>
-            </a:r>
-            <a:endParaRPr b="0" lang="en-US" sz="2000" spc="-1" strike="noStrike">
-              <a:solidFill>
-                <a:srgbClr val="000000"/>
-              </a:solidFill>
-              <a:latin typeface="Rockwell"/>
-            </a:endParaRPr>
-          </a:p>
-          <a:p>
-            <a:pPr lvl="1" marL="457200" indent="-182880">
-              <a:lnSpc>
-                <a:spcPct val="90000"/>
-              </a:lnSpc>
-              <a:spcBef>
-                <a:spcPts val="400"/>
-              </a:spcBef>
-              <a:spcAft>
-                <a:spcPts val="201"/>
-              </a:spcAft>
-              <a:buClr>
-                <a:srgbClr val="9e3611"/>
-              </a:buClr>
-              <a:buSzPct val="85000"/>
-              <a:buFont typeface="Wingdings" charset="2"/>
-              <a:buChar char=""/>
-            </a:pPr>
-            <a:r>
-              <a:rPr b="0" lang="en-US" sz="1800" spc="-1" strike="noStrike">
-                <a:solidFill>
-                  <a:srgbClr val="000000"/>
-                </a:solidFill>
-                <a:latin typeface="Rockwell"/>
-              </a:rPr>
-              <a:t>Second level</a:t>
-            </a:r>
-            <a:endParaRPr b="0" lang="en-US" sz="1800" spc="-1" strike="noStrike">
-              <a:solidFill>
-                <a:srgbClr val="000000"/>
-              </a:solidFill>
-              <a:latin typeface="Rockwell"/>
-            </a:endParaRPr>
-          </a:p>
-          <a:p>
-            <a:pPr lvl="2" marL="731520" indent="-182880">
-              <a:lnSpc>
-                <a:spcPct val="90000"/>
-              </a:lnSpc>
-              <a:spcBef>
-                <a:spcPts val="400"/>
-              </a:spcBef>
-              <a:spcAft>
-                <a:spcPts val="201"/>
-              </a:spcAft>
-              <a:buClr>
-                <a:srgbClr val="9e3611"/>
-              </a:buClr>
-              <a:buSzPct val="85000"/>
-              <a:buFont typeface="Wingdings" charset="2"/>
-              <a:buChar char=""/>
-            </a:pPr>
-            <a:r>
-              <a:rPr b="0" lang="en-US" sz="1600" spc="-1" strike="noStrike">
-                <a:solidFill>
-                  <a:srgbClr val="000000"/>
-                </a:solidFill>
-                <a:latin typeface="Rockwell"/>
-              </a:rPr>
-              <a:t>Third level</a:t>
-            </a:r>
-            <a:endParaRPr b="0" lang="en-US" sz="1600" spc="-1" strike="noStrike">
-              <a:solidFill>
-                <a:srgbClr val="000000"/>
-              </a:solidFill>
-              <a:latin typeface="Rockwell"/>
-            </a:endParaRPr>
-          </a:p>
-          <a:p>
-            <a:pPr lvl="3" marL="1005840" indent="-182880">
-              <a:lnSpc>
-                <a:spcPct val="90000"/>
-              </a:lnSpc>
-              <a:spcBef>
-                <a:spcPts val="400"/>
-              </a:spcBef>
-              <a:spcAft>
-                <a:spcPts val="201"/>
-              </a:spcAft>
-              <a:buClr>
-                <a:srgbClr val="9e3611"/>
-              </a:buClr>
-              <a:buSzPct val="85000"/>
-              <a:buFont typeface="Wingdings" charset="2"/>
-              <a:buChar char=""/>
-            </a:pPr>
-            <a:r>
-              <a:rPr b="0" lang="en-US" sz="1600" spc="-1" strike="noStrike">
-                <a:solidFill>
-                  <a:srgbClr val="000000"/>
-                </a:solidFill>
-                <a:latin typeface="Rockwell"/>
-              </a:rPr>
-              <a:t>Fourth level</a:t>
-            </a:r>
-            <a:endParaRPr b="0" lang="en-US" sz="1600" spc="-1" strike="noStrike">
-              <a:solidFill>
-                <a:srgbClr val="000000"/>
-              </a:solidFill>
-              <a:latin typeface="Rockwell"/>
-            </a:endParaRPr>
-          </a:p>
-          <a:p>
-            <a:pPr lvl="4" marL="1280160" indent="-182880">
-              <a:lnSpc>
-                <a:spcPct val="90000"/>
-              </a:lnSpc>
-              <a:spcBef>
-                <a:spcPts val="400"/>
-              </a:spcBef>
-              <a:spcAft>
-                <a:spcPts val="201"/>
-              </a:spcAft>
-              <a:buClr>
-                <a:srgbClr val="9e3611"/>
-              </a:buClr>
-              <a:buSzPct val="85000"/>
-              <a:buFont typeface="Wingdings" charset="2"/>
-              <a:buChar char=""/>
-            </a:pPr>
-            <a:r>
-              <a:rPr b="0" lang="en-US" sz="1600" spc="-1" strike="noStrike">
-                <a:solidFill>
-                  <a:srgbClr val="000000"/>
-                </a:solidFill>
-                <a:latin typeface="Rockwell"/>
-              </a:rPr>
-              <a:t>Fifth level</a:t>
-            </a:r>
-            <a:endParaRPr b="0" lang="en-US" sz="1600" spc="-1" strike="noStrike">
-              <a:solidFill>
-                <a:srgbClr val="000000"/>
-              </a:solidFill>
-              <a:latin typeface="Rockwell"/>
-            </a:endParaRPr>
-          </a:p>
-        </p:txBody>
-      </p:sp>
-      <p:sp>
-        <p:nvSpPr>
-          <p:cNvPr id="55" name="PlaceHolder 3"/>
-          <p:cNvSpPr>
-            <a:spLocks noGrp="1"/>
-          </p:cNvSpPr>
-          <p:nvPr>
-            <p:ph type="dt" idx="4"/>
-          </p:nvPr>
-        </p:nvSpPr>
-        <p:spPr>
-          <a:xfrm>
-            <a:off x="7964280" y="6272640"/>
-            <a:ext cx="3273120" cy="364680"/>
-          </a:xfrm>
-          <a:prstGeom prst="rect">
-            <a:avLst/>
-          </a:prstGeom>
-          <a:noFill/>
-          <a:ln w="0">
-            <a:noFill/>
-          </a:ln>
-        </p:spPr>
-        <p:txBody>
-          <a:bodyPr anchor="ctr">
-            <a:noAutofit/>
-          </a:bodyPr>
           <a:lstStyle>
-            <a:lvl1pPr algn="r">
+            <a:lvl1pPr algn="ctr">
               <a:lnSpc>
                 <a:spcPct val="100000"/>
               </a:lnSpc>
-              <a:buNone/>
-              <a:defRPr b="0" lang="en-US" sz="1100" spc="-1" strike="noStrike">
-                <a:solidFill>
-                  <a:srgbClr val="696464"/>
-                </a:solidFill>
-                <a:latin typeface="Rockwell"/>
-              </a:defRPr>
-            </a:lvl1pPr>
-          </a:lstStyle>
-          <a:p>
-            <a:pPr algn="r">
-              <a:lnSpc>
-                <a:spcPct val="100000"/>
-              </a:lnSpc>
-              <a:buNone/>
-            </a:pPr>
-            <a:r>
-              <a:rPr b="0" lang="en-US" sz="1100" spc="-1" strike="noStrike">
-                <a:solidFill>
-                  <a:srgbClr val="696464"/>
-                </a:solidFill>
-                <a:latin typeface="Rockwell"/>
-              </a:rPr>
-              <a:t>&lt;date/time&gt;</a:t>
-            </a:r>
-            <a:endParaRPr b="0" lang="en-IE" sz="1100" spc="-1" strike="noStrike">
-              <a:latin typeface="Times New Roman"/>
-            </a:endParaRPr>
-          </a:p>
-        </p:txBody>
-      </p:sp>
-      <p:sp>
-        <p:nvSpPr>
-          <p:cNvPr id="56" name="PlaceHolder 4"/>
-          <p:cNvSpPr>
-            <a:spLocks noGrp="1"/>
-          </p:cNvSpPr>
-          <p:nvPr>
-            <p:ph type="ftr" idx="5"/>
-          </p:nvPr>
-        </p:nvSpPr>
-        <p:spPr>
-          <a:xfrm>
-            <a:off x="1088280" y="6272640"/>
-            <a:ext cx="6327360" cy="364680"/>
-          </a:xfrm>
-          <a:prstGeom prst="rect">
-            <a:avLst/>
-          </a:prstGeom>
-          <a:noFill/>
-          <a:ln w="0">
-            <a:noFill/>
-          </a:ln>
-        </p:spPr>
-        <p:txBody>
-          <a:bodyPr anchor="ctr">
-            <a:noAutofit/>
-          </a:bodyPr>
-          <a:lstStyle>
-            <a:lvl1pPr algn="ctr">
               <a:buNone/>
               <a:defRPr b="0" lang="en-IE" sz="1400" spc="-1" strike="noStrike">
                 <a:latin typeface="Times New Roman"/>
@@ -6976,6 +6174,9 @@
           </a:lstStyle>
           <a:p>
             <a:pPr algn="ctr">
+              <a:lnSpc>
+                <a:spcPct val="100000"/>
+              </a:lnSpc>
               <a:buNone/>
             </a:pPr>
             <a:r>
@@ -6992,29 +6193,29 @@
       </p:sp>
       <p:sp>
         <p:nvSpPr>
-          <p:cNvPr id="57" name="PlaceHolder 5"/>
-          <p:cNvSpPr>
-            <a:spLocks noGrp="1"/>
-          </p:cNvSpPr>
-          <p:nvPr>
-            <p:ph type="sldNum" idx="6"/>
+          <p:cNvPr id="54" name="PlaceHolder 2"/>
+          <p:cNvSpPr>
+            <a:spLocks noGrp="1"/>
+          </p:cNvSpPr>
+          <p:nvPr>
+            <p:ph type="sldNum" idx="5"/>
           </p:nvPr>
         </p:nvSpPr>
         <p:spPr>
           <a:xfrm>
             <a:off x="11311200" y="6272640"/>
-            <a:ext cx="639720" cy="364680"/>
-          </a:xfrm>
-          <a:prstGeom prst="rect">
-            <a:avLst/>
-          </a:prstGeom>
-          <a:noFill/>
-          <a:ln w="0">
-            <a:noFill/>
-          </a:ln>
-        </p:spPr>
-        <p:txBody>
-          <a:bodyPr anchor="ctr">
+            <a:ext cx="639360" cy="364320"/>
+          </a:xfrm>
+          <a:prstGeom prst="rect">
+            <a:avLst/>
+          </a:prstGeom>
+          <a:noFill/>
+          <a:ln w="0">
+            <a:noFill/>
+          </a:ln>
+        </p:spPr>
+        <p:txBody>
+          <a:bodyPr lIns="90000" rIns="90000" tIns="45000" bIns="45000" anchor="ctr">
             <a:noAutofit/>
           </a:bodyPr>
           <a:lstStyle>
@@ -7038,7 +6239,7 @@
               </a:lnSpc>
               <a:buNone/>
             </a:pPr>
-            <a:fld id="{4B218685-ED5B-4B2E-85B0-2C749D11F6C0}" type="slidenum">
+            <a:fld id="{5F30F13E-33EA-4D4A-A0F1-D9A3988AE572}" type="slidenum">
               <a:rPr b="1" lang="en-US" sz="1400" spc="-1" strike="noStrike">
                 <a:solidFill>
                   <a:srgbClr val="ffffff"/>
@@ -7049,6 +6250,279 @@
             </a:fld>
             <a:endParaRPr b="0" lang="en-IE" sz="1400" spc="-1" strike="noStrike">
               <a:latin typeface="Times New Roman"/>
+            </a:endParaRPr>
+          </a:p>
+        </p:txBody>
+      </p:sp>
+      <p:sp>
+        <p:nvSpPr>
+          <p:cNvPr id="55" name="PlaceHolder 3"/>
+          <p:cNvSpPr>
+            <a:spLocks noGrp="1"/>
+          </p:cNvSpPr>
+          <p:nvPr>
+            <p:ph type="dt" idx="6"/>
+          </p:nvPr>
+        </p:nvSpPr>
+        <p:spPr>
+          <a:xfrm>
+            <a:off x="7964280" y="6272640"/>
+            <a:ext cx="3272760" cy="364320"/>
+          </a:xfrm>
+          <a:prstGeom prst="rect">
+            <a:avLst/>
+          </a:prstGeom>
+          <a:noFill/>
+          <a:ln w="0">
+            <a:noFill/>
+          </a:ln>
+        </p:spPr>
+        <p:txBody>
+          <a:bodyPr lIns="90000" rIns="90000" tIns="45000" bIns="45000" anchor="ctr">
+            <a:noAutofit/>
+          </a:bodyPr>
+          <a:lstStyle>
+            <a:lvl1pPr>
+              <a:defRPr b="0" lang="en-IE" sz="1400" spc="-1" strike="noStrike">
+                <a:latin typeface="Times New Roman"/>
+              </a:defRPr>
+            </a:lvl1pPr>
+          </a:lstStyle>
+          <a:p>
+            <a:r>
+              <a:rPr b="0" lang="en-IE" sz="1400" spc="-1" strike="noStrike">
+                <a:latin typeface="Times New Roman"/>
+              </a:rPr>
+              <a:t>&lt;date/time&gt;</a:t>
+            </a:r>
+            <a:endParaRPr b="0" lang="en-IE" sz="1400" spc="-1" strike="noStrike">
+              <a:latin typeface="Times New Roman"/>
+            </a:endParaRPr>
+          </a:p>
+        </p:txBody>
+      </p:sp>
+      <p:sp>
+        <p:nvSpPr>
+          <p:cNvPr id="56" name="PlaceHolder 4"/>
+          <p:cNvSpPr>
+            <a:spLocks noGrp="1"/>
+          </p:cNvSpPr>
+          <p:nvPr>
+            <p:ph type="title"/>
+          </p:nvPr>
+        </p:nvSpPr>
+        <p:spPr>
+          <a:xfrm>
+            <a:off x="609480" y="273600"/>
+            <a:ext cx="10972440" cy="1144800"/>
+          </a:xfrm>
+          <a:prstGeom prst="rect">
+            <a:avLst/>
+          </a:prstGeom>
+          <a:noFill/>
+          <a:ln w="0">
+            <a:noFill/>
+          </a:ln>
+        </p:spPr>
+        <p:txBody>
+          <a:bodyPr lIns="0" rIns="0" tIns="0" bIns="0" anchor="ctr">
+            <a:noAutofit/>
+          </a:bodyPr>
+          <a:p>
+            <a:pPr algn="ctr">
+              <a:buNone/>
+            </a:pPr>
+            <a:r>
+              <a:rPr b="0" lang="en-IE" sz="4400" spc="-1" strike="noStrike">
+                <a:latin typeface="Arial"/>
+              </a:rPr>
+              <a:t>Click to edit the title text format</a:t>
+            </a:r>
+            <a:endParaRPr b="0" lang="en-IE" sz="4400" spc="-1" strike="noStrike">
+              <a:latin typeface="Arial"/>
+            </a:endParaRPr>
+          </a:p>
+        </p:txBody>
+      </p:sp>
+      <p:sp>
+        <p:nvSpPr>
+          <p:cNvPr id="57" name="PlaceHolder 5"/>
+          <p:cNvSpPr>
+            <a:spLocks noGrp="1"/>
+          </p:cNvSpPr>
+          <p:nvPr>
+            <p:ph type="body"/>
+          </p:nvPr>
+        </p:nvSpPr>
+        <p:spPr>
+          <a:xfrm>
+            <a:off x="609480" y="1604520"/>
+            <a:ext cx="10972440" cy="3977280"/>
+          </a:xfrm>
+          <a:prstGeom prst="rect">
+            <a:avLst/>
+          </a:prstGeom>
+          <a:noFill/>
+          <a:ln w="0">
+            <a:noFill/>
+          </a:ln>
+        </p:spPr>
+        <p:txBody>
+          <a:bodyPr lIns="0" rIns="0" tIns="0" bIns="0" anchor="t">
+            <a:normAutofit/>
+          </a:bodyPr>
+          <a:p>
+            <a:pPr marL="432000" indent="-324000">
+              <a:spcBef>
+                <a:spcPts val="1417"/>
+              </a:spcBef>
+              <a:buClr>
+                <a:srgbClr val="000000"/>
+              </a:buClr>
+              <a:buSzPct val="45000"/>
+              <a:buFont typeface="Wingdings" charset="2"/>
+              <a:buChar char=""/>
+            </a:pPr>
+            <a:r>
+              <a:rPr b="0" lang="en-IE" sz="3200" spc="-1" strike="noStrike">
+                <a:latin typeface="Arial"/>
+              </a:rPr>
+              <a:t>Click to edit the outline text format</a:t>
+            </a:r>
+            <a:endParaRPr b="0" lang="en-IE" sz="3200" spc="-1" strike="noStrike">
+              <a:latin typeface="Arial"/>
+            </a:endParaRPr>
+          </a:p>
+          <a:p>
+            <a:pPr lvl="1" marL="864000" indent="-324000">
+              <a:spcBef>
+                <a:spcPts val="1134"/>
+              </a:spcBef>
+              <a:buClr>
+                <a:srgbClr val="000000"/>
+              </a:buClr>
+              <a:buSzPct val="75000"/>
+              <a:buFont typeface="Symbol" charset="2"/>
+              <a:buChar char=""/>
+            </a:pPr>
+            <a:r>
+              <a:rPr b="0" lang="en-IE" sz="2800" spc="-1" strike="noStrike">
+                <a:latin typeface="Arial"/>
+              </a:rPr>
+              <a:t>Second Outline Level</a:t>
+            </a:r>
+            <a:endParaRPr b="0" lang="en-IE" sz="2800" spc="-1" strike="noStrike">
+              <a:latin typeface="Arial"/>
+            </a:endParaRPr>
+          </a:p>
+          <a:p>
+            <a:pPr lvl="2" marL="1296000" indent="-288000">
+              <a:spcBef>
+                <a:spcPts val="850"/>
+              </a:spcBef>
+              <a:buClr>
+                <a:srgbClr val="000000"/>
+              </a:buClr>
+              <a:buSzPct val="45000"/>
+              <a:buFont typeface="Wingdings" charset="2"/>
+              <a:buChar char=""/>
+            </a:pPr>
+            <a:r>
+              <a:rPr b="0" lang="en-IE" sz="2400" spc="-1" strike="noStrike">
+                <a:latin typeface="Arial"/>
+              </a:rPr>
+              <a:t>Third Outline Level</a:t>
+            </a:r>
+            <a:endParaRPr b="0" lang="en-IE" sz="2400" spc="-1" strike="noStrike">
+              <a:latin typeface="Arial"/>
+            </a:endParaRPr>
+          </a:p>
+          <a:p>
+            <a:pPr lvl="3" marL="1728000" indent="-216000">
+              <a:spcBef>
+                <a:spcPts val="567"/>
+              </a:spcBef>
+              <a:buClr>
+                <a:srgbClr val="000000"/>
+              </a:buClr>
+              <a:buSzPct val="75000"/>
+              <a:buFont typeface="Symbol" charset="2"/>
+              <a:buChar char=""/>
+            </a:pPr>
+            <a:r>
+              <a:rPr b="0" lang="en-IE" sz="2000" spc="-1" strike="noStrike">
+                <a:latin typeface="Arial"/>
+              </a:rPr>
+              <a:t>Fourth Outline Level</a:t>
+            </a:r>
+            <a:endParaRPr b="0" lang="en-IE" sz="2000" spc="-1" strike="noStrike">
+              <a:latin typeface="Arial"/>
+            </a:endParaRPr>
+          </a:p>
+          <a:p>
+            <a:pPr lvl="4" marL="2160000" indent="-216000">
+              <a:spcBef>
+                <a:spcPts val="283"/>
+              </a:spcBef>
+              <a:buClr>
+                <a:srgbClr val="000000"/>
+              </a:buClr>
+              <a:buSzPct val="45000"/>
+              <a:buFont typeface="Wingdings" charset="2"/>
+              <a:buChar char=""/>
+            </a:pPr>
+            <a:r>
+              <a:rPr b="0" lang="en-IE" sz="2000" spc="-1" strike="noStrike">
+                <a:latin typeface="Arial"/>
+              </a:rPr>
+              <a:t>Fifth Outline Level</a:t>
+            </a:r>
+            <a:endParaRPr b="0" lang="en-IE" sz="2000" spc="-1" strike="noStrike">
+              <a:latin typeface="Arial"/>
+            </a:endParaRPr>
+          </a:p>
+          <a:p>
+            <a:pPr lvl="5" marL="2592000" indent="-216000">
+              <a:spcBef>
+                <a:spcPts val="283"/>
+              </a:spcBef>
+              <a:buClr>
+                <a:srgbClr val="000000"/>
+              </a:buClr>
+              <a:buSzPct val="45000"/>
+              <a:buFont typeface="Wingdings" charset="2"/>
+              <a:buChar char=""/>
+            </a:pPr>
+            <a:r>
+              <a:rPr b="0" lang="en-IE" sz="2000" spc="-1" strike="noStrike">
+                <a:latin typeface="Arial"/>
+              </a:rPr>
+              <a:t>Sixth Outline Level</a:t>
+            </a:r>
+            <a:endParaRPr b="0" lang="en-IE" sz="2000" spc="-1" strike="noStrike">
+              <a:latin typeface="Arial"/>
+            </a:endParaRPr>
+          </a:p>
+          <a:p>
+            <a:pPr lvl="6" marL="3024000" indent="-216000">
+              <a:spcBef>
+                <a:spcPts val="283"/>
+              </a:spcBef>
+              <a:buClr>
+                <a:srgbClr val="000000"/>
+              </a:buClr>
+              <a:buSzPct val="45000"/>
+              <a:buFont typeface="Wingdings" charset="2"/>
+              <a:buChar char=""/>
+            </a:pPr>
+            <a:r>
+              <a:rPr b="0" lang="en-IE" sz="2000" spc="-1" strike="noStrike">
+                <a:latin typeface="Arial"/>
+              </a:rPr>
+              <a:t>Seventh Outline Level</a:t>
+            </a:r>
+            <a:endParaRPr b="0" lang="en-IE" sz="2000" spc="-1" strike="noStrike">
+              <a:latin typeface="Arial"/>
             </a:endParaRPr>
           </a:p>
         </p:txBody>
@@ -7103,18 +6577,18 @@
         <p:spPr>
           <a:xfrm>
             <a:off x="1051560" y="1432080"/>
-            <a:ext cx="9966600" cy="3035520"/>
-          </a:xfrm>
-          <a:prstGeom prst="rect">
-            <a:avLst/>
-          </a:prstGeom>
-          <a:noFill/>
-          <a:ln w="0">
-            <a:noFill/>
-          </a:ln>
-        </p:spPr>
-        <p:txBody>
-          <a:bodyPr anchor="ctr">
+            <a:ext cx="9966240" cy="3035160"/>
+          </a:xfrm>
+          <a:prstGeom prst="rect">
+            <a:avLst/>
+          </a:prstGeom>
+          <a:noFill/>
+          <a:ln w="0">
+            <a:noFill/>
+          </a:ln>
+        </p:spPr>
+        <p:txBody>
+          <a:bodyPr lIns="0" rIns="0" tIns="0" bIns="0" anchor="ctr">
             <a:noAutofit/>
           </a:bodyPr>
           <a:p>
@@ -7130,11 +6604,8 @@
               </a:rPr>
               <a:t>DR8.2 Flask intro</a:t>
             </a:r>
-            <a:endParaRPr b="0" lang="en-US" sz="9600" spc="-1" strike="noStrike">
-              <a:solidFill>
-                <a:srgbClr val="000000"/>
-              </a:solidFill>
-              <a:latin typeface="Rockwell"/>
+            <a:endParaRPr b="0" lang="en-IE" sz="9600" spc="-1" strike="noStrike">
+              <a:latin typeface="Arial"/>
             </a:endParaRPr>
           </a:p>
         </p:txBody>
@@ -7152,18 +6623,18 @@
         <p:spPr>
           <a:xfrm>
             <a:off x="1069920" y="4389120"/>
-            <a:ext cx="7890840" cy="1069560"/>
-          </a:xfrm>
-          <a:prstGeom prst="rect">
-            <a:avLst/>
-          </a:prstGeom>
-          <a:noFill/>
-          <a:ln w="0">
-            <a:noFill/>
-          </a:ln>
-        </p:spPr>
-        <p:txBody>
-          <a:bodyPr anchor="t">
+            <a:ext cx="7890480" cy="1069200"/>
+          </a:xfrm>
+          <a:prstGeom prst="rect">
+            <a:avLst/>
+          </a:prstGeom>
+          <a:noFill/>
+          <a:ln w="0">
+            <a:noFill/>
+          </a:ln>
+        </p:spPr>
+        <p:txBody>
+          <a:bodyPr lIns="0" rIns="0" tIns="0" bIns="0" anchor="t">
             <a:normAutofit/>
           </a:bodyPr>
           <a:p>
@@ -7265,18 +6736,18 @@
         <p:spPr>
           <a:xfrm>
             <a:off x="1069920" y="484560"/>
-            <a:ext cx="10058040" cy="1608840"/>
-          </a:xfrm>
-          <a:prstGeom prst="rect">
-            <a:avLst/>
-          </a:prstGeom>
-          <a:noFill/>
-          <a:ln w="0">
-            <a:noFill/>
-          </a:ln>
-        </p:spPr>
-        <p:txBody>
-          <a:bodyPr anchor="ctr">
+            <a:ext cx="10057680" cy="1608480"/>
+          </a:xfrm>
+          <a:prstGeom prst="rect">
+            <a:avLst/>
+          </a:prstGeom>
+          <a:noFill/>
+          <a:ln w="0">
+            <a:noFill/>
+          </a:ln>
+        </p:spPr>
+        <p:txBody>
+          <a:bodyPr lIns="90000" rIns="90000" tIns="45000" bIns="45000" anchor="ctr">
             <a:noAutofit/>
           </a:bodyPr>
           <a:p>
@@ -7301,11 +6772,8 @@
               </a:rPr>
               <a:t>And what is a web-server?</a:t>
             </a:r>
-            <a:endParaRPr b="0" lang="en-US" sz="1800" spc="-1" strike="noStrike">
-              <a:solidFill>
-                <a:srgbClr val="000000"/>
-              </a:solidFill>
-              <a:latin typeface="Rockwell"/>
+            <a:endParaRPr b="0" lang="en-IE" sz="1800" spc="-1" strike="noStrike">
+              <a:latin typeface="Arial"/>
             </a:endParaRPr>
           </a:p>
         </p:txBody>
@@ -7319,7 +6787,7 @@
         <p:spPr>
           <a:xfrm>
             <a:off x="2172600" y="2432880"/>
-            <a:ext cx="7046280" cy="4119480"/>
+            <a:ext cx="7045920" cy="4119120"/>
           </a:xfrm>
           <a:prstGeom prst="rect">
             <a:avLst/>
@@ -7345,7 +6813,7 @@
         <p:spPr>
           <a:xfrm>
             <a:off x="2122560" y="2114280"/>
-            <a:ext cx="5812560" cy="2244240"/>
+            <a:ext cx="5812200" cy="2243880"/>
           </a:xfrm>
           <a:prstGeom prst="rect">
             <a:avLst/>
@@ -7386,7 +6854,7 @@
         <p:spPr>
           <a:xfrm>
             <a:off x="3481560" y="5512320"/>
-            <a:ext cx="3506400" cy="1040040"/>
+            <a:ext cx="3506040" cy="1039680"/>
           </a:xfrm>
           <a:prstGeom prst="rect">
             <a:avLst/>
@@ -7427,7 +6895,7 @@
         <p:spPr>
           <a:xfrm>
             <a:off x="3731040" y="4659840"/>
-            <a:ext cx="2885400" cy="649080"/>
+            <a:ext cx="2885040" cy="648720"/>
           </a:xfrm>
           <a:prstGeom prst="cloud">
             <a:avLst/>
@@ -7466,7 +6934,7 @@
         <p:spPr>
           <a:xfrm>
             <a:off x="4591440" y="5763240"/>
-            <a:ext cx="2440800" cy="363960"/>
+            <a:ext cx="2440440" cy="363960"/>
           </a:xfrm>
           <a:prstGeom prst="rect">
             <a:avLst/>
@@ -7499,6 +6967,7 @@
                   <a:srgbClr val="000000"/>
                 </a:solidFill>
                 <a:latin typeface="Rockwell"/>
+                <a:ea typeface="DejaVu Sans"/>
               </a:rPr>
               <a:t>Browser</a:t>
             </a:r>
@@ -7516,8 +6985,8 @@
         </p:nvSpPr>
         <p:spPr>
           <a:xfrm flipV="1">
-            <a:off x="4379040" y="4198680"/>
-            <a:ext cx="360" cy="1313280"/>
+            <a:off x="4379040" y="4197960"/>
+            <a:ext cx="360" cy="1312920"/>
           </a:xfrm>
           <a:custGeom>
             <a:avLst/>
@@ -7566,7 +7035,7 @@
         <p:spPr>
           <a:xfrm>
             <a:off x="5738040" y="4338720"/>
-            <a:ext cx="360" cy="1173240"/>
+            <a:ext cx="360" cy="1172880"/>
           </a:xfrm>
           <a:custGeom>
             <a:avLst/>
@@ -7615,7 +7084,7 @@
         <p:spPr>
           <a:xfrm>
             <a:off x="4591440" y="4799880"/>
-            <a:ext cx="1716480" cy="363960"/>
+            <a:ext cx="1716120" cy="363960"/>
           </a:xfrm>
           <a:prstGeom prst="rect">
             <a:avLst/>
@@ -7648,6 +7117,7 @@
                   <a:srgbClr val="000000"/>
                 </a:solidFill>
                 <a:latin typeface="Rockwell"/>
+                <a:ea typeface="DejaVu Sans"/>
               </a:rPr>
               <a:t>internet</a:t>
             </a:r>
@@ -7666,7 +7136,7 @@
         <p:spPr>
           <a:xfrm>
             <a:off x="2847960" y="5172840"/>
-            <a:ext cx="2000520" cy="363960"/>
+            <a:ext cx="2000160" cy="363960"/>
           </a:xfrm>
           <a:prstGeom prst="rect">
             <a:avLst/>
@@ -7699,6 +7169,7 @@
                   <a:srgbClr val="000000"/>
                 </a:solidFill>
                 <a:latin typeface="Rockwell"/>
+                <a:ea typeface="DejaVu Sans"/>
               </a:rPr>
               <a:t>HTTP request</a:t>
             </a:r>
@@ -7717,7 +7188,7 @@
         <p:spPr>
           <a:xfrm>
             <a:off x="5731920" y="5169240"/>
-            <a:ext cx="1786320" cy="638280"/>
+            <a:ext cx="1785960" cy="638280"/>
           </a:xfrm>
           <a:prstGeom prst="rect">
             <a:avLst/>
@@ -7750,6 +7221,7 @@
                   <a:srgbClr val="000000"/>
                 </a:solidFill>
                 <a:latin typeface="Rockwell"/>
+                <a:ea typeface="DejaVu Sans"/>
               </a:rPr>
               <a:t>HTTP response</a:t>
             </a:r>
@@ -7768,7 +7240,7 @@
         <p:spPr>
           <a:xfrm>
             <a:off x="2256840" y="2126880"/>
-            <a:ext cx="938880" cy="363960"/>
+            <a:ext cx="938520" cy="363960"/>
           </a:xfrm>
           <a:prstGeom prst="rect">
             <a:avLst/>
@@ -7801,6 +7273,7 @@
                   <a:srgbClr val="000000"/>
                 </a:solidFill>
                 <a:latin typeface="Rockwell"/>
+                <a:ea typeface="DejaVu Sans"/>
               </a:rPr>
               <a:t>Server</a:t>
             </a:r>
@@ -7819,7 +7292,7 @@
         <p:spPr>
           <a:xfrm>
             <a:off x="3624120" y="3703320"/>
-            <a:ext cx="2809800" cy="495000"/>
+            <a:ext cx="2809440" cy="494640"/>
           </a:xfrm>
           <a:prstGeom prst="rect">
             <a:avLst/>
@@ -7858,7 +7331,7 @@
         <p:spPr>
           <a:xfrm>
             <a:off x="3825360" y="3759120"/>
-            <a:ext cx="2549880" cy="638280"/>
+            <a:ext cx="2549520" cy="638280"/>
           </a:xfrm>
           <a:prstGeom prst="rect">
             <a:avLst/>
@@ -7891,6 +7364,7 @@
                   <a:srgbClr val="000000"/>
                 </a:solidFill>
                 <a:latin typeface="Rockwell"/>
+                <a:ea typeface="DejaVu Sans"/>
               </a:rPr>
               <a:t>App server (eg flask)</a:t>
             </a:r>
@@ -7909,7 +7383,7 @@
         <p:spPr>
           <a:xfrm>
             <a:off x="2676240" y="2632320"/>
-            <a:ext cx="2172240" cy="910440"/>
+            <a:ext cx="2171880" cy="910080"/>
           </a:xfrm>
           <a:prstGeom prst="rect">
             <a:avLst/>
@@ -7951,7 +7425,7 @@
         <p:spPr>
           <a:xfrm>
             <a:off x="2608920" y="2621520"/>
-            <a:ext cx="2239560" cy="241920"/>
+            <a:ext cx="2239200" cy="241920"/>
           </a:xfrm>
           <a:prstGeom prst="rect">
             <a:avLst/>
@@ -7984,6 +7458,7 @@
                   <a:srgbClr val="000000"/>
                 </a:solidFill>
                 <a:latin typeface="Rockwell"/>
+                <a:ea typeface="DejaVu Sans"/>
               </a:rPr>
               <a:t>Directory with static pages</a:t>
             </a:r>
@@ -8002,7 +7477,7 @@
         <p:spPr>
           <a:xfrm>
             <a:off x="2801880" y="3056760"/>
-            <a:ext cx="821880" cy="345600"/>
+            <a:ext cx="821520" cy="345240"/>
           </a:xfrm>
           <a:prstGeom prst="rect">
             <a:avLst/>
@@ -8043,7 +7518,7 @@
         <p:spPr>
           <a:xfrm>
             <a:off x="2801880" y="3077640"/>
-            <a:ext cx="721080" cy="333000"/>
+            <a:ext cx="720720" cy="333000"/>
           </a:xfrm>
           <a:prstGeom prst="rect">
             <a:avLst/>
@@ -8076,6 +7551,7 @@
                   <a:srgbClr val="ffffff"/>
                 </a:solidFill>
                 <a:latin typeface="Rockwell"/>
+                <a:ea typeface="DejaVu Sans"/>
               </a:rPr>
               <a:t>Index.html</a:t>
             </a:r>
@@ -8094,7 +7570,7 @@
         <p:spPr>
           <a:xfrm>
             <a:off x="3871440" y="3042000"/>
-            <a:ext cx="821880" cy="345600"/>
+            <a:ext cx="821520" cy="345240"/>
           </a:xfrm>
           <a:prstGeom prst="rect">
             <a:avLst/>
@@ -8135,7 +7611,7 @@
         <p:spPr>
           <a:xfrm>
             <a:off x="3947040" y="3070080"/>
-            <a:ext cx="721080" cy="211320"/>
+            <a:ext cx="720720" cy="211320"/>
           </a:xfrm>
           <a:prstGeom prst="rect">
             <a:avLst/>
@@ -8168,6 +7644,7 @@
                   <a:srgbClr val="ffffff"/>
                 </a:solidFill>
                 <a:latin typeface="Rockwell"/>
+                <a:ea typeface="DejaVu Sans"/>
               </a:rPr>
               <a:t>File.jpg</a:t>
             </a:r>
@@ -8186,7 +7663,7 @@
         <p:spPr>
           <a:xfrm>
             <a:off x="5721120" y="2611800"/>
-            <a:ext cx="1756800" cy="1144080"/>
+            <a:ext cx="1756440" cy="1143720"/>
           </a:xfrm>
           <a:prstGeom prst="rect">
             <a:avLst/>
@@ -8225,7 +7702,7 @@
         <p:spPr>
           <a:xfrm>
             <a:off x="5897520" y="2740320"/>
-            <a:ext cx="1274760" cy="394200"/>
+            <a:ext cx="1274400" cy="394200"/>
           </a:xfrm>
           <a:prstGeom prst="rect">
             <a:avLst/>
@@ -8258,6 +7735,7 @@
                   <a:srgbClr val="000000"/>
                 </a:solidFill>
                 <a:latin typeface="Rockwell"/>
+                <a:ea typeface="DejaVu Sans"/>
               </a:rPr>
               <a:t>Functions in the app server</a:t>
             </a:r>
@@ -8276,7 +7754,7 @@
         <p:spPr>
           <a:xfrm>
             <a:off x="3213000" y="3402360"/>
-            <a:ext cx="2508120" cy="936000"/>
+            <a:ext cx="2507760" cy="935640"/>
           </a:xfrm>
           <a:custGeom>
             <a:avLst/>
@@ -8325,7 +7803,7 @@
         <p:spPr>
           <a:xfrm flipH="1">
             <a:off x="5737320" y="3767040"/>
-            <a:ext cx="1249560" cy="591840"/>
+            <a:ext cx="1249200" cy="591480"/>
           </a:xfrm>
           <a:custGeom>
             <a:avLst/>
@@ -8374,7 +7852,7 @@
         <p:spPr>
           <a:xfrm>
             <a:off x="9219600" y="2374200"/>
-            <a:ext cx="1895400" cy="1895400"/>
+            <a:ext cx="1895040" cy="1895040"/>
           </a:xfrm>
           <a:prstGeom prst="can">
             <a:avLst>
@@ -8415,7 +7893,7 @@
         <p:spPr>
           <a:xfrm>
             <a:off x="9576000" y="3285720"/>
-            <a:ext cx="1450800" cy="363960"/>
+            <a:ext cx="1450440" cy="363960"/>
           </a:xfrm>
           <a:prstGeom prst="rect">
             <a:avLst/>
@@ -8448,6 +7926,7 @@
                   <a:srgbClr val="000000"/>
                 </a:solidFill>
                 <a:latin typeface="Rockwell"/>
+                <a:ea typeface="DejaVu Sans"/>
               </a:rPr>
               <a:t>Database</a:t>
             </a:r>
@@ -8466,7 +7945,7 @@
         <p:spPr>
           <a:xfrm>
             <a:off x="7478640" y="2888640"/>
-            <a:ext cx="1740600" cy="6840"/>
+            <a:ext cx="1740240" cy="6480"/>
           </a:xfrm>
           <a:custGeom>
             <a:avLst/>
@@ -8514,8 +7993,8 @@
         </p:nvSpPr>
         <p:spPr>
           <a:xfrm flipH="1" flipV="1">
-            <a:off x="7477920" y="3183840"/>
-            <a:ext cx="1740600" cy="12240"/>
+            <a:off x="7477920" y="3183120"/>
+            <a:ext cx="1740240" cy="11880"/>
           </a:xfrm>
           <a:custGeom>
             <a:avLst/>
@@ -8564,7 +8043,7 @@
         <p:spPr>
           <a:xfrm>
             <a:off x="8659080" y="4624200"/>
-            <a:ext cx="914040" cy="363960"/>
+            <a:ext cx="913680" cy="363960"/>
           </a:xfrm>
           <a:prstGeom prst="rect">
             <a:avLst/>
@@ -8597,6 +8076,7 @@
                   <a:srgbClr val="000000"/>
                 </a:solidFill>
                 <a:latin typeface="Rockwell"/>
+                <a:ea typeface="DejaVu Sans"/>
               </a:rPr>
               <a:t>Flask</a:t>
             </a:r>
@@ -8615,7 +8095,7 @@
         <p:spPr>
           <a:xfrm>
             <a:off x="8762400" y="1085760"/>
-            <a:ext cx="1387080" cy="363960"/>
+            <a:ext cx="1386720" cy="363960"/>
           </a:xfrm>
           <a:prstGeom prst="rect">
             <a:avLst/>
@@ -8648,6 +8128,7 @@
                   <a:srgbClr val="000000"/>
                 </a:solidFill>
                 <a:latin typeface="Rockwell"/>
+                <a:ea typeface="DejaVu Sans"/>
               </a:rPr>
               <a:t>Our code</a:t>
             </a:r>
@@ -8665,8 +8146,8 @@
         </p:nvSpPr>
         <p:spPr>
           <a:xfrm flipH="1" flipV="1">
-            <a:off x="6521040" y="4198680"/>
-            <a:ext cx="2137680" cy="609840"/>
+            <a:off x="6520320" y="4197960"/>
+            <a:ext cx="2137320" cy="609480"/>
           </a:xfrm>
           <a:custGeom>
             <a:avLst/>
@@ -8710,7 +8191,7 @@
         <p:spPr>
           <a:xfrm flipH="1">
             <a:off x="7419600" y="1455120"/>
-            <a:ext cx="1575000" cy="1176840"/>
+            <a:ext cx="1574640" cy="1176480"/>
           </a:xfrm>
           <a:custGeom>
             <a:avLst/>
@@ -8794,18 +8275,18 @@
         <p:spPr>
           <a:xfrm>
             <a:off x="1069920" y="484560"/>
-            <a:ext cx="10058040" cy="1608840"/>
-          </a:xfrm>
-          <a:prstGeom prst="rect">
-            <a:avLst/>
-          </a:prstGeom>
-          <a:noFill/>
-          <a:ln w="0">
-            <a:noFill/>
-          </a:ln>
-        </p:spPr>
-        <p:txBody>
-          <a:bodyPr anchor="ctr">
+            <a:ext cx="10057680" cy="1608480"/>
+          </a:xfrm>
+          <a:prstGeom prst="rect">
+            <a:avLst/>
+          </a:prstGeom>
+          <a:noFill/>
+          <a:ln w="0">
+            <a:noFill/>
+          </a:ln>
+        </p:spPr>
+        <p:txBody>
+          <a:bodyPr lIns="90000" rIns="90000" tIns="45000" bIns="45000" anchor="ctr">
             <a:noAutofit/>
           </a:bodyPr>
           <a:p>
@@ -8821,11 +8302,8 @@
               </a:rPr>
               <a:t>Python Frameworks</a:t>
             </a:r>
-            <a:endParaRPr b="0" lang="en-US" sz="5400" spc="-1" strike="noStrike">
-              <a:solidFill>
-                <a:srgbClr val="000000"/>
-              </a:solidFill>
-              <a:latin typeface="Rockwell"/>
+            <a:endParaRPr b="0" lang="en-IE" sz="5400" spc="-1" strike="noStrike">
+              <a:latin typeface="Arial"/>
             </a:endParaRPr>
           </a:p>
         </p:txBody>
@@ -8838,7 +8316,7 @@
         </p:nvGraphicFramePr>
         <p:xfrm>
           <a:off x="1069920" y="2120760"/>
-          <a:ext cx="10058040" cy="2595600"/>
+          <a:ext cx="10058040" cy="2595240"/>
         </p:xfrm>
         <a:graphic>
           <a:graphicData uri="http://schemas.openxmlformats.org/drawingml/2006/table">
@@ -9603,7 +9081,7 @@
         <p:spPr>
           <a:xfrm>
             <a:off x="4223880" y="5810040"/>
-            <a:ext cx="7743600" cy="363960"/>
+            <a:ext cx="7743240" cy="363960"/>
           </a:xfrm>
           <a:prstGeom prst="rect">
             <a:avLst/>
@@ -9636,6 +9114,7 @@
                   <a:srgbClr val="000000"/>
                 </a:solidFill>
                 <a:latin typeface="Rockwell"/>
+                <a:ea typeface="DejaVu Sans"/>
               </a:rPr>
               <a:t>Ref: https://www.monocubed.com/blog/top-python-frameworks/</a:t>
             </a:r>
@@ -9688,18 +9167,18 @@
         <p:spPr>
           <a:xfrm>
             <a:off x="1069920" y="484560"/>
-            <a:ext cx="10058040" cy="1608840"/>
-          </a:xfrm>
-          <a:prstGeom prst="rect">
-            <a:avLst/>
-          </a:prstGeom>
-          <a:noFill/>
-          <a:ln w="0">
-            <a:noFill/>
-          </a:ln>
-        </p:spPr>
-        <p:txBody>
-          <a:bodyPr anchor="ctr">
+            <a:ext cx="10057680" cy="1608480"/>
+          </a:xfrm>
+          <a:prstGeom prst="rect">
+            <a:avLst/>
+          </a:prstGeom>
+          <a:noFill/>
+          <a:ln w="0">
+            <a:noFill/>
+          </a:ln>
+        </p:spPr>
+        <p:txBody>
+          <a:bodyPr lIns="90000" rIns="90000" tIns="45000" bIns="45000" anchor="ctr">
             <a:noAutofit/>
           </a:bodyPr>
           <a:p>
@@ -9715,11 +9194,8 @@
               </a:rPr>
               <a:t>Simple FLASK</a:t>
             </a:r>
-            <a:endParaRPr b="0" lang="en-US" sz="5400" spc="-1" strike="noStrike">
-              <a:solidFill>
-                <a:srgbClr val="000000"/>
-              </a:solidFill>
-              <a:latin typeface="Rockwell"/>
+            <a:endParaRPr b="0" lang="en-IE" sz="5400" spc="-1" strike="noStrike">
+              <a:latin typeface="Arial"/>
             </a:endParaRPr>
           </a:p>
         </p:txBody>
@@ -9733,7 +9209,7 @@
         <p:spPr>
           <a:xfrm>
             <a:off x="1167120" y="2332800"/>
-            <a:ext cx="3983400" cy="3411360"/>
+            <a:ext cx="3983040" cy="3411000"/>
           </a:xfrm>
           <a:prstGeom prst="rect">
             <a:avLst/>
@@ -9755,7 +9231,7 @@
           <a:fontRef idx="minor"/>
         </p:style>
         <p:txBody>
-          <a:bodyPr anchor="t">
+          <a:bodyPr lIns="90000" rIns="90000" tIns="45000" bIns="45000" anchor="t">
             <a:noAutofit/>
           </a:bodyPr>
           <a:p>
@@ -10214,7 +9690,7 @@
         <p:spPr>
           <a:xfrm>
             <a:off x="6233040" y="1920960"/>
-            <a:ext cx="3640320" cy="363960"/>
+            <a:ext cx="3639960" cy="363960"/>
           </a:xfrm>
           <a:prstGeom prst="rect">
             <a:avLst/>
@@ -10247,6 +9723,7 @@
                   <a:srgbClr val="000000"/>
                 </a:solidFill>
                 <a:latin typeface="Rockwell"/>
+                <a:ea typeface="DejaVu Sans"/>
               </a:rPr>
               <a:t>Import flask</a:t>
             </a:r>
@@ -10265,7 +9742,7 @@
         <p:spPr>
           <a:xfrm>
             <a:off x="6095880" y="3353760"/>
-            <a:ext cx="3581640" cy="363960"/>
+            <a:ext cx="3581280" cy="363960"/>
           </a:xfrm>
           <a:prstGeom prst="rect">
             <a:avLst/>
@@ -10298,6 +9775,7 @@
                   <a:srgbClr val="000000"/>
                 </a:solidFill>
                 <a:latin typeface="Rockwell"/>
+                <a:ea typeface="DejaVu Sans"/>
               </a:rPr>
               <a:t>Map URL to this function</a:t>
             </a:r>
@@ -10316,7 +9794,7 @@
         <p:spPr>
           <a:xfrm>
             <a:off x="6095880" y="3763800"/>
-            <a:ext cx="4798080" cy="638280"/>
+            <a:ext cx="4797720" cy="638280"/>
           </a:xfrm>
           <a:prstGeom prst="rect">
             <a:avLst/>
@@ -10349,6 +9827,7 @@
                   <a:srgbClr val="000000"/>
                 </a:solidFill>
                 <a:latin typeface="Rockwell"/>
+                <a:ea typeface="DejaVu Sans"/>
               </a:rPr>
               <a:t>The function outputs “hello world” as a HTTP response</a:t>
             </a:r>
@@ -10400,6 +9879,7 @@
                   <a:srgbClr val="000000"/>
                 </a:solidFill>
                 <a:latin typeface="Rockwell"/>
+                <a:ea typeface="DejaVu Sans"/>
               </a:rPr>
               <a:t>Run flask</a:t>
             </a:r>
@@ -10417,8 +9897,8 @@
         </p:nvSpPr>
         <p:spPr>
           <a:xfrm flipH="1">
-            <a:off x="3227400" y="2910960"/>
-            <a:ext cx="2868480" cy="153360"/>
+            <a:off x="3226680" y="2910960"/>
+            <a:ext cx="2868120" cy="153000"/>
           </a:xfrm>
           <a:custGeom>
             <a:avLst/>
@@ -10467,7 +9947,7 @@
         <p:spPr>
           <a:xfrm flipH="1" flipV="1">
             <a:off x="2716920" y="3466440"/>
-            <a:ext cx="3377880" cy="70920"/>
+            <a:ext cx="3377520" cy="70560"/>
           </a:xfrm>
           <a:custGeom>
             <a:avLst/>
@@ -10515,8 +9995,8 @@
         </p:nvSpPr>
         <p:spPr>
           <a:xfrm flipH="1" flipV="1">
-            <a:off x="3797280" y="3848040"/>
-            <a:ext cx="2298240" cy="238320"/>
+            <a:off x="3796560" y="3847320"/>
+            <a:ext cx="2297880" cy="237960"/>
           </a:xfrm>
           <a:custGeom>
             <a:avLst/>
@@ -10564,8 +10044,8 @@
         </p:nvSpPr>
         <p:spPr>
           <a:xfrm flipH="1" flipV="1">
-            <a:off x="3842280" y="4446360"/>
-            <a:ext cx="2626920" cy="691200"/>
+            <a:off x="3842280" y="4445640"/>
+            <a:ext cx="2626560" cy="690840"/>
           </a:xfrm>
           <a:custGeom>
             <a:avLst/>
@@ -10614,7 +10094,7 @@
         <p:spPr>
           <a:xfrm>
             <a:off x="6185880" y="2695680"/>
-            <a:ext cx="3640320" cy="363960"/>
+            <a:ext cx="3639960" cy="363960"/>
           </a:xfrm>
           <a:prstGeom prst="rect">
             <a:avLst/>
@@ -10647,6 +10127,7 @@
                   <a:srgbClr val="000000"/>
                 </a:solidFill>
                 <a:latin typeface="Rockwell"/>
+                <a:ea typeface="DejaVu Sans"/>
               </a:rPr>
               <a:t>Create the flask app</a:t>
             </a:r>
@@ -10665,7 +10146,7 @@
         <p:spPr>
           <a:xfrm flipH="1">
             <a:off x="3782880" y="2105640"/>
-            <a:ext cx="2449080" cy="471600"/>
+            <a:ext cx="2448720" cy="471240"/>
           </a:xfrm>
           <a:custGeom>
             <a:avLst/>
@@ -10748,18 +10229,18 @@
         <p:spPr>
           <a:xfrm>
             <a:off x="1069920" y="484560"/>
-            <a:ext cx="10058040" cy="1608840"/>
-          </a:xfrm>
-          <a:prstGeom prst="rect">
-            <a:avLst/>
-          </a:prstGeom>
-          <a:noFill/>
-          <a:ln w="0">
-            <a:noFill/>
-          </a:ln>
-        </p:spPr>
-        <p:txBody>
-          <a:bodyPr anchor="ctr">
+            <a:ext cx="10057680" cy="1608480"/>
+          </a:xfrm>
+          <a:prstGeom prst="rect">
+            <a:avLst/>
+          </a:prstGeom>
+          <a:noFill/>
+          <a:ln w="0">
+            <a:noFill/>
+          </a:ln>
+        </p:spPr>
+        <p:txBody>
+          <a:bodyPr lIns="90000" rIns="90000" tIns="45000" bIns="45000" anchor="ctr">
             <a:noAutofit/>
           </a:bodyPr>
           <a:p>
@@ -10775,11 +10256,8 @@
               </a:rPr>
               <a:t>Starting Application</a:t>
             </a:r>
-            <a:endParaRPr b="0" lang="en-US" sz="5400" spc="-1" strike="noStrike">
-              <a:solidFill>
-                <a:srgbClr val="000000"/>
-              </a:solidFill>
-              <a:latin typeface="Rockwell"/>
+            <a:endParaRPr b="0" lang="en-IE" sz="5400" spc="-1" strike="noStrike">
+              <a:latin typeface="Arial"/>
             </a:endParaRPr>
           </a:p>
         </p:txBody>
@@ -10797,18 +10275,18 @@
         <p:spPr>
           <a:xfrm>
             <a:off x="1016640" y="1737360"/>
-            <a:ext cx="10058040" cy="4761720"/>
-          </a:xfrm>
-          <a:prstGeom prst="rect">
-            <a:avLst/>
-          </a:prstGeom>
-          <a:noFill/>
-          <a:ln w="0">
-            <a:noFill/>
-          </a:ln>
-        </p:spPr>
-        <p:txBody>
-          <a:bodyPr anchor="t">
+            <a:ext cx="10057680" cy="4761360"/>
+          </a:xfrm>
+          <a:prstGeom prst="rect">
+            <a:avLst/>
+          </a:prstGeom>
+          <a:noFill/>
+          <a:ln w="0">
+            <a:noFill/>
+          </a:ln>
+        </p:spPr>
+        <p:txBody>
+          <a:bodyPr lIns="90000" rIns="90000" tIns="45000" bIns="45000" anchor="t">
             <a:normAutofit fontScale="96000"/>
           </a:bodyPr>
           <a:p>
@@ -10835,11 +10313,8 @@
               </a:rPr>
               <a:t>Two ways, what we know</a:t>
             </a:r>
-            <a:endParaRPr b="0" lang="en-US" sz="2000" spc="-1" strike="noStrike">
-              <a:solidFill>
-                <a:srgbClr val="000000"/>
-              </a:solidFill>
-              <a:latin typeface="Rockwell"/>
+            <a:endParaRPr b="0" lang="en-IE" sz="2000" spc="-1" strike="noStrike">
+              <a:latin typeface="Arial"/>
             </a:endParaRPr>
           </a:p>
           <a:p>
@@ -10855,11 +10330,8 @@
                 <a:tab algn="l" pos="0"/>
               </a:tabLst>
             </a:pPr>
-            <a:endParaRPr b="0" lang="en-US" sz="2000" spc="-1" strike="noStrike">
-              <a:solidFill>
-                <a:srgbClr val="000000"/>
-              </a:solidFill>
-              <a:latin typeface="Rockwell"/>
+            <a:endParaRPr b="0" lang="en-IE" sz="2000" spc="-1" strike="noStrike">
+              <a:latin typeface="Arial"/>
             </a:endParaRPr>
           </a:p>
           <a:p>
@@ -10889,11 +10361,8 @@
               </a:rPr>
               <a:t>And using Flask command</a:t>
             </a:r>
-            <a:endParaRPr b="0" lang="en-US" sz="2000" spc="-1" strike="noStrike">
-              <a:solidFill>
-                <a:srgbClr val="000000"/>
-              </a:solidFill>
-              <a:latin typeface="Rockwell"/>
+            <a:endParaRPr b="0" lang="en-IE" sz="2000" spc="-1" strike="noStrike">
+              <a:latin typeface="Arial"/>
             </a:endParaRPr>
           </a:p>
           <a:p>
@@ -10926,11 +10395,8 @@
               </a:rPr>
               <a:t>This has the advantage or being able to set environmental variables, so your server can run differently depending on whether is is in the cloud or on your own machine.</a:t>
             </a:r>
-            <a:endParaRPr b="0" lang="en-US" sz="1800" spc="-1" strike="noStrike">
-              <a:solidFill>
-                <a:srgbClr val="000000"/>
-              </a:solidFill>
-              <a:latin typeface="Rockwell"/>
+            <a:endParaRPr b="0" lang="en-IE" sz="1800" spc="-1" strike="noStrike">
+              <a:latin typeface="Arial"/>
             </a:endParaRPr>
           </a:p>
           <a:p>
@@ -10963,11 +10429,8 @@
               </a:rPr>
               <a:t>Eg debug mode: export FLASK_DEBUG=1</a:t>
             </a:r>
-            <a:endParaRPr b="0" lang="en-US" sz="1800" spc="-1" strike="noStrike">
-              <a:solidFill>
-                <a:srgbClr val="000000"/>
-              </a:solidFill>
-              <a:latin typeface="Rockwell"/>
+            <a:endParaRPr b="0" lang="en-IE" sz="1800" spc="-1" strike="noStrike">
+              <a:latin typeface="Arial"/>
             </a:endParaRPr>
           </a:p>
           <a:p>
@@ -11000,11 +10463,8 @@
               </a:rPr>
               <a:t>Linux mac</a:t>
             </a:r>
-            <a:endParaRPr b="0" lang="en-US" sz="1800" spc="-1" strike="noStrike">
-              <a:solidFill>
-                <a:srgbClr val="000000"/>
-              </a:solidFill>
-              <a:latin typeface="Rockwell"/>
+            <a:endParaRPr b="0" lang="en-IE" sz="1800" spc="-1" strike="noStrike">
+              <a:latin typeface="Arial"/>
             </a:endParaRPr>
           </a:p>
           <a:p>
@@ -11020,11 +10480,8 @@
                 <a:tab algn="l" pos="0"/>
               </a:tabLst>
             </a:pPr>
-            <a:endParaRPr b="0" lang="en-US" sz="1800" spc="-1" strike="noStrike">
-              <a:solidFill>
-                <a:srgbClr val="000000"/>
-              </a:solidFill>
-              <a:latin typeface="Rockwell"/>
+            <a:endParaRPr b="0" lang="en-IE" sz="1800" spc="-1" strike="noStrike">
+              <a:latin typeface="Arial"/>
             </a:endParaRPr>
           </a:p>
           <a:p>
@@ -11040,11 +10497,8 @@
                 <a:tab algn="l" pos="0"/>
               </a:tabLst>
             </a:pPr>
-            <a:endParaRPr b="0" lang="en-US" sz="1800" spc="-1" strike="noStrike">
-              <a:solidFill>
-                <a:srgbClr val="000000"/>
-              </a:solidFill>
-              <a:latin typeface="Rockwell"/>
+            <a:endParaRPr b="0" lang="en-IE" sz="1800" spc="-1" strike="noStrike">
+              <a:latin typeface="Arial"/>
             </a:endParaRPr>
           </a:p>
           <a:p>
@@ -11077,11 +10531,8 @@
               </a:rPr>
               <a:t>Windows</a:t>
             </a:r>
-            <a:endParaRPr b="0" lang="en-US" sz="1800" spc="-1" strike="noStrike">
-              <a:solidFill>
-                <a:srgbClr val="000000"/>
-              </a:solidFill>
-              <a:latin typeface="Rockwell"/>
+            <a:endParaRPr b="0" lang="en-IE" sz="1800" spc="-1" strike="noStrike">
+              <a:latin typeface="Arial"/>
             </a:endParaRPr>
           </a:p>
           <a:p>
@@ -11097,11 +10548,8 @@
                 <a:tab algn="l" pos="0"/>
               </a:tabLst>
             </a:pPr>
-            <a:endParaRPr b="0" lang="en-US" sz="1800" spc="-1" strike="noStrike">
-              <a:solidFill>
-                <a:srgbClr val="000000"/>
-              </a:solidFill>
-              <a:latin typeface="Rockwell"/>
+            <a:endParaRPr b="0" lang="en-IE" sz="1800" spc="-1" strike="noStrike">
+              <a:latin typeface="Arial"/>
             </a:endParaRPr>
           </a:p>
           <a:p>
@@ -11117,11 +10565,8 @@
                 <a:tab algn="l" pos="0"/>
               </a:tabLst>
             </a:pPr>
-            <a:endParaRPr b="0" lang="en-US" sz="1800" spc="-1" strike="noStrike">
-              <a:solidFill>
-                <a:srgbClr val="000000"/>
-              </a:solidFill>
-              <a:latin typeface="Rockwell"/>
+            <a:endParaRPr b="0" lang="en-IE" sz="1800" spc="-1" strike="noStrike">
+              <a:latin typeface="Arial"/>
             </a:endParaRPr>
           </a:p>
           <a:p>
@@ -11151,11 +10596,8 @@
               </a:rPr>
               <a:t>We will see more on this when uploading to python anywhere</a:t>
             </a:r>
-            <a:endParaRPr b="0" lang="en-US" sz="2000" spc="-1" strike="noStrike">
-              <a:solidFill>
-                <a:srgbClr val="000000"/>
-              </a:solidFill>
-              <a:latin typeface="Rockwell"/>
+            <a:endParaRPr b="0" lang="en-IE" sz="2000" spc="-1" strike="noStrike">
+              <a:latin typeface="Arial"/>
             </a:endParaRPr>
           </a:p>
         </p:txBody>
@@ -11169,7 +10611,7 @@
         <p:spPr>
           <a:xfrm>
             <a:off x="1280880" y="2144880"/>
-            <a:ext cx="5891040" cy="333000"/>
+            <a:ext cx="5890680" cy="333000"/>
           </a:xfrm>
           <a:prstGeom prst="rect">
             <a:avLst/>
@@ -11215,6 +10657,7 @@
                   <a:srgbClr val="ffffff"/>
                 </a:solidFill>
                 <a:latin typeface="Courier New"/>
+                <a:ea typeface="DejaVu Sans"/>
               </a:rPr>
               <a:t>python b_restserver.py</a:t>
             </a:r>
@@ -11233,7 +10676,7 @@
         <p:spPr>
           <a:xfrm>
             <a:off x="1280880" y="4140720"/>
-            <a:ext cx="6381720" cy="576360"/>
+            <a:ext cx="6381360" cy="576360"/>
           </a:xfrm>
           <a:prstGeom prst="rect">
             <a:avLst/>
@@ -11279,6 +10722,7 @@
                   <a:srgbClr val="ffffff"/>
                 </a:solidFill>
                 <a:latin typeface="Courier New"/>
+                <a:ea typeface="DejaVu Sans"/>
               </a:rPr>
               <a:t>export FLASK_APP=b_restserver</a:t>
             </a:r>
@@ -11299,6 +10743,7 @@
                   <a:srgbClr val="ffffff"/>
                 </a:solidFill>
                 <a:latin typeface="Courier New"/>
+                <a:ea typeface="DejaVu Sans"/>
               </a:rPr>
               <a:t>flask run</a:t>
             </a:r>
@@ -11317,7 +10762,7 @@
         <p:spPr>
           <a:xfrm>
             <a:off x="1270080" y="5175720"/>
-            <a:ext cx="6413760" cy="576360"/>
+            <a:ext cx="6413400" cy="576360"/>
           </a:xfrm>
           <a:prstGeom prst="rect">
             <a:avLst/>
@@ -11363,6 +10808,7 @@
                   <a:srgbClr val="ffffff"/>
                 </a:solidFill>
                 <a:latin typeface="Courier New"/>
+                <a:ea typeface="DejaVu Sans"/>
               </a:rPr>
               <a:t>set FLASK_APP=b_restserver</a:t>
             </a:r>
@@ -11383,6 +10829,7 @@
                   <a:srgbClr val="ffffff"/>
                 </a:solidFill>
                 <a:latin typeface="Courier New"/>
+                <a:ea typeface="DejaVu Sans"/>
               </a:rPr>
               <a:t>flask run</a:t>
             </a:r>
@@ -11435,18 +10882,18 @@
         <p:spPr>
           <a:xfrm>
             <a:off x="1069920" y="484560"/>
-            <a:ext cx="10058040" cy="1608840"/>
-          </a:xfrm>
-          <a:prstGeom prst="rect">
-            <a:avLst/>
-          </a:prstGeom>
-          <a:noFill/>
-          <a:ln w="0">
-            <a:noFill/>
-          </a:ln>
-        </p:spPr>
-        <p:txBody>
-          <a:bodyPr anchor="ctr">
+            <a:ext cx="10057680" cy="1608480"/>
+          </a:xfrm>
+          <a:prstGeom prst="rect">
+            <a:avLst/>
+          </a:prstGeom>
+          <a:noFill/>
+          <a:ln w="0">
+            <a:noFill/>
+          </a:ln>
+        </p:spPr>
+        <p:txBody>
+          <a:bodyPr lIns="90000" rIns="90000" tIns="45000" bIns="45000" anchor="ctr">
             <a:noAutofit/>
           </a:bodyPr>
           <a:p>
@@ -11462,11 +10909,8 @@
               </a:rPr>
               <a:t>Demonstration</a:t>
             </a:r>
-            <a:endParaRPr b="0" lang="en-US" sz="5400" spc="-1" strike="noStrike">
-              <a:solidFill>
-                <a:srgbClr val="000000"/>
-              </a:solidFill>
-              <a:latin typeface="Rockwell"/>
+            <a:endParaRPr b="0" lang="en-IE" sz="5400" spc="-1" strike="noStrike">
+              <a:latin typeface="Arial"/>
             </a:endParaRPr>
           </a:p>
         </p:txBody>
@@ -11514,18 +10958,18 @@
         <p:spPr>
           <a:xfrm>
             <a:off x="1069920" y="484560"/>
-            <a:ext cx="10058040" cy="1608840"/>
-          </a:xfrm>
-          <a:prstGeom prst="rect">
-            <a:avLst/>
-          </a:prstGeom>
-          <a:noFill/>
-          <a:ln w="0">
-            <a:noFill/>
-          </a:ln>
-        </p:spPr>
-        <p:txBody>
-          <a:bodyPr anchor="ctr">
+            <a:ext cx="10057680" cy="1608480"/>
+          </a:xfrm>
+          <a:prstGeom prst="rect">
+            <a:avLst/>
+          </a:prstGeom>
+          <a:noFill/>
+          <a:ln w="0">
+            <a:noFill/>
+          </a:ln>
+        </p:spPr>
+        <p:txBody>
+          <a:bodyPr lIns="90000" rIns="90000" tIns="45000" bIns="45000" anchor="ctr">
             <a:noAutofit/>
           </a:bodyPr>
           <a:p>
@@ -11541,11 +10985,8 @@
               </a:rPr>
               <a:t>Conclusion</a:t>
             </a:r>
-            <a:endParaRPr b="0" lang="en-US" sz="5400" spc="-1" strike="noStrike">
-              <a:solidFill>
-                <a:srgbClr val="000000"/>
-              </a:solidFill>
-              <a:latin typeface="Rockwell"/>
+            <a:endParaRPr b="0" lang="en-IE" sz="5400" spc="-1" strike="noStrike">
+              <a:latin typeface="Arial"/>
             </a:endParaRPr>
           </a:p>
         </p:txBody>
@@ -11563,18 +11004,18 @@
         <p:spPr>
           <a:xfrm>
             <a:off x="1069920" y="2121480"/>
-            <a:ext cx="10058040" cy="4050360"/>
-          </a:xfrm>
-          <a:prstGeom prst="rect">
-            <a:avLst/>
-          </a:prstGeom>
-          <a:noFill/>
-          <a:ln w="0">
-            <a:noFill/>
-          </a:ln>
-        </p:spPr>
-        <p:txBody>
-          <a:bodyPr anchor="t">
+            <a:ext cx="10057680" cy="4050000"/>
+          </a:xfrm>
+          <a:prstGeom prst="rect">
+            <a:avLst/>
+          </a:prstGeom>
+          <a:noFill/>
+          <a:ln w="0">
+            <a:noFill/>
+          </a:ln>
+        </p:spPr>
+        <p:txBody>
+          <a:bodyPr lIns="90000" rIns="90000" tIns="45000" bIns="45000" anchor="t">
             <a:noAutofit/>
           </a:bodyPr>
           <a:p>
@@ -11601,11 +11042,8 @@
               </a:rPr>
               <a:t>Flask is an app server</a:t>
             </a:r>
-            <a:endParaRPr b="0" lang="en-US" sz="2000" spc="-1" strike="noStrike">
-              <a:solidFill>
-                <a:srgbClr val="000000"/>
-              </a:solidFill>
-              <a:latin typeface="Rockwell"/>
+            <a:endParaRPr b="0" lang="en-IE" sz="2000" spc="-1" strike="noStrike">
+              <a:latin typeface="Arial"/>
             </a:endParaRPr>
           </a:p>
           <a:p>
@@ -11632,11 +11070,8 @@
               </a:rPr>
               <a:t>There are two ways of running it</a:t>
             </a:r>
-            <a:endParaRPr b="0" lang="en-US" sz="2000" spc="-1" strike="noStrike">
-              <a:solidFill>
-                <a:srgbClr val="000000"/>
-              </a:solidFill>
-              <a:latin typeface="Rockwell"/>
+            <a:endParaRPr b="0" lang="en-IE" sz="2000" spc="-1" strike="noStrike">
+              <a:latin typeface="Arial"/>
             </a:endParaRPr>
           </a:p>
         </p:txBody>
